--- a/05_Implementation/Statistical evaluation/ggseg_plot.pptx
+++ b/05_Implementation/Statistical evaluation/ggseg_plot.pptx
@@ -2,18 +2,19 @@
 <file path=ppt/presentation.xml><?xml version="1.0" encoding="utf-8"?>
 <p:presentation xmlns:a="http://schemas.openxmlformats.org/drawingml/2006/main" xmlns:r="http://schemas.openxmlformats.org/officeDocument/2006/relationships" xmlns:p="http://schemas.openxmlformats.org/presentationml/2006/main" saveSubsetFonts="1">
   <p:sldMasterIdLst>
-    <p:sldMasterId id="2147483648" r:id="rId1"/>
+    <p:sldMasterId id="2147483660" r:id="rId1"/>
   </p:sldMasterIdLst>
   <p:sldIdLst>
     <p:sldId id="256" r:id="rId2"/>
+    <p:sldId id="257" r:id="rId3"/>
   </p:sldIdLst>
-  <p:sldSz cx="12192000" cy="6858000"/>
+  <p:sldSz cx="12192000" cy="8999538"/>
   <p:notesSz cx="6858000" cy="9144000"/>
   <p:defaultTextStyle>
     <a:defPPr>
       <a:defRPr lang="en-US"/>
     </a:defPPr>
-    <a:lvl1pPr marL="0" algn="l" defTabSz="914400" rtl="0" eaLnBrk="1" latinLnBrk="0" hangingPunct="1">
+    <a:lvl1pPr marL="0" algn="l" defTabSz="457200" rtl="0" eaLnBrk="1" latinLnBrk="0" hangingPunct="1">
       <a:defRPr sz="1800" kern="1200">
         <a:solidFill>
           <a:schemeClr val="tx1"/>
@@ -23,7 +24,7 @@
         <a:cs typeface="+mn-cs"/>
       </a:defRPr>
     </a:lvl1pPr>
-    <a:lvl2pPr marL="457200" algn="l" defTabSz="914400" rtl="0" eaLnBrk="1" latinLnBrk="0" hangingPunct="1">
+    <a:lvl2pPr marL="457200" algn="l" defTabSz="457200" rtl="0" eaLnBrk="1" latinLnBrk="0" hangingPunct="1">
       <a:defRPr sz="1800" kern="1200">
         <a:solidFill>
           <a:schemeClr val="tx1"/>
@@ -33,7 +34,7 @@
         <a:cs typeface="+mn-cs"/>
       </a:defRPr>
     </a:lvl2pPr>
-    <a:lvl3pPr marL="914400" algn="l" defTabSz="914400" rtl="0" eaLnBrk="1" latinLnBrk="0" hangingPunct="1">
+    <a:lvl3pPr marL="914400" algn="l" defTabSz="457200" rtl="0" eaLnBrk="1" latinLnBrk="0" hangingPunct="1">
       <a:defRPr sz="1800" kern="1200">
         <a:solidFill>
           <a:schemeClr val="tx1"/>
@@ -43,7 +44,7 @@
         <a:cs typeface="+mn-cs"/>
       </a:defRPr>
     </a:lvl3pPr>
-    <a:lvl4pPr marL="1371600" algn="l" defTabSz="914400" rtl="0" eaLnBrk="1" latinLnBrk="0" hangingPunct="1">
+    <a:lvl4pPr marL="1371600" algn="l" defTabSz="457200" rtl="0" eaLnBrk="1" latinLnBrk="0" hangingPunct="1">
       <a:defRPr sz="1800" kern="1200">
         <a:solidFill>
           <a:schemeClr val="tx1"/>
@@ -53,7 +54,7 @@
         <a:cs typeface="+mn-cs"/>
       </a:defRPr>
     </a:lvl4pPr>
-    <a:lvl5pPr marL="1828800" algn="l" defTabSz="914400" rtl="0" eaLnBrk="1" latinLnBrk="0" hangingPunct="1">
+    <a:lvl5pPr marL="1828800" algn="l" defTabSz="457200" rtl="0" eaLnBrk="1" latinLnBrk="0" hangingPunct="1">
       <a:defRPr sz="1800" kern="1200">
         <a:solidFill>
           <a:schemeClr val="tx1"/>
@@ -63,7 +64,7 @@
         <a:cs typeface="+mn-cs"/>
       </a:defRPr>
     </a:lvl5pPr>
-    <a:lvl6pPr marL="2286000" algn="l" defTabSz="914400" rtl="0" eaLnBrk="1" latinLnBrk="0" hangingPunct="1">
+    <a:lvl6pPr marL="2286000" algn="l" defTabSz="457200" rtl="0" eaLnBrk="1" latinLnBrk="0" hangingPunct="1">
       <a:defRPr sz="1800" kern="1200">
         <a:solidFill>
           <a:schemeClr val="tx1"/>
@@ -73,7 +74,7 @@
         <a:cs typeface="+mn-cs"/>
       </a:defRPr>
     </a:lvl6pPr>
-    <a:lvl7pPr marL="2743200" algn="l" defTabSz="914400" rtl="0" eaLnBrk="1" latinLnBrk="0" hangingPunct="1">
+    <a:lvl7pPr marL="2743200" algn="l" defTabSz="457200" rtl="0" eaLnBrk="1" latinLnBrk="0" hangingPunct="1">
       <a:defRPr sz="1800" kern="1200">
         <a:solidFill>
           <a:schemeClr val="tx1"/>
@@ -83,7 +84,7 @@
         <a:cs typeface="+mn-cs"/>
       </a:defRPr>
     </a:lvl7pPr>
-    <a:lvl8pPr marL="3200400" algn="l" defTabSz="914400" rtl="0" eaLnBrk="1" latinLnBrk="0" hangingPunct="1">
+    <a:lvl8pPr marL="3200400" algn="l" defTabSz="457200" rtl="0" eaLnBrk="1" latinLnBrk="0" hangingPunct="1">
       <a:defRPr sz="1800" kern="1200">
         <a:solidFill>
           <a:schemeClr val="tx1"/>
@@ -93,7 +94,7 @@
         <a:cs typeface="+mn-cs"/>
       </a:defRPr>
     </a:lvl8pPr>
-    <a:lvl9pPr marL="3657600" algn="l" defTabSz="914400" rtl="0" eaLnBrk="1" latinLnBrk="0" hangingPunct="1">
+    <a:lvl9pPr marL="3657600" algn="l" defTabSz="457200" rtl="0" eaLnBrk="1" latinLnBrk="0" hangingPunct="1">
       <a:defRPr sz="1800" kern="1200">
         <a:solidFill>
           <a:schemeClr val="tx1"/>
@@ -104,19 +105,199 @@
       </a:defRPr>
     </a:lvl9pPr>
   </p:defaultTextStyle>
+  <p:extLst>
+    <p:ext uri="{EFAFB233-063F-42B5-8137-9DF3F51BA10A}">
+      <p15:sldGuideLst xmlns:p15="http://schemas.microsoft.com/office/powerpoint/2012/main"/>
+    </p:ext>
+  </p:extLst>
 </p:presentation>
 </file>
 
 <file path=ppt/revisionInfo.xml><?xml version="1.0" encoding="utf-8"?>
 <p1510:revInfo xmlns:a="http://schemas.openxmlformats.org/drawingml/2006/main" xmlns:r="http://schemas.openxmlformats.org/officeDocument/2006/relationships" xmlns:p1510="http://schemas.microsoft.com/office/powerpoint/2015/10/main">
   <p1510:revLst>
-    <p1510:client id="{AAC71547-B6DE-4861-BAEE-388AB83E9918}" v="15" dt="2024-07-31T08:06:49.229"/>
+    <p1510:client id="{D4885D0E-BC54-4931-8389-3DD07C4FE883}" v="8" dt="2024-08-19T07:12:04.833"/>
   </p1510:revLst>
 </p1510:revInfo>
 </file>
 
 <file path=ppt/changesInfos/changesInfo1.xml><?xml version="1.0" encoding="utf-8"?>
 <pc:chgInfo xmlns:a="http://schemas.openxmlformats.org/drawingml/2006/main" xmlns:r="http://schemas.openxmlformats.org/officeDocument/2006/relationships" xmlns:ac="http://schemas.microsoft.com/office/drawing/2013/main/command" xmlns:pc="http://schemas.microsoft.com/office/powerpoint/2013/main/command">
+  <pc:docChgLst>
+    <pc:chgData name="Uhr, Vinzenz Nathan (STUDENTS)" userId="f4f67b1a-e021-4569-b4a5-fe6b7216375a" providerId="ADAL" clId="{D4885D0E-BC54-4931-8389-3DD07C4FE883}"/>
+    <pc:docChg chg="undo redo custSel addSld delSld modSld">
+      <pc:chgData name="Uhr, Vinzenz Nathan (STUDENTS)" userId="f4f67b1a-e021-4569-b4a5-fe6b7216375a" providerId="ADAL" clId="{D4885D0E-BC54-4931-8389-3DD07C4FE883}" dt="2024-08-19T09:23:05.008" v="142" actId="1076"/>
+      <pc:docMkLst>
+        <pc:docMk/>
+      </pc:docMkLst>
+      <pc:sldChg chg="addSp modSp add mod setBg">
+        <pc:chgData name="Uhr, Vinzenz Nathan (STUDENTS)" userId="f4f67b1a-e021-4569-b4a5-fe6b7216375a" providerId="ADAL" clId="{D4885D0E-BC54-4931-8389-3DD07C4FE883}" dt="2024-08-19T09:23:05.008" v="142" actId="1076"/>
+        <pc:sldMkLst>
+          <pc:docMk/>
+          <pc:sldMk cId="1344157717" sldId="257"/>
+        </pc:sldMkLst>
+        <pc:spChg chg="add mod">
+          <ac:chgData name="Uhr, Vinzenz Nathan (STUDENTS)" userId="f4f67b1a-e021-4569-b4a5-fe6b7216375a" providerId="ADAL" clId="{D4885D0E-BC54-4931-8389-3DD07C4FE883}" dt="2024-08-19T07:12:07.993" v="136" actId="1076"/>
+          <ac:spMkLst>
+            <pc:docMk/>
+            <pc:sldMk cId="1344157717" sldId="257"/>
+            <ac:spMk id="8" creationId="{03199C90-E018-860B-E29E-2E3F7F2DB221}"/>
+          </ac:spMkLst>
+        </pc:spChg>
+        <pc:spChg chg="mod">
+          <ac:chgData name="Uhr, Vinzenz Nathan (STUDENTS)" userId="f4f67b1a-e021-4569-b4a5-fe6b7216375a" providerId="ADAL" clId="{D4885D0E-BC54-4931-8389-3DD07C4FE883}" dt="2024-08-19T07:05:05.891" v="2" actId="1076"/>
+          <ac:spMkLst>
+            <pc:docMk/>
+            <pc:sldMk cId="1344157717" sldId="257"/>
+            <ac:spMk id="17" creationId="{A025E35D-3D0C-51AB-0608-E15D7134C475}"/>
+          </ac:spMkLst>
+        </pc:spChg>
+        <pc:spChg chg="mod">
+          <ac:chgData name="Uhr, Vinzenz Nathan (STUDENTS)" userId="f4f67b1a-e021-4569-b4a5-fe6b7216375a" providerId="ADAL" clId="{D4885D0E-BC54-4931-8389-3DD07C4FE883}" dt="2024-08-19T07:05:05.891" v="2" actId="1076"/>
+          <ac:spMkLst>
+            <pc:docMk/>
+            <pc:sldMk cId="1344157717" sldId="257"/>
+            <ac:spMk id="18" creationId="{61FD4848-0129-0E64-6C7B-11321A54AE47}"/>
+          </ac:spMkLst>
+        </pc:spChg>
+        <pc:spChg chg="mod">
+          <ac:chgData name="Uhr, Vinzenz Nathan (STUDENTS)" userId="f4f67b1a-e021-4569-b4a5-fe6b7216375a" providerId="ADAL" clId="{D4885D0E-BC54-4931-8389-3DD07C4FE883}" dt="2024-08-19T07:05:05.891" v="2" actId="1076"/>
+          <ac:spMkLst>
+            <pc:docMk/>
+            <pc:sldMk cId="1344157717" sldId="257"/>
+            <ac:spMk id="19" creationId="{CD6D2806-49D4-C7C7-F75D-C2648C1AD30A}"/>
+          </ac:spMkLst>
+        </pc:spChg>
+        <pc:spChg chg="mod">
+          <ac:chgData name="Uhr, Vinzenz Nathan (STUDENTS)" userId="f4f67b1a-e021-4569-b4a5-fe6b7216375a" providerId="ADAL" clId="{D4885D0E-BC54-4931-8389-3DD07C4FE883}" dt="2024-08-19T07:05:05.891" v="2" actId="1076"/>
+          <ac:spMkLst>
+            <pc:docMk/>
+            <pc:sldMk cId="1344157717" sldId="257"/>
+            <ac:spMk id="20" creationId="{95DD9D38-1C7C-7349-3F4E-3CB222C5A31B}"/>
+          </ac:spMkLst>
+        </pc:spChg>
+        <pc:spChg chg="mod">
+          <ac:chgData name="Uhr, Vinzenz Nathan (STUDENTS)" userId="f4f67b1a-e021-4569-b4a5-fe6b7216375a" providerId="ADAL" clId="{D4885D0E-BC54-4931-8389-3DD07C4FE883}" dt="2024-08-19T07:05:05.891" v="2" actId="1076"/>
+          <ac:spMkLst>
+            <pc:docMk/>
+            <pc:sldMk cId="1344157717" sldId="257"/>
+            <ac:spMk id="21" creationId="{15771D7B-3B53-A5B4-FED7-F1306E2B4CE5}"/>
+          </ac:spMkLst>
+        </pc:spChg>
+        <pc:spChg chg="mod">
+          <ac:chgData name="Uhr, Vinzenz Nathan (STUDENTS)" userId="f4f67b1a-e021-4569-b4a5-fe6b7216375a" providerId="ADAL" clId="{D4885D0E-BC54-4931-8389-3DD07C4FE883}" dt="2024-08-19T07:05:05.891" v="2" actId="1076"/>
+          <ac:spMkLst>
+            <pc:docMk/>
+            <pc:sldMk cId="1344157717" sldId="257"/>
+            <ac:spMk id="22" creationId="{CA640A42-7A05-ED19-4DB1-7C1156E71DF9}"/>
+          </ac:spMkLst>
+        </pc:spChg>
+        <pc:spChg chg="mod">
+          <ac:chgData name="Uhr, Vinzenz Nathan (STUDENTS)" userId="f4f67b1a-e021-4569-b4a5-fe6b7216375a" providerId="ADAL" clId="{D4885D0E-BC54-4931-8389-3DD07C4FE883}" dt="2024-08-19T07:11:33.625" v="121" actId="1076"/>
+          <ac:spMkLst>
+            <pc:docMk/>
+            <pc:sldMk cId="1344157717" sldId="257"/>
+            <ac:spMk id="23" creationId="{862253A5-654B-D576-C2AA-8E8CE8A3DDDA}"/>
+          </ac:spMkLst>
+        </pc:spChg>
+        <pc:picChg chg="add mod modCrop">
+          <ac:chgData name="Uhr, Vinzenz Nathan (STUDENTS)" userId="f4f67b1a-e021-4569-b4a5-fe6b7216375a" providerId="ADAL" clId="{D4885D0E-BC54-4931-8389-3DD07C4FE883}" dt="2024-08-19T07:11:26.631" v="120" actId="1076"/>
+          <ac:picMkLst>
+            <pc:docMk/>
+            <pc:sldMk cId="1344157717" sldId="257"/>
+            <ac:picMk id="3" creationId="{D9AF14FC-7C4A-1228-F7F9-A4CC7D4BC5ED}"/>
+          </ac:picMkLst>
+        </pc:picChg>
+        <pc:picChg chg="mod">
+          <ac:chgData name="Uhr, Vinzenz Nathan (STUDENTS)" userId="f4f67b1a-e021-4569-b4a5-fe6b7216375a" providerId="ADAL" clId="{D4885D0E-BC54-4931-8389-3DD07C4FE883}" dt="2024-08-19T07:05:05.891" v="2" actId="1076"/>
+          <ac:picMkLst>
+            <pc:docMk/>
+            <pc:sldMk cId="1344157717" sldId="257"/>
+            <ac:picMk id="5" creationId="{DBCCEEF3-1E50-A4E6-1F77-976EBCB0468E}"/>
+          </ac:picMkLst>
+        </pc:picChg>
+        <pc:picChg chg="add mod modCrop">
+          <ac:chgData name="Uhr, Vinzenz Nathan (STUDENTS)" userId="f4f67b1a-e021-4569-b4a5-fe6b7216375a" providerId="ADAL" clId="{D4885D0E-BC54-4931-8389-3DD07C4FE883}" dt="2024-08-19T07:11:26.631" v="120" actId="1076"/>
+          <ac:picMkLst>
+            <pc:docMk/>
+            <pc:sldMk cId="1344157717" sldId="257"/>
+            <ac:picMk id="6" creationId="{68958D16-B08B-9195-5BA5-192AF8024FD7}"/>
+          </ac:picMkLst>
+        </pc:picChg>
+        <pc:picChg chg="mod">
+          <ac:chgData name="Uhr, Vinzenz Nathan (STUDENTS)" userId="f4f67b1a-e021-4569-b4a5-fe6b7216375a" providerId="ADAL" clId="{D4885D0E-BC54-4931-8389-3DD07C4FE883}" dt="2024-08-19T07:05:05.891" v="2" actId="1076"/>
+          <ac:picMkLst>
+            <pc:docMk/>
+            <pc:sldMk cId="1344157717" sldId="257"/>
+            <ac:picMk id="7" creationId="{88C718D2-F7CB-9A6A-A35A-9AA4DF62B444}"/>
+          </ac:picMkLst>
+        </pc:picChg>
+        <pc:picChg chg="mod">
+          <ac:chgData name="Uhr, Vinzenz Nathan (STUDENTS)" userId="f4f67b1a-e021-4569-b4a5-fe6b7216375a" providerId="ADAL" clId="{D4885D0E-BC54-4931-8389-3DD07C4FE883}" dt="2024-08-19T07:11:33.625" v="121" actId="1076"/>
+          <ac:picMkLst>
+            <pc:docMk/>
+            <pc:sldMk cId="1344157717" sldId="257"/>
+            <ac:picMk id="9" creationId="{E3E20ACE-F01A-92E1-DC3C-5CAD27FD6DE9}"/>
+          </ac:picMkLst>
+        </pc:picChg>
+        <pc:picChg chg="mod">
+          <ac:chgData name="Uhr, Vinzenz Nathan (STUDENTS)" userId="f4f67b1a-e021-4569-b4a5-fe6b7216375a" providerId="ADAL" clId="{D4885D0E-BC54-4931-8389-3DD07C4FE883}" dt="2024-08-19T07:05:05.891" v="2" actId="1076"/>
+          <ac:picMkLst>
+            <pc:docMk/>
+            <pc:sldMk cId="1344157717" sldId="257"/>
+            <ac:picMk id="10" creationId="{CFBF537A-B600-09A4-F107-E407763E71F7}"/>
+          </ac:picMkLst>
+        </pc:picChg>
+        <pc:picChg chg="mod">
+          <ac:chgData name="Uhr, Vinzenz Nathan (STUDENTS)" userId="f4f67b1a-e021-4569-b4a5-fe6b7216375a" providerId="ADAL" clId="{D4885D0E-BC54-4931-8389-3DD07C4FE883}" dt="2024-08-19T07:05:05.891" v="2" actId="1076"/>
+          <ac:picMkLst>
+            <pc:docMk/>
+            <pc:sldMk cId="1344157717" sldId="257"/>
+            <ac:picMk id="11" creationId="{EDA782A6-17D7-91BC-9770-656476586304}"/>
+          </ac:picMkLst>
+        </pc:picChg>
+        <pc:picChg chg="mod">
+          <ac:chgData name="Uhr, Vinzenz Nathan (STUDENTS)" userId="f4f67b1a-e021-4569-b4a5-fe6b7216375a" providerId="ADAL" clId="{D4885D0E-BC54-4931-8389-3DD07C4FE883}" dt="2024-08-19T07:11:33.625" v="121" actId="1076"/>
+          <ac:picMkLst>
+            <pc:docMk/>
+            <pc:sldMk cId="1344157717" sldId="257"/>
+            <ac:picMk id="12" creationId="{2F938992-178F-DF03-A667-96541EDE4AEE}"/>
+          </ac:picMkLst>
+        </pc:picChg>
+        <pc:picChg chg="mod">
+          <ac:chgData name="Uhr, Vinzenz Nathan (STUDENTS)" userId="f4f67b1a-e021-4569-b4a5-fe6b7216375a" providerId="ADAL" clId="{D4885D0E-BC54-4931-8389-3DD07C4FE883}" dt="2024-08-19T09:23:05.008" v="142" actId="1076"/>
+          <ac:picMkLst>
+            <pc:docMk/>
+            <pc:sldMk cId="1344157717" sldId="257"/>
+            <ac:picMk id="15" creationId="{0F8D913B-0612-A73D-D78F-065BA8B171B0}"/>
+          </ac:picMkLst>
+        </pc:picChg>
+      </pc:sldChg>
+      <pc:sldChg chg="addSp modSp new del">
+        <pc:chgData name="Uhr, Vinzenz Nathan (STUDENTS)" userId="f4f67b1a-e021-4569-b4a5-fe6b7216375a" providerId="ADAL" clId="{D4885D0E-BC54-4931-8389-3DD07C4FE883}" dt="2024-08-19T07:12:25.136" v="138" actId="47"/>
+        <pc:sldMkLst>
+          <pc:docMk/>
+          <pc:sldMk cId="3778412080" sldId="258"/>
+        </pc:sldMkLst>
+        <pc:picChg chg="add mod">
+          <ac:chgData name="Uhr, Vinzenz Nathan (STUDENTS)" userId="f4f67b1a-e021-4569-b4a5-fe6b7216375a" providerId="ADAL" clId="{D4885D0E-BC54-4931-8389-3DD07C4FE883}" dt="2024-08-19T07:05:47.772" v="16"/>
+          <ac:picMkLst>
+            <pc:docMk/>
+            <pc:sldMk cId="3778412080" sldId="258"/>
+            <ac:picMk id="4" creationId="{E9F6C521-A7F2-7D46-97A8-5CECBB88FAAB}"/>
+          </ac:picMkLst>
+        </pc:picChg>
+        <pc:picChg chg="add mod">
+          <ac:chgData name="Uhr, Vinzenz Nathan (STUDENTS)" userId="f4f67b1a-e021-4569-b4a5-fe6b7216375a" providerId="ADAL" clId="{D4885D0E-BC54-4931-8389-3DD07C4FE883}" dt="2024-08-19T07:05:47.772" v="16"/>
+          <ac:picMkLst>
+            <pc:docMk/>
+            <pc:sldMk cId="3778412080" sldId="258"/>
+            <ac:picMk id="5" creationId="{F18E47B1-416E-172B-CDAD-187A1ED12096}"/>
+          </ac:picMkLst>
+        </pc:picChg>
+      </pc:sldChg>
+    </pc:docChg>
+  </pc:docChgLst>
   <pc:docChgLst>
     <pc:chgData name="Uhr, Vinzenz Nathan (STUDENTS)" userId="f4f67b1a-e021-4569-b4a5-fe6b7216375a" providerId="ADAL" clId="{AAC71547-B6DE-4861-BAEE-388AB83E9918}"/>
     <pc:docChg chg="undo custSel modSld">
@@ -275,13 +456,7 @@
       </p:grpSpPr>
       <p:sp>
         <p:nvSpPr>
-          <p:cNvPr id="2" name="Titel 1">
-            <a:extLst>
-              <a:ext uri="{FF2B5EF4-FFF2-40B4-BE49-F238E27FC236}">
-                <a16:creationId xmlns:a16="http://schemas.microsoft.com/office/drawing/2014/main" id="{0C4CBF57-82BC-EB1C-1693-17D310510996}"/>
-              </a:ext>
-            </a:extLst>
-          </p:cNvPr>
+          <p:cNvPr id="2" name="Title 1"/>
           <p:cNvSpPr>
             <a:spLocks noGrp="1"/>
           </p:cNvSpPr>
@@ -291,15 +466,15 @@
         </p:nvSpPr>
         <p:spPr>
           <a:xfrm>
-            <a:off x="1524000" y="1122363"/>
-            <a:ext cx="9144000" cy="2387600"/>
+            <a:off x="914400" y="1472842"/>
+            <a:ext cx="10363200" cy="3133172"/>
           </a:xfrm>
         </p:spPr>
         <p:txBody>
           <a:bodyPr anchor="b"/>
           <a:lstStyle>
             <a:lvl1pPr algn="ctr">
-              <a:defRPr sz="6000"/>
+              <a:defRPr sz="7874"/>
             </a:lvl1pPr>
           </a:lstStyle>
           <a:p>
@@ -307,19 +482,13 @@
               <a:rPr lang="de-DE"/>
               <a:t>Mastertitelformat bearbeiten</a:t>
             </a:r>
-            <a:endParaRPr lang="en-GB"/>
-          </a:p>
-        </p:txBody>
-      </p:sp>
-      <p:sp>
-        <p:nvSpPr>
-          <p:cNvPr id="3" name="Untertitel 2">
-            <a:extLst>
-              <a:ext uri="{FF2B5EF4-FFF2-40B4-BE49-F238E27FC236}">
-                <a16:creationId xmlns:a16="http://schemas.microsoft.com/office/drawing/2014/main" id="{65C641EC-4485-7A77-95CC-C3B6E9D9072E}"/>
-              </a:ext>
-            </a:extLst>
-          </p:cNvPr>
+            <a:endParaRPr lang="en-US" dirty="0"/>
+          </a:p>
+        </p:txBody>
+      </p:sp>
+      <p:sp>
+        <p:nvSpPr>
+          <p:cNvPr id="3" name="Subtitle 2"/>
           <p:cNvSpPr>
             <a:spLocks noGrp="1"/>
           </p:cNvSpPr>
@@ -329,8 +498,8 @@
         </p:nvSpPr>
         <p:spPr>
           <a:xfrm>
-            <a:off x="1524000" y="3602038"/>
-            <a:ext cx="9144000" cy="1655762"/>
+            <a:off x="1524000" y="4726842"/>
+            <a:ext cx="9144000" cy="2172804"/>
           </a:xfrm>
         </p:spPr>
         <p:txBody>
@@ -338,39 +507,39 @@
           <a:lstStyle>
             <a:lvl1pPr marL="0" indent="0" algn="ctr">
               <a:buNone/>
-              <a:defRPr sz="2400"/>
+              <a:defRPr sz="3150"/>
             </a:lvl1pPr>
-            <a:lvl2pPr marL="457200" indent="0" algn="ctr">
-              <a:buNone/>
-              <a:defRPr sz="2000"/>
+            <a:lvl2pPr marL="599984" indent="0" algn="ctr">
+              <a:buNone/>
+              <a:defRPr sz="2625"/>
             </a:lvl2pPr>
-            <a:lvl3pPr marL="914400" indent="0" algn="ctr">
-              <a:buNone/>
-              <a:defRPr sz="1800"/>
+            <a:lvl3pPr marL="1199967" indent="0" algn="ctr">
+              <a:buNone/>
+              <a:defRPr sz="2362"/>
             </a:lvl3pPr>
-            <a:lvl4pPr marL="1371600" indent="0" algn="ctr">
-              <a:buNone/>
-              <a:defRPr sz="1600"/>
+            <a:lvl4pPr marL="1799951" indent="0" algn="ctr">
+              <a:buNone/>
+              <a:defRPr sz="2100"/>
             </a:lvl4pPr>
-            <a:lvl5pPr marL="1828800" indent="0" algn="ctr">
-              <a:buNone/>
-              <a:defRPr sz="1600"/>
+            <a:lvl5pPr marL="2399934" indent="0" algn="ctr">
+              <a:buNone/>
+              <a:defRPr sz="2100"/>
             </a:lvl5pPr>
-            <a:lvl6pPr marL="2286000" indent="0" algn="ctr">
-              <a:buNone/>
-              <a:defRPr sz="1600"/>
+            <a:lvl6pPr marL="2999918" indent="0" algn="ctr">
+              <a:buNone/>
+              <a:defRPr sz="2100"/>
             </a:lvl6pPr>
-            <a:lvl7pPr marL="2743200" indent="0" algn="ctr">
-              <a:buNone/>
-              <a:defRPr sz="1600"/>
+            <a:lvl7pPr marL="3599901" indent="0" algn="ctr">
+              <a:buNone/>
+              <a:defRPr sz="2100"/>
             </a:lvl7pPr>
-            <a:lvl8pPr marL="3200400" indent="0" algn="ctr">
-              <a:buNone/>
-              <a:defRPr sz="1600"/>
+            <a:lvl8pPr marL="4199885" indent="0" algn="ctr">
+              <a:buNone/>
+              <a:defRPr sz="2100"/>
             </a:lvl8pPr>
-            <a:lvl9pPr marL="3657600" indent="0" algn="ctr">
-              <a:buNone/>
-              <a:defRPr sz="1600"/>
+            <a:lvl9pPr marL="4799868" indent="0" algn="ctr">
+              <a:buNone/>
+              <a:defRPr sz="2100"/>
             </a:lvl9pPr>
           </a:lstStyle>
           <a:p>
@@ -378,19 +547,13 @@
               <a:rPr lang="de-DE"/>
               <a:t>Master-Untertitelformat bearbeiten</a:t>
             </a:r>
-            <a:endParaRPr lang="en-GB"/>
-          </a:p>
-        </p:txBody>
-      </p:sp>
-      <p:sp>
-        <p:nvSpPr>
-          <p:cNvPr id="4" name="Datumsplatzhalter 3">
-            <a:extLst>
-              <a:ext uri="{FF2B5EF4-FFF2-40B4-BE49-F238E27FC236}">
-                <a16:creationId xmlns:a16="http://schemas.microsoft.com/office/drawing/2014/main" id="{11335919-890B-AF9F-FC06-EE29F203736C}"/>
-              </a:ext>
-            </a:extLst>
-          </p:cNvPr>
+            <a:endParaRPr lang="en-US" dirty="0"/>
+          </a:p>
+        </p:txBody>
+      </p:sp>
+      <p:sp>
+        <p:nvSpPr>
+          <p:cNvPr id="4" name="Date Placeholder 3"/>
           <p:cNvSpPr>
             <a:spLocks noGrp="1"/>
           </p:cNvSpPr>
@@ -405,7 +568,7 @@
           <a:p>
             <a:fld id="{4906B8C8-EA00-4A12-BB7F-A6E92F5ACBF9}" type="datetimeFigureOut">
               <a:rPr lang="en-GB" smtClean="0"/>
-              <a:t>31/07/2024</a:t>
+              <a:t>19/08/2024</a:t>
             </a:fld>
             <a:endParaRPr lang="en-GB"/>
           </a:p>
@@ -413,13 +576,7 @@
       </p:sp>
       <p:sp>
         <p:nvSpPr>
-          <p:cNvPr id="5" name="Fußzeilenplatzhalter 4">
-            <a:extLst>
-              <a:ext uri="{FF2B5EF4-FFF2-40B4-BE49-F238E27FC236}">
-                <a16:creationId xmlns:a16="http://schemas.microsoft.com/office/drawing/2014/main" id="{CDAA3E89-9469-E4F2-5AAD-81C0D27339C0}"/>
-              </a:ext>
-            </a:extLst>
-          </p:cNvPr>
+          <p:cNvPr id="5" name="Footer Placeholder 4"/>
           <p:cNvSpPr>
             <a:spLocks noGrp="1"/>
           </p:cNvSpPr>
@@ -438,13 +595,7 @@
       </p:sp>
       <p:sp>
         <p:nvSpPr>
-          <p:cNvPr id="6" name="Foliennummernplatzhalter 5">
-            <a:extLst>
-              <a:ext uri="{FF2B5EF4-FFF2-40B4-BE49-F238E27FC236}">
-                <a16:creationId xmlns:a16="http://schemas.microsoft.com/office/drawing/2014/main" id="{4DBAD45D-F3DB-7C2A-9CAD-01D4FB85C044}"/>
-              </a:ext>
-            </a:extLst>
-          </p:cNvPr>
+          <p:cNvPr id="6" name="Slide Number Placeholder 5"/>
           <p:cNvSpPr>
             <a:spLocks noGrp="1"/>
           </p:cNvSpPr>
@@ -468,7 +619,7 @@
     </p:spTree>
     <p:extLst>
       <p:ext uri="{BB962C8B-B14F-4D97-AF65-F5344CB8AC3E}">
-        <p14:creationId xmlns:p14="http://schemas.microsoft.com/office/powerpoint/2010/main" val="2560293566"/>
+        <p14:creationId xmlns:p14="http://schemas.microsoft.com/office/powerpoint/2010/main" val="3510256742"/>
       </p:ext>
     </p:extLst>
   </p:cSld>
@@ -497,13 +648,7 @@
       </p:grpSpPr>
       <p:sp>
         <p:nvSpPr>
-          <p:cNvPr id="2" name="Titel 1">
-            <a:extLst>
-              <a:ext uri="{FF2B5EF4-FFF2-40B4-BE49-F238E27FC236}">
-                <a16:creationId xmlns:a16="http://schemas.microsoft.com/office/drawing/2014/main" id="{2D8259C6-FC87-475C-F406-31987020490B}"/>
-              </a:ext>
-            </a:extLst>
-          </p:cNvPr>
+          <p:cNvPr id="2" name="Title 1"/>
           <p:cNvSpPr>
             <a:spLocks noGrp="1"/>
           </p:cNvSpPr>
@@ -520,19 +665,13 @@
               <a:rPr lang="de-DE"/>
               <a:t>Mastertitelformat bearbeiten</a:t>
             </a:r>
-            <a:endParaRPr lang="en-GB"/>
-          </a:p>
-        </p:txBody>
-      </p:sp>
-      <p:sp>
-        <p:nvSpPr>
-          <p:cNvPr id="3" name="Vertikaler Textplatzhalter 2">
-            <a:extLst>
-              <a:ext uri="{FF2B5EF4-FFF2-40B4-BE49-F238E27FC236}">
-                <a16:creationId xmlns:a16="http://schemas.microsoft.com/office/drawing/2014/main" id="{9980EBFA-2D6B-502A-1DBB-DED7AF53BCB7}"/>
-              </a:ext>
-            </a:extLst>
-          </p:cNvPr>
+            <a:endParaRPr lang="en-US" dirty="0"/>
+          </a:p>
+        </p:txBody>
+      </p:sp>
+      <p:sp>
+        <p:nvSpPr>
+          <p:cNvPr id="3" name="Vertical Text Placeholder 2"/>
           <p:cNvSpPr>
             <a:spLocks noGrp="1"/>
           </p:cNvSpPr>
@@ -578,19 +717,13 @@
               <a:rPr lang="de-DE"/>
               <a:t>Fünfte Ebene</a:t>
             </a:r>
-            <a:endParaRPr lang="en-GB"/>
-          </a:p>
-        </p:txBody>
-      </p:sp>
-      <p:sp>
-        <p:nvSpPr>
-          <p:cNvPr id="4" name="Datumsplatzhalter 3">
-            <a:extLst>
-              <a:ext uri="{FF2B5EF4-FFF2-40B4-BE49-F238E27FC236}">
-                <a16:creationId xmlns:a16="http://schemas.microsoft.com/office/drawing/2014/main" id="{7AD503EE-789B-A864-59B0-CFCEA66FE130}"/>
-              </a:ext>
-            </a:extLst>
-          </p:cNvPr>
+            <a:endParaRPr lang="en-US" dirty="0"/>
+          </a:p>
+        </p:txBody>
+      </p:sp>
+      <p:sp>
+        <p:nvSpPr>
+          <p:cNvPr id="4" name="Date Placeholder 3"/>
           <p:cNvSpPr>
             <a:spLocks noGrp="1"/>
           </p:cNvSpPr>
@@ -605,7 +738,7 @@
           <a:p>
             <a:fld id="{4906B8C8-EA00-4A12-BB7F-A6E92F5ACBF9}" type="datetimeFigureOut">
               <a:rPr lang="en-GB" smtClean="0"/>
-              <a:t>31/07/2024</a:t>
+              <a:t>19/08/2024</a:t>
             </a:fld>
             <a:endParaRPr lang="en-GB"/>
           </a:p>
@@ -613,13 +746,7 @@
       </p:sp>
       <p:sp>
         <p:nvSpPr>
-          <p:cNvPr id="5" name="Fußzeilenplatzhalter 4">
-            <a:extLst>
-              <a:ext uri="{FF2B5EF4-FFF2-40B4-BE49-F238E27FC236}">
-                <a16:creationId xmlns:a16="http://schemas.microsoft.com/office/drawing/2014/main" id="{63E26486-64E5-8731-7BED-3812095A5205}"/>
-              </a:ext>
-            </a:extLst>
-          </p:cNvPr>
+          <p:cNvPr id="5" name="Footer Placeholder 4"/>
           <p:cNvSpPr>
             <a:spLocks noGrp="1"/>
           </p:cNvSpPr>
@@ -638,13 +765,7 @@
       </p:sp>
       <p:sp>
         <p:nvSpPr>
-          <p:cNvPr id="6" name="Foliennummernplatzhalter 5">
-            <a:extLst>
-              <a:ext uri="{FF2B5EF4-FFF2-40B4-BE49-F238E27FC236}">
-                <a16:creationId xmlns:a16="http://schemas.microsoft.com/office/drawing/2014/main" id="{E9FAF41C-702C-E2E4-F867-C65F4314489D}"/>
-              </a:ext>
-            </a:extLst>
-          </p:cNvPr>
+          <p:cNvPr id="6" name="Slide Number Placeholder 5"/>
           <p:cNvSpPr>
             <a:spLocks noGrp="1"/>
           </p:cNvSpPr>
@@ -668,7 +789,7 @@
     </p:spTree>
     <p:extLst>
       <p:ext uri="{BB962C8B-B14F-4D97-AF65-F5344CB8AC3E}">
-        <p14:creationId xmlns:p14="http://schemas.microsoft.com/office/powerpoint/2010/main" val="913248894"/>
+        <p14:creationId xmlns:p14="http://schemas.microsoft.com/office/powerpoint/2010/main" val="1006586325"/>
       </p:ext>
     </p:extLst>
   </p:cSld>
@@ -697,13 +818,7 @@
       </p:grpSpPr>
       <p:sp>
         <p:nvSpPr>
-          <p:cNvPr id="2" name="Vertikaler Titel 1">
-            <a:extLst>
-              <a:ext uri="{FF2B5EF4-FFF2-40B4-BE49-F238E27FC236}">
-                <a16:creationId xmlns:a16="http://schemas.microsoft.com/office/drawing/2014/main" id="{915E5162-6FFA-C5FF-4AD4-1E846D162317}"/>
-              </a:ext>
-            </a:extLst>
-          </p:cNvPr>
+          <p:cNvPr id="2" name="Vertical Title 1"/>
           <p:cNvSpPr>
             <a:spLocks noGrp="1"/>
           </p:cNvSpPr>
@@ -713,8 +828,8 @@
         </p:nvSpPr>
         <p:spPr>
           <a:xfrm>
-            <a:off x="8724900" y="365125"/>
-            <a:ext cx="2628900" cy="5811838"/>
+            <a:off x="8724901" y="479142"/>
+            <a:ext cx="2628900" cy="7626692"/>
           </a:xfrm>
         </p:spPr>
         <p:txBody>
@@ -725,19 +840,13 @@
               <a:rPr lang="de-DE"/>
               <a:t>Mastertitelformat bearbeiten</a:t>
             </a:r>
-            <a:endParaRPr lang="en-GB"/>
-          </a:p>
-        </p:txBody>
-      </p:sp>
-      <p:sp>
-        <p:nvSpPr>
-          <p:cNvPr id="3" name="Vertikaler Textplatzhalter 2">
-            <a:extLst>
-              <a:ext uri="{FF2B5EF4-FFF2-40B4-BE49-F238E27FC236}">
-                <a16:creationId xmlns:a16="http://schemas.microsoft.com/office/drawing/2014/main" id="{E6861EBB-A96D-6D82-A08C-D2E901DE3C7E}"/>
-              </a:ext>
-            </a:extLst>
-          </p:cNvPr>
+            <a:endParaRPr lang="en-US" dirty="0"/>
+          </a:p>
+        </p:txBody>
+      </p:sp>
+      <p:sp>
+        <p:nvSpPr>
+          <p:cNvPr id="3" name="Vertical Text Placeholder 2"/>
           <p:cNvSpPr>
             <a:spLocks noGrp="1"/>
           </p:cNvSpPr>
@@ -747,8 +856,8 @@
         </p:nvSpPr>
         <p:spPr>
           <a:xfrm>
-            <a:off x="838200" y="365125"/>
-            <a:ext cx="7734300" cy="5811838"/>
+            <a:off x="838201" y="479142"/>
+            <a:ext cx="7734300" cy="7626692"/>
           </a:xfrm>
         </p:spPr>
         <p:txBody>
@@ -788,19 +897,13 @@
               <a:rPr lang="de-DE"/>
               <a:t>Fünfte Ebene</a:t>
             </a:r>
-            <a:endParaRPr lang="en-GB"/>
-          </a:p>
-        </p:txBody>
-      </p:sp>
-      <p:sp>
-        <p:nvSpPr>
-          <p:cNvPr id="4" name="Datumsplatzhalter 3">
-            <a:extLst>
-              <a:ext uri="{FF2B5EF4-FFF2-40B4-BE49-F238E27FC236}">
-                <a16:creationId xmlns:a16="http://schemas.microsoft.com/office/drawing/2014/main" id="{90C6EBEF-3879-5603-C904-8C3E3BBA4AAE}"/>
-              </a:ext>
-            </a:extLst>
-          </p:cNvPr>
+            <a:endParaRPr lang="en-US" dirty="0"/>
+          </a:p>
+        </p:txBody>
+      </p:sp>
+      <p:sp>
+        <p:nvSpPr>
+          <p:cNvPr id="4" name="Date Placeholder 3"/>
           <p:cNvSpPr>
             <a:spLocks noGrp="1"/>
           </p:cNvSpPr>
@@ -815,7 +918,7 @@
           <a:p>
             <a:fld id="{4906B8C8-EA00-4A12-BB7F-A6E92F5ACBF9}" type="datetimeFigureOut">
               <a:rPr lang="en-GB" smtClean="0"/>
-              <a:t>31/07/2024</a:t>
+              <a:t>19/08/2024</a:t>
             </a:fld>
             <a:endParaRPr lang="en-GB"/>
           </a:p>
@@ -823,13 +926,7 @@
       </p:sp>
       <p:sp>
         <p:nvSpPr>
-          <p:cNvPr id="5" name="Fußzeilenplatzhalter 4">
-            <a:extLst>
-              <a:ext uri="{FF2B5EF4-FFF2-40B4-BE49-F238E27FC236}">
-                <a16:creationId xmlns:a16="http://schemas.microsoft.com/office/drawing/2014/main" id="{D49D71A3-66DF-C48C-27F2-1668CD0AE3D4}"/>
-              </a:ext>
-            </a:extLst>
-          </p:cNvPr>
+          <p:cNvPr id="5" name="Footer Placeholder 4"/>
           <p:cNvSpPr>
             <a:spLocks noGrp="1"/>
           </p:cNvSpPr>
@@ -848,13 +945,7 @@
       </p:sp>
       <p:sp>
         <p:nvSpPr>
-          <p:cNvPr id="6" name="Foliennummernplatzhalter 5">
-            <a:extLst>
-              <a:ext uri="{FF2B5EF4-FFF2-40B4-BE49-F238E27FC236}">
-                <a16:creationId xmlns:a16="http://schemas.microsoft.com/office/drawing/2014/main" id="{3D923608-148B-6DDB-A846-89A5FAC63F7D}"/>
-              </a:ext>
-            </a:extLst>
-          </p:cNvPr>
+          <p:cNvPr id="6" name="Slide Number Placeholder 5"/>
           <p:cNvSpPr>
             <a:spLocks noGrp="1"/>
           </p:cNvSpPr>
@@ -878,7 +969,7 @@
     </p:spTree>
     <p:extLst>
       <p:ext uri="{BB962C8B-B14F-4D97-AF65-F5344CB8AC3E}">
-        <p14:creationId xmlns:p14="http://schemas.microsoft.com/office/powerpoint/2010/main" val="3647406045"/>
+        <p14:creationId xmlns:p14="http://schemas.microsoft.com/office/powerpoint/2010/main" val="4247165769"/>
       </p:ext>
     </p:extLst>
   </p:cSld>
@@ -907,13 +998,7 @@
       </p:grpSpPr>
       <p:sp>
         <p:nvSpPr>
-          <p:cNvPr id="2" name="Titel 1">
-            <a:extLst>
-              <a:ext uri="{FF2B5EF4-FFF2-40B4-BE49-F238E27FC236}">
-                <a16:creationId xmlns:a16="http://schemas.microsoft.com/office/drawing/2014/main" id="{6A76522F-1D57-D793-63D5-C44ABC288FA5}"/>
-              </a:ext>
-            </a:extLst>
-          </p:cNvPr>
+          <p:cNvPr id="2" name="Title 1"/>
           <p:cNvSpPr>
             <a:spLocks noGrp="1"/>
           </p:cNvSpPr>
@@ -930,19 +1015,13 @@
               <a:rPr lang="de-DE"/>
               <a:t>Mastertitelformat bearbeiten</a:t>
             </a:r>
-            <a:endParaRPr lang="en-GB"/>
-          </a:p>
-        </p:txBody>
-      </p:sp>
-      <p:sp>
-        <p:nvSpPr>
-          <p:cNvPr id="3" name="Inhaltsplatzhalter 2">
-            <a:extLst>
-              <a:ext uri="{FF2B5EF4-FFF2-40B4-BE49-F238E27FC236}">
-                <a16:creationId xmlns:a16="http://schemas.microsoft.com/office/drawing/2014/main" id="{AA40C7BE-AF63-AC11-9286-E3764BEED008}"/>
-              </a:ext>
-            </a:extLst>
-          </p:cNvPr>
+            <a:endParaRPr lang="en-US" dirty="0"/>
+          </a:p>
+        </p:txBody>
+      </p:sp>
+      <p:sp>
+        <p:nvSpPr>
+          <p:cNvPr id="3" name="Content Placeholder 2"/>
           <p:cNvSpPr>
             <a:spLocks noGrp="1"/>
           </p:cNvSpPr>
@@ -988,19 +1067,13 @@
               <a:rPr lang="de-DE"/>
               <a:t>Fünfte Ebene</a:t>
             </a:r>
-            <a:endParaRPr lang="en-GB"/>
-          </a:p>
-        </p:txBody>
-      </p:sp>
-      <p:sp>
-        <p:nvSpPr>
-          <p:cNvPr id="4" name="Datumsplatzhalter 3">
-            <a:extLst>
-              <a:ext uri="{FF2B5EF4-FFF2-40B4-BE49-F238E27FC236}">
-                <a16:creationId xmlns:a16="http://schemas.microsoft.com/office/drawing/2014/main" id="{BB0C7F6B-D819-E3CD-5ECD-BB492FF20176}"/>
-              </a:ext>
-            </a:extLst>
-          </p:cNvPr>
+            <a:endParaRPr lang="en-US" dirty="0"/>
+          </a:p>
+        </p:txBody>
+      </p:sp>
+      <p:sp>
+        <p:nvSpPr>
+          <p:cNvPr id="4" name="Date Placeholder 3"/>
           <p:cNvSpPr>
             <a:spLocks noGrp="1"/>
           </p:cNvSpPr>
@@ -1015,7 +1088,7 @@
           <a:p>
             <a:fld id="{4906B8C8-EA00-4A12-BB7F-A6E92F5ACBF9}" type="datetimeFigureOut">
               <a:rPr lang="en-GB" smtClean="0"/>
-              <a:t>31/07/2024</a:t>
+              <a:t>19/08/2024</a:t>
             </a:fld>
             <a:endParaRPr lang="en-GB"/>
           </a:p>
@@ -1023,13 +1096,7 @@
       </p:sp>
       <p:sp>
         <p:nvSpPr>
-          <p:cNvPr id="5" name="Fußzeilenplatzhalter 4">
-            <a:extLst>
-              <a:ext uri="{FF2B5EF4-FFF2-40B4-BE49-F238E27FC236}">
-                <a16:creationId xmlns:a16="http://schemas.microsoft.com/office/drawing/2014/main" id="{98D5C917-67DF-A774-E71C-CA75C9160B54}"/>
-              </a:ext>
-            </a:extLst>
-          </p:cNvPr>
+          <p:cNvPr id="5" name="Footer Placeholder 4"/>
           <p:cNvSpPr>
             <a:spLocks noGrp="1"/>
           </p:cNvSpPr>
@@ -1048,13 +1115,7 @@
       </p:sp>
       <p:sp>
         <p:nvSpPr>
-          <p:cNvPr id="6" name="Foliennummernplatzhalter 5">
-            <a:extLst>
-              <a:ext uri="{FF2B5EF4-FFF2-40B4-BE49-F238E27FC236}">
-                <a16:creationId xmlns:a16="http://schemas.microsoft.com/office/drawing/2014/main" id="{EC3895B4-EED3-3BBC-CF9B-778FDA4896C0}"/>
-              </a:ext>
-            </a:extLst>
-          </p:cNvPr>
+          <p:cNvPr id="6" name="Slide Number Placeholder 5"/>
           <p:cNvSpPr>
             <a:spLocks noGrp="1"/>
           </p:cNvSpPr>
@@ -1078,7 +1139,7 @@
     </p:spTree>
     <p:extLst>
       <p:ext uri="{BB962C8B-B14F-4D97-AF65-F5344CB8AC3E}">
-        <p14:creationId xmlns:p14="http://schemas.microsoft.com/office/powerpoint/2010/main" val="500272924"/>
+        <p14:creationId xmlns:p14="http://schemas.microsoft.com/office/powerpoint/2010/main" val="1431608699"/>
       </p:ext>
     </p:extLst>
   </p:cSld>
@@ -1107,13 +1168,7 @@
       </p:grpSpPr>
       <p:sp>
         <p:nvSpPr>
-          <p:cNvPr id="2" name="Titel 1">
-            <a:extLst>
-              <a:ext uri="{FF2B5EF4-FFF2-40B4-BE49-F238E27FC236}">
-                <a16:creationId xmlns:a16="http://schemas.microsoft.com/office/drawing/2014/main" id="{D4E47D7A-53C2-AE53-A3DD-B3D64A559798}"/>
-              </a:ext>
-            </a:extLst>
-          </p:cNvPr>
+          <p:cNvPr id="2" name="Title 1"/>
           <p:cNvSpPr>
             <a:spLocks noGrp="1"/>
           </p:cNvSpPr>
@@ -1123,15 +1178,15 @@
         </p:nvSpPr>
         <p:spPr>
           <a:xfrm>
-            <a:off x="831850" y="1709738"/>
-            <a:ext cx="10515600" cy="2852737"/>
+            <a:off x="831851" y="2243638"/>
+            <a:ext cx="10515600" cy="3743557"/>
           </a:xfrm>
         </p:spPr>
         <p:txBody>
           <a:bodyPr anchor="b"/>
           <a:lstStyle>
             <a:lvl1pPr>
-              <a:defRPr sz="6000"/>
+              <a:defRPr sz="7874"/>
             </a:lvl1pPr>
           </a:lstStyle>
           <a:p>
@@ -1139,19 +1194,13 @@
               <a:rPr lang="de-DE"/>
               <a:t>Mastertitelformat bearbeiten</a:t>
             </a:r>
-            <a:endParaRPr lang="en-GB"/>
-          </a:p>
-        </p:txBody>
-      </p:sp>
-      <p:sp>
-        <p:nvSpPr>
-          <p:cNvPr id="3" name="Textplatzhalter 2">
-            <a:extLst>
-              <a:ext uri="{FF2B5EF4-FFF2-40B4-BE49-F238E27FC236}">
-                <a16:creationId xmlns:a16="http://schemas.microsoft.com/office/drawing/2014/main" id="{CCFA3C9E-A4BE-0EE1-B503-A656512E10CD}"/>
-              </a:ext>
-            </a:extLst>
-          </p:cNvPr>
+            <a:endParaRPr lang="en-US" dirty="0"/>
+          </a:p>
+        </p:txBody>
+      </p:sp>
+      <p:sp>
+        <p:nvSpPr>
+          <p:cNvPr id="3" name="Text Placeholder 2"/>
           <p:cNvSpPr>
             <a:spLocks noGrp="1"/>
           </p:cNvSpPr>
@@ -1161,8 +1210,8 @@
         </p:nvSpPr>
         <p:spPr>
           <a:xfrm>
-            <a:off x="831850" y="4589463"/>
-            <a:ext cx="10515600" cy="1500187"/>
+            <a:off x="831851" y="6022610"/>
+            <a:ext cx="10515600" cy="1968648"/>
           </a:xfrm>
         </p:spPr>
         <p:txBody>
@@ -1170,7 +1219,7 @@
           <a:lstStyle>
             <a:lvl1pPr marL="0" indent="0">
               <a:buNone/>
-              <a:defRPr sz="2400">
+              <a:defRPr sz="3150">
                 <a:solidFill>
                   <a:schemeClr val="tx1">
                     <a:tint val="82000"/>
@@ -1178,9 +1227,9 @@
                 </a:solidFill>
               </a:defRPr>
             </a:lvl1pPr>
-            <a:lvl2pPr marL="457200" indent="0">
-              <a:buNone/>
-              <a:defRPr sz="2000">
+            <a:lvl2pPr marL="599984" indent="0">
+              <a:buNone/>
+              <a:defRPr sz="2625">
                 <a:solidFill>
                   <a:schemeClr val="tx1">
                     <a:tint val="82000"/>
@@ -1188,9 +1237,9 @@
                 </a:solidFill>
               </a:defRPr>
             </a:lvl2pPr>
-            <a:lvl3pPr marL="914400" indent="0">
-              <a:buNone/>
-              <a:defRPr sz="1800">
+            <a:lvl3pPr marL="1199967" indent="0">
+              <a:buNone/>
+              <a:defRPr sz="2362">
                 <a:solidFill>
                   <a:schemeClr val="tx1">
                     <a:tint val="82000"/>
@@ -1198,9 +1247,9 @@
                 </a:solidFill>
               </a:defRPr>
             </a:lvl3pPr>
-            <a:lvl4pPr marL="1371600" indent="0">
-              <a:buNone/>
-              <a:defRPr sz="1600">
+            <a:lvl4pPr marL="1799951" indent="0">
+              <a:buNone/>
+              <a:defRPr sz="2100">
                 <a:solidFill>
                   <a:schemeClr val="tx1">
                     <a:tint val="82000"/>
@@ -1208,9 +1257,9 @@
                 </a:solidFill>
               </a:defRPr>
             </a:lvl4pPr>
-            <a:lvl5pPr marL="1828800" indent="0">
-              <a:buNone/>
-              <a:defRPr sz="1600">
+            <a:lvl5pPr marL="2399934" indent="0">
+              <a:buNone/>
+              <a:defRPr sz="2100">
                 <a:solidFill>
                   <a:schemeClr val="tx1">
                     <a:tint val="82000"/>
@@ -1218,9 +1267,9 @@
                 </a:solidFill>
               </a:defRPr>
             </a:lvl5pPr>
-            <a:lvl6pPr marL="2286000" indent="0">
-              <a:buNone/>
-              <a:defRPr sz="1600">
+            <a:lvl6pPr marL="2999918" indent="0">
+              <a:buNone/>
+              <a:defRPr sz="2100">
                 <a:solidFill>
                   <a:schemeClr val="tx1">
                     <a:tint val="82000"/>
@@ -1228,9 +1277,9 @@
                 </a:solidFill>
               </a:defRPr>
             </a:lvl6pPr>
-            <a:lvl7pPr marL="2743200" indent="0">
-              <a:buNone/>
-              <a:defRPr sz="1600">
+            <a:lvl7pPr marL="3599901" indent="0">
+              <a:buNone/>
+              <a:defRPr sz="2100">
                 <a:solidFill>
                   <a:schemeClr val="tx1">
                     <a:tint val="82000"/>
@@ -1238,9 +1287,9 @@
                 </a:solidFill>
               </a:defRPr>
             </a:lvl7pPr>
-            <a:lvl8pPr marL="3200400" indent="0">
-              <a:buNone/>
-              <a:defRPr sz="1600">
+            <a:lvl8pPr marL="4199885" indent="0">
+              <a:buNone/>
+              <a:defRPr sz="2100">
                 <a:solidFill>
                   <a:schemeClr val="tx1">
                     <a:tint val="82000"/>
@@ -1248,9 +1297,9 @@
                 </a:solidFill>
               </a:defRPr>
             </a:lvl8pPr>
-            <a:lvl9pPr marL="3657600" indent="0">
-              <a:buNone/>
-              <a:defRPr sz="1600">
+            <a:lvl9pPr marL="4799868" indent="0">
+              <a:buNone/>
+              <a:defRPr sz="2100">
                 <a:solidFill>
                   <a:schemeClr val="tx1">
                     <a:tint val="82000"/>
@@ -1270,13 +1319,7 @@
       </p:sp>
       <p:sp>
         <p:nvSpPr>
-          <p:cNvPr id="4" name="Datumsplatzhalter 3">
-            <a:extLst>
-              <a:ext uri="{FF2B5EF4-FFF2-40B4-BE49-F238E27FC236}">
-                <a16:creationId xmlns:a16="http://schemas.microsoft.com/office/drawing/2014/main" id="{F48A7669-31D5-E73B-B268-9AFCFAFDCEFD}"/>
-              </a:ext>
-            </a:extLst>
-          </p:cNvPr>
+          <p:cNvPr id="4" name="Date Placeholder 3"/>
           <p:cNvSpPr>
             <a:spLocks noGrp="1"/>
           </p:cNvSpPr>
@@ -1291,7 +1334,7 @@
           <a:p>
             <a:fld id="{4906B8C8-EA00-4A12-BB7F-A6E92F5ACBF9}" type="datetimeFigureOut">
               <a:rPr lang="en-GB" smtClean="0"/>
-              <a:t>31/07/2024</a:t>
+              <a:t>19/08/2024</a:t>
             </a:fld>
             <a:endParaRPr lang="en-GB"/>
           </a:p>
@@ -1299,13 +1342,7 @@
       </p:sp>
       <p:sp>
         <p:nvSpPr>
-          <p:cNvPr id="5" name="Fußzeilenplatzhalter 4">
-            <a:extLst>
-              <a:ext uri="{FF2B5EF4-FFF2-40B4-BE49-F238E27FC236}">
-                <a16:creationId xmlns:a16="http://schemas.microsoft.com/office/drawing/2014/main" id="{988EADA2-8D53-FB7E-F9EC-917332927147}"/>
-              </a:ext>
-            </a:extLst>
-          </p:cNvPr>
+          <p:cNvPr id="5" name="Footer Placeholder 4"/>
           <p:cNvSpPr>
             <a:spLocks noGrp="1"/>
           </p:cNvSpPr>
@@ -1324,13 +1361,7 @@
       </p:sp>
       <p:sp>
         <p:nvSpPr>
-          <p:cNvPr id="6" name="Foliennummernplatzhalter 5">
-            <a:extLst>
-              <a:ext uri="{FF2B5EF4-FFF2-40B4-BE49-F238E27FC236}">
-                <a16:creationId xmlns:a16="http://schemas.microsoft.com/office/drawing/2014/main" id="{271767F7-08EB-EDFB-F773-42FA92A3332A}"/>
-              </a:ext>
-            </a:extLst>
-          </p:cNvPr>
+          <p:cNvPr id="6" name="Slide Number Placeholder 5"/>
           <p:cNvSpPr>
             <a:spLocks noGrp="1"/>
           </p:cNvSpPr>
@@ -1354,7 +1385,7 @@
     </p:spTree>
     <p:extLst>
       <p:ext uri="{BB962C8B-B14F-4D97-AF65-F5344CB8AC3E}">
-        <p14:creationId xmlns:p14="http://schemas.microsoft.com/office/powerpoint/2010/main" val="2615921745"/>
+        <p14:creationId xmlns:p14="http://schemas.microsoft.com/office/powerpoint/2010/main" val="3644153716"/>
       </p:ext>
     </p:extLst>
   </p:cSld>
@@ -1383,13 +1414,7 @@
       </p:grpSpPr>
       <p:sp>
         <p:nvSpPr>
-          <p:cNvPr id="2" name="Titel 1">
-            <a:extLst>
-              <a:ext uri="{FF2B5EF4-FFF2-40B4-BE49-F238E27FC236}">
-                <a16:creationId xmlns:a16="http://schemas.microsoft.com/office/drawing/2014/main" id="{FE250C48-A88D-8624-D2B9-28F03D20A682}"/>
-              </a:ext>
-            </a:extLst>
-          </p:cNvPr>
+          <p:cNvPr id="2" name="Title 1"/>
           <p:cNvSpPr>
             <a:spLocks noGrp="1"/>
           </p:cNvSpPr>
@@ -1406,19 +1431,13 @@
               <a:rPr lang="de-DE"/>
               <a:t>Mastertitelformat bearbeiten</a:t>
             </a:r>
-            <a:endParaRPr lang="en-GB"/>
-          </a:p>
-        </p:txBody>
-      </p:sp>
-      <p:sp>
-        <p:nvSpPr>
-          <p:cNvPr id="3" name="Inhaltsplatzhalter 2">
-            <a:extLst>
-              <a:ext uri="{FF2B5EF4-FFF2-40B4-BE49-F238E27FC236}">
-                <a16:creationId xmlns:a16="http://schemas.microsoft.com/office/drawing/2014/main" id="{A61CD624-39B8-008D-B251-AC2E9647EA68}"/>
-              </a:ext>
-            </a:extLst>
-          </p:cNvPr>
+            <a:endParaRPr lang="en-US" dirty="0"/>
+          </a:p>
+        </p:txBody>
+      </p:sp>
+      <p:sp>
+        <p:nvSpPr>
+          <p:cNvPr id="3" name="Content Placeholder 2"/>
           <p:cNvSpPr>
             <a:spLocks noGrp="1"/>
           </p:cNvSpPr>
@@ -1428,8 +1447,8 @@
         </p:nvSpPr>
         <p:spPr>
           <a:xfrm>
-            <a:off x="838200" y="1825625"/>
-            <a:ext cx="5181600" cy="4351338"/>
+            <a:off x="838200" y="2395710"/>
+            <a:ext cx="5181600" cy="5710124"/>
           </a:xfrm>
         </p:spPr>
         <p:txBody>
@@ -1469,19 +1488,13 @@
               <a:rPr lang="de-DE"/>
               <a:t>Fünfte Ebene</a:t>
             </a:r>
-            <a:endParaRPr lang="en-GB"/>
-          </a:p>
-        </p:txBody>
-      </p:sp>
-      <p:sp>
-        <p:nvSpPr>
-          <p:cNvPr id="4" name="Inhaltsplatzhalter 3">
-            <a:extLst>
-              <a:ext uri="{FF2B5EF4-FFF2-40B4-BE49-F238E27FC236}">
-                <a16:creationId xmlns:a16="http://schemas.microsoft.com/office/drawing/2014/main" id="{D62FCC3B-BBB5-6851-056B-BC655621FA56}"/>
-              </a:ext>
-            </a:extLst>
-          </p:cNvPr>
+            <a:endParaRPr lang="en-US" dirty="0"/>
+          </a:p>
+        </p:txBody>
+      </p:sp>
+      <p:sp>
+        <p:nvSpPr>
+          <p:cNvPr id="4" name="Content Placeholder 3"/>
           <p:cNvSpPr>
             <a:spLocks noGrp="1"/>
           </p:cNvSpPr>
@@ -1491,8 +1504,8 @@
         </p:nvSpPr>
         <p:spPr>
           <a:xfrm>
-            <a:off x="6172200" y="1825625"/>
-            <a:ext cx="5181600" cy="4351338"/>
+            <a:off x="6172200" y="2395710"/>
+            <a:ext cx="5181600" cy="5710124"/>
           </a:xfrm>
         </p:spPr>
         <p:txBody>
@@ -1532,19 +1545,13 @@
               <a:rPr lang="de-DE"/>
               <a:t>Fünfte Ebene</a:t>
             </a:r>
-            <a:endParaRPr lang="en-GB"/>
-          </a:p>
-        </p:txBody>
-      </p:sp>
-      <p:sp>
-        <p:nvSpPr>
-          <p:cNvPr id="5" name="Datumsplatzhalter 4">
-            <a:extLst>
-              <a:ext uri="{FF2B5EF4-FFF2-40B4-BE49-F238E27FC236}">
-                <a16:creationId xmlns:a16="http://schemas.microsoft.com/office/drawing/2014/main" id="{F5523FBE-2EAB-6C1D-3AEF-600073FF5C7E}"/>
-              </a:ext>
-            </a:extLst>
-          </p:cNvPr>
+            <a:endParaRPr lang="en-US" dirty="0"/>
+          </a:p>
+        </p:txBody>
+      </p:sp>
+      <p:sp>
+        <p:nvSpPr>
+          <p:cNvPr id="5" name="Date Placeholder 4"/>
           <p:cNvSpPr>
             <a:spLocks noGrp="1"/>
           </p:cNvSpPr>
@@ -1559,7 +1566,7 @@
           <a:p>
             <a:fld id="{4906B8C8-EA00-4A12-BB7F-A6E92F5ACBF9}" type="datetimeFigureOut">
               <a:rPr lang="en-GB" smtClean="0"/>
-              <a:t>31/07/2024</a:t>
+              <a:t>19/08/2024</a:t>
             </a:fld>
             <a:endParaRPr lang="en-GB"/>
           </a:p>
@@ -1567,13 +1574,7 @@
       </p:sp>
       <p:sp>
         <p:nvSpPr>
-          <p:cNvPr id="6" name="Fußzeilenplatzhalter 5">
-            <a:extLst>
-              <a:ext uri="{FF2B5EF4-FFF2-40B4-BE49-F238E27FC236}">
-                <a16:creationId xmlns:a16="http://schemas.microsoft.com/office/drawing/2014/main" id="{B1BCE80D-4651-984E-0070-94769531B9CF}"/>
-              </a:ext>
-            </a:extLst>
-          </p:cNvPr>
+          <p:cNvPr id="6" name="Footer Placeholder 5"/>
           <p:cNvSpPr>
             <a:spLocks noGrp="1"/>
           </p:cNvSpPr>
@@ -1592,13 +1593,7 @@
       </p:sp>
       <p:sp>
         <p:nvSpPr>
-          <p:cNvPr id="7" name="Foliennummernplatzhalter 6">
-            <a:extLst>
-              <a:ext uri="{FF2B5EF4-FFF2-40B4-BE49-F238E27FC236}">
-                <a16:creationId xmlns:a16="http://schemas.microsoft.com/office/drawing/2014/main" id="{CF7FFCDE-0B6B-2770-E2B4-1FFC2333B2B9}"/>
-              </a:ext>
-            </a:extLst>
-          </p:cNvPr>
+          <p:cNvPr id="7" name="Slide Number Placeholder 6"/>
           <p:cNvSpPr>
             <a:spLocks noGrp="1"/>
           </p:cNvSpPr>
@@ -1622,7 +1617,7 @@
     </p:spTree>
     <p:extLst>
       <p:ext uri="{BB962C8B-B14F-4D97-AF65-F5344CB8AC3E}">
-        <p14:creationId xmlns:p14="http://schemas.microsoft.com/office/powerpoint/2010/main" val="2855745396"/>
+        <p14:creationId xmlns:p14="http://schemas.microsoft.com/office/powerpoint/2010/main" val="608301779"/>
       </p:ext>
     </p:extLst>
   </p:cSld>
@@ -1651,13 +1646,7 @@
       </p:grpSpPr>
       <p:sp>
         <p:nvSpPr>
-          <p:cNvPr id="2" name="Titel 1">
-            <a:extLst>
-              <a:ext uri="{FF2B5EF4-FFF2-40B4-BE49-F238E27FC236}">
-                <a16:creationId xmlns:a16="http://schemas.microsoft.com/office/drawing/2014/main" id="{852FCD43-95E6-B7B1-9021-83E23B9F2CB8}"/>
-              </a:ext>
-            </a:extLst>
-          </p:cNvPr>
+          <p:cNvPr id="2" name="Title 1"/>
           <p:cNvSpPr>
             <a:spLocks noGrp="1"/>
           </p:cNvSpPr>
@@ -1667,8 +1656,8 @@
         </p:nvSpPr>
         <p:spPr>
           <a:xfrm>
-            <a:off x="839788" y="365125"/>
-            <a:ext cx="10515600" cy="1325563"/>
+            <a:off x="839788" y="479144"/>
+            <a:ext cx="10515600" cy="1739495"/>
           </a:xfrm>
         </p:spPr>
         <p:txBody>
@@ -1679,19 +1668,13 @@
               <a:rPr lang="de-DE"/>
               <a:t>Mastertitelformat bearbeiten</a:t>
             </a:r>
-            <a:endParaRPr lang="en-GB"/>
-          </a:p>
-        </p:txBody>
-      </p:sp>
-      <p:sp>
-        <p:nvSpPr>
-          <p:cNvPr id="3" name="Textplatzhalter 2">
-            <a:extLst>
-              <a:ext uri="{FF2B5EF4-FFF2-40B4-BE49-F238E27FC236}">
-                <a16:creationId xmlns:a16="http://schemas.microsoft.com/office/drawing/2014/main" id="{BD4970A9-2D8D-4852-F3BE-76BB114739E0}"/>
-              </a:ext>
-            </a:extLst>
-          </p:cNvPr>
+            <a:endParaRPr lang="en-US" dirty="0"/>
+          </a:p>
+        </p:txBody>
+      </p:sp>
+      <p:sp>
+        <p:nvSpPr>
+          <p:cNvPr id="3" name="Text Placeholder 2"/>
           <p:cNvSpPr>
             <a:spLocks noGrp="1"/>
           </p:cNvSpPr>
@@ -1701,8 +1684,8 @@
         </p:nvSpPr>
         <p:spPr>
           <a:xfrm>
-            <a:off x="839788" y="1681163"/>
-            <a:ext cx="5157787" cy="823912"/>
+            <a:off x="839789" y="2206137"/>
+            <a:ext cx="5157787" cy="1081194"/>
           </a:xfrm>
         </p:spPr>
         <p:txBody>
@@ -1710,39 +1693,39 @@
           <a:lstStyle>
             <a:lvl1pPr marL="0" indent="0">
               <a:buNone/>
-              <a:defRPr sz="2400" b="1"/>
+              <a:defRPr sz="3150" b="1"/>
             </a:lvl1pPr>
-            <a:lvl2pPr marL="457200" indent="0">
-              <a:buNone/>
-              <a:defRPr sz="2000" b="1"/>
+            <a:lvl2pPr marL="599984" indent="0">
+              <a:buNone/>
+              <a:defRPr sz="2625" b="1"/>
             </a:lvl2pPr>
-            <a:lvl3pPr marL="914400" indent="0">
-              <a:buNone/>
-              <a:defRPr sz="1800" b="1"/>
+            <a:lvl3pPr marL="1199967" indent="0">
+              <a:buNone/>
+              <a:defRPr sz="2362" b="1"/>
             </a:lvl3pPr>
-            <a:lvl4pPr marL="1371600" indent="0">
-              <a:buNone/>
-              <a:defRPr sz="1600" b="1"/>
+            <a:lvl4pPr marL="1799951" indent="0">
+              <a:buNone/>
+              <a:defRPr sz="2100" b="1"/>
             </a:lvl4pPr>
-            <a:lvl5pPr marL="1828800" indent="0">
-              <a:buNone/>
-              <a:defRPr sz="1600" b="1"/>
+            <a:lvl5pPr marL="2399934" indent="0">
+              <a:buNone/>
+              <a:defRPr sz="2100" b="1"/>
             </a:lvl5pPr>
-            <a:lvl6pPr marL="2286000" indent="0">
-              <a:buNone/>
-              <a:defRPr sz="1600" b="1"/>
+            <a:lvl6pPr marL="2999918" indent="0">
+              <a:buNone/>
+              <a:defRPr sz="2100" b="1"/>
             </a:lvl6pPr>
-            <a:lvl7pPr marL="2743200" indent="0">
-              <a:buNone/>
-              <a:defRPr sz="1600" b="1"/>
+            <a:lvl7pPr marL="3599901" indent="0">
+              <a:buNone/>
+              <a:defRPr sz="2100" b="1"/>
             </a:lvl7pPr>
-            <a:lvl8pPr marL="3200400" indent="0">
-              <a:buNone/>
-              <a:defRPr sz="1600" b="1"/>
+            <a:lvl8pPr marL="4199885" indent="0">
+              <a:buNone/>
+              <a:defRPr sz="2100" b="1"/>
             </a:lvl8pPr>
-            <a:lvl9pPr marL="3657600" indent="0">
-              <a:buNone/>
-              <a:defRPr sz="1600" b="1"/>
+            <a:lvl9pPr marL="4799868" indent="0">
+              <a:buNone/>
+              <a:defRPr sz="2100" b="1"/>
             </a:lvl9pPr>
           </a:lstStyle>
           <a:p>
@@ -1756,13 +1739,7 @@
       </p:sp>
       <p:sp>
         <p:nvSpPr>
-          <p:cNvPr id="4" name="Inhaltsplatzhalter 3">
-            <a:extLst>
-              <a:ext uri="{FF2B5EF4-FFF2-40B4-BE49-F238E27FC236}">
-                <a16:creationId xmlns:a16="http://schemas.microsoft.com/office/drawing/2014/main" id="{DDB46D62-A40B-7A73-CCB5-97BAF76B15B1}"/>
-              </a:ext>
-            </a:extLst>
-          </p:cNvPr>
+          <p:cNvPr id="4" name="Content Placeholder 3"/>
           <p:cNvSpPr>
             <a:spLocks noGrp="1"/>
           </p:cNvSpPr>
@@ -1772,8 +1749,8 @@
         </p:nvSpPr>
         <p:spPr>
           <a:xfrm>
-            <a:off x="839788" y="2505075"/>
-            <a:ext cx="5157787" cy="3684588"/>
+            <a:off x="839789" y="3287331"/>
+            <a:ext cx="5157787" cy="4835169"/>
           </a:xfrm>
         </p:spPr>
         <p:txBody>
@@ -1813,19 +1790,13 @@
               <a:rPr lang="de-DE"/>
               <a:t>Fünfte Ebene</a:t>
             </a:r>
-            <a:endParaRPr lang="en-GB"/>
-          </a:p>
-        </p:txBody>
-      </p:sp>
-      <p:sp>
-        <p:nvSpPr>
-          <p:cNvPr id="5" name="Textplatzhalter 4">
-            <a:extLst>
-              <a:ext uri="{FF2B5EF4-FFF2-40B4-BE49-F238E27FC236}">
-                <a16:creationId xmlns:a16="http://schemas.microsoft.com/office/drawing/2014/main" id="{9B69EF14-335E-A2DC-C8B4-534EF078A800}"/>
-              </a:ext>
-            </a:extLst>
-          </p:cNvPr>
+            <a:endParaRPr lang="en-US" dirty="0"/>
+          </a:p>
+        </p:txBody>
+      </p:sp>
+      <p:sp>
+        <p:nvSpPr>
+          <p:cNvPr id="5" name="Text Placeholder 4"/>
           <p:cNvSpPr>
             <a:spLocks noGrp="1"/>
           </p:cNvSpPr>
@@ -1835,8 +1806,8 @@
         </p:nvSpPr>
         <p:spPr>
           <a:xfrm>
-            <a:off x="6172200" y="1681163"/>
-            <a:ext cx="5183188" cy="823912"/>
+            <a:off x="6172201" y="2206137"/>
+            <a:ext cx="5183188" cy="1081194"/>
           </a:xfrm>
         </p:spPr>
         <p:txBody>
@@ -1844,39 +1815,39 @@
           <a:lstStyle>
             <a:lvl1pPr marL="0" indent="0">
               <a:buNone/>
-              <a:defRPr sz="2400" b="1"/>
+              <a:defRPr sz="3150" b="1"/>
             </a:lvl1pPr>
-            <a:lvl2pPr marL="457200" indent="0">
-              <a:buNone/>
-              <a:defRPr sz="2000" b="1"/>
+            <a:lvl2pPr marL="599984" indent="0">
+              <a:buNone/>
+              <a:defRPr sz="2625" b="1"/>
             </a:lvl2pPr>
-            <a:lvl3pPr marL="914400" indent="0">
-              <a:buNone/>
-              <a:defRPr sz="1800" b="1"/>
+            <a:lvl3pPr marL="1199967" indent="0">
+              <a:buNone/>
+              <a:defRPr sz="2362" b="1"/>
             </a:lvl3pPr>
-            <a:lvl4pPr marL="1371600" indent="0">
-              <a:buNone/>
-              <a:defRPr sz="1600" b="1"/>
+            <a:lvl4pPr marL="1799951" indent="0">
+              <a:buNone/>
+              <a:defRPr sz="2100" b="1"/>
             </a:lvl4pPr>
-            <a:lvl5pPr marL="1828800" indent="0">
-              <a:buNone/>
-              <a:defRPr sz="1600" b="1"/>
+            <a:lvl5pPr marL="2399934" indent="0">
+              <a:buNone/>
+              <a:defRPr sz="2100" b="1"/>
             </a:lvl5pPr>
-            <a:lvl6pPr marL="2286000" indent="0">
-              <a:buNone/>
-              <a:defRPr sz="1600" b="1"/>
+            <a:lvl6pPr marL="2999918" indent="0">
+              <a:buNone/>
+              <a:defRPr sz="2100" b="1"/>
             </a:lvl6pPr>
-            <a:lvl7pPr marL="2743200" indent="0">
-              <a:buNone/>
-              <a:defRPr sz="1600" b="1"/>
+            <a:lvl7pPr marL="3599901" indent="0">
+              <a:buNone/>
+              <a:defRPr sz="2100" b="1"/>
             </a:lvl7pPr>
-            <a:lvl8pPr marL="3200400" indent="0">
-              <a:buNone/>
-              <a:defRPr sz="1600" b="1"/>
+            <a:lvl8pPr marL="4199885" indent="0">
+              <a:buNone/>
+              <a:defRPr sz="2100" b="1"/>
             </a:lvl8pPr>
-            <a:lvl9pPr marL="3657600" indent="0">
-              <a:buNone/>
-              <a:defRPr sz="1600" b="1"/>
+            <a:lvl9pPr marL="4799868" indent="0">
+              <a:buNone/>
+              <a:defRPr sz="2100" b="1"/>
             </a:lvl9pPr>
           </a:lstStyle>
           <a:p>
@@ -1890,13 +1861,7 @@
       </p:sp>
       <p:sp>
         <p:nvSpPr>
-          <p:cNvPr id="6" name="Inhaltsplatzhalter 5">
-            <a:extLst>
-              <a:ext uri="{FF2B5EF4-FFF2-40B4-BE49-F238E27FC236}">
-                <a16:creationId xmlns:a16="http://schemas.microsoft.com/office/drawing/2014/main" id="{DCBF5853-5006-FA2A-D017-0861B7C93640}"/>
-              </a:ext>
-            </a:extLst>
-          </p:cNvPr>
+          <p:cNvPr id="6" name="Content Placeholder 5"/>
           <p:cNvSpPr>
             <a:spLocks noGrp="1"/>
           </p:cNvSpPr>
@@ -1906,8 +1871,8 @@
         </p:nvSpPr>
         <p:spPr>
           <a:xfrm>
-            <a:off x="6172200" y="2505075"/>
-            <a:ext cx="5183188" cy="3684588"/>
+            <a:off x="6172201" y="3287331"/>
+            <a:ext cx="5183188" cy="4835169"/>
           </a:xfrm>
         </p:spPr>
         <p:txBody>
@@ -1947,19 +1912,13 @@
               <a:rPr lang="de-DE"/>
               <a:t>Fünfte Ebene</a:t>
             </a:r>
-            <a:endParaRPr lang="en-GB"/>
-          </a:p>
-        </p:txBody>
-      </p:sp>
-      <p:sp>
-        <p:nvSpPr>
-          <p:cNvPr id="7" name="Datumsplatzhalter 6">
-            <a:extLst>
-              <a:ext uri="{FF2B5EF4-FFF2-40B4-BE49-F238E27FC236}">
-                <a16:creationId xmlns:a16="http://schemas.microsoft.com/office/drawing/2014/main" id="{D0C5E4A7-D8D2-4DAC-2D9D-5D6F713491F8}"/>
-              </a:ext>
-            </a:extLst>
-          </p:cNvPr>
+            <a:endParaRPr lang="en-US" dirty="0"/>
+          </a:p>
+        </p:txBody>
+      </p:sp>
+      <p:sp>
+        <p:nvSpPr>
+          <p:cNvPr id="7" name="Date Placeholder 6"/>
           <p:cNvSpPr>
             <a:spLocks noGrp="1"/>
           </p:cNvSpPr>
@@ -1974,7 +1933,7 @@
           <a:p>
             <a:fld id="{4906B8C8-EA00-4A12-BB7F-A6E92F5ACBF9}" type="datetimeFigureOut">
               <a:rPr lang="en-GB" smtClean="0"/>
-              <a:t>31/07/2024</a:t>
+              <a:t>19/08/2024</a:t>
             </a:fld>
             <a:endParaRPr lang="en-GB"/>
           </a:p>
@@ -1982,13 +1941,7 @@
       </p:sp>
       <p:sp>
         <p:nvSpPr>
-          <p:cNvPr id="8" name="Fußzeilenplatzhalter 7">
-            <a:extLst>
-              <a:ext uri="{FF2B5EF4-FFF2-40B4-BE49-F238E27FC236}">
-                <a16:creationId xmlns:a16="http://schemas.microsoft.com/office/drawing/2014/main" id="{D38A5F4D-79C3-2661-6BF7-7EFEBC68BC67}"/>
-              </a:ext>
-            </a:extLst>
-          </p:cNvPr>
+          <p:cNvPr id="8" name="Footer Placeholder 7"/>
           <p:cNvSpPr>
             <a:spLocks noGrp="1"/>
           </p:cNvSpPr>
@@ -2007,13 +1960,7 @@
       </p:sp>
       <p:sp>
         <p:nvSpPr>
-          <p:cNvPr id="9" name="Foliennummernplatzhalter 8">
-            <a:extLst>
-              <a:ext uri="{FF2B5EF4-FFF2-40B4-BE49-F238E27FC236}">
-                <a16:creationId xmlns:a16="http://schemas.microsoft.com/office/drawing/2014/main" id="{1A888FE0-9F70-4BF8-CA14-4CCF88F44D72}"/>
-              </a:ext>
-            </a:extLst>
-          </p:cNvPr>
+          <p:cNvPr id="9" name="Slide Number Placeholder 8"/>
           <p:cNvSpPr>
             <a:spLocks noGrp="1"/>
           </p:cNvSpPr>
@@ -2037,7 +1984,7 @@
     </p:spTree>
     <p:extLst>
       <p:ext uri="{BB962C8B-B14F-4D97-AF65-F5344CB8AC3E}">
-        <p14:creationId xmlns:p14="http://schemas.microsoft.com/office/powerpoint/2010/main" val="4001634024"/>
+        <p14:creationId xmlns:p14="http://schemas.microsoft.com/office/powerpoint/2010/main" val="3629185284"/>
       </p:ext>
     </p:extLst>
   </p:cSld>
@@ -2066,13 +2013,7 @@
       </p:grpSpPr>
       <p:sp>
         <p:nvSpPr>
-          <p:cNvPr id="2" name="Titel 1">
-            <a:extLst>
-              <a:ext uri="{FF2B5EF4-FFF2-40B4-BE49-F238E27FC236}">
-                <a16:creationId xmlns:a16="http://schemas.microsoft.com/office/drawing/2014/main" id="{DD6C4035-3443-0169-85BA-558708D95C2C}"/>
-              </a:ext>
-            </a:extLst>
-          </p:cNvPr>
+          <p:cNvPr id="2" name="Title 1"/>
           <p:cNvSpPr>
             <a:spLocks noGrp="1"/>
           </p:cNvSpPr>
@@ -2089,19 +2030,13 @@
               <a:rPr lang="de-DE"/>
               <a:t>Mastertitelformat bearbeiten</a:t>
             </a:r>
-            <a:endParaRPr lang="en-GB"/>
-          </a:p>
-        </p:txBody>
-      </p:sp>
-      <p:sp>
-        <p:nvSpPr>
-          <p:cNvPr id="3" name="Datumsplatzhalter 2">
-            <a:extLst>
-              <a:ext uri="{FF2B5EF4-FFF2-40B4-BE49-F238E27FC236}">
-                <a16:creationId xmlns:a16="http://schemas.microsoft.com/office/drawing/2014/main" id="{E1B69D2A-4686-5C28-41BF-889ADDBE2062}"/>
-              </a:ext>
-            </a:extLst>
-          </p:cNvPr>
+            <a:endParaRPr lang="en-US" dirty="0"/>
+          </a:p>
+        </p:txBody>
+      </p:sp>
+      <p:sp>
+        <p:nvSpPr>
+          <p:cNvPr id="3" name="Date Placeholder 2"/>
           <p:cNvSpPr>
             <a:spLocks noGrp="1"/>
           </p:cNvSpPr>
@@ -2116,7 +2051,7 @@
           <a:p>
             <a:fld id="{4906B8C8-EA00-4A12-BB7F-A6E92F5ACBF9}" type="datetimeFigureOut">
               <a:rPr lang="en-GB" smtClean="0"/>
-              <a:t>31/07/2024</a:t>
+              <a:t>19/08/2024</a:t>
             </a:fld>
             <a:endParaRPr lang="en-GB"/>
           </a:p>
@@ -2124,13 +2059,7 @@
       </p:sp>
       <p:sp>
         <p:nvSpPr>
-          <p:cNvPr id="4" name="Fußzeilenplatzhalter 3">
-            <a:extLst>
-              <a:ext uri="{FF2B5EF4-FFF2-40B4-BE49-F238E27FC236}">
-                <a16:creationId xmlns:a16="http://schemas.microsoft.com/office/drawing/2014/main" id="{5F5A28AE-FFE8-1409-A6A4-E6E16FD48B22}"/>
-              </a:ext>
-            </a:extLst>
-          </p:cNvPr>
+          <p:cNvPr id="4" name="Footer Placeholder 3"/>
           <p:cNvSpPr>
             <a:spLocks noGrp="1"/>
           </p:cNvSpPr>
@@ -2149,13 +2078,7 @@
       </p:sp>
       <p:sp>
         <p:nvSpPr>
-          <p:cNvPr id="5" name="Foliennummernplatzhalter 4">
-            <a:extLst>
-              <a:ext uri="{FF2B5EF4-FFF2-40B4-BE49-F238E27FC236}">
-                <a16:creationId xmlns:a16="http://schemas.microsoft.com/office/drawing/2014/main" id="{43D4D14D-E21C-8239-953D-962EAE9F3312}"/>
-              </a:ext>
-            </a:extLst>
-          </p:cNvPr>
+          <p:cNvPr id="5" name="Slide Number Placeholder 4"/>
           <p:cNvSpPr>
             <a:spLocks noGrp="1"/>
           </p:cNvSpPr>
@@ -2179,7 +2102,7 @@
     </p:spTree>
     <p:extLst>
       <p:ext uri="{BB962C8B-B14F-4D97-AF65-F5344CB8AC3E}">
-        <p14:creationId xmlns:p14="http://schemas.microsoft.com/office/powerpoint/2010/main" val="93791235"/>
+        <p14:creationId xmlns:p14="http://schemas.microsoft.com/office/powerpoint/2010/main" val="312408166"/>
       </p:ext>
     </p:extLst>
   </p:cSld>
@@ -2208,13 +2131,7 @@
       </p:grpSpPr>
       <p:sp>
         <p:nvSpPr>
-          <p:cNvPr id="2" name="Datumsplatzhalter 1">
-            <a:extLst>
-              <a:ext uri="{FF2B5EF4-FFF2-40B4-BE49-F238E27FC236}">
-                <a16:creationId xmlns:a16="http://schemas.microsoft.com/office/drawing/2014/main" id="{BC7C03B2-97FD-9221-FB02-8074745A02A8}"/>
-              </a:ext>
-            </a:extLst>
-          </p:cNvPr>
+          <p:cNvPr id="2" name="Date Placeholder 1"/>
           <p:cNvSpPr>
             <a:spLocks noGrp="1"/>
           </p:cNvSpPr>
@@ -2229,7 +2146,7 @@
           <a:p>
             <a:fld id="{4906B8C8-EA00-4A12-BB7F-A6E92F5ACBF9}" type="datetimeFigureOut">
               <a:rPr lang="en-GB" smtClean="0"/>
-              <a:t>31/07/2024</a:t>
+              <a:t>19/08/2024</a:t>
             </a:fld>
             <a:endParaRPr lang="en-GB"/>
           </a:p>
@@ -2237,13 +2154,7 @@
       </p:sp>
       <p:sp>
         <p:nvSpPr>
-          <p:cNvPr id="3" name="Fußzeilenplatzhalter 2">
-            <a:extLst>
-              <a:ext uri="{FF2B5EF4-FFF2-40B4-BE49-F238E27FC236}">
-                <a16:creationId xmlns:a16="http://schemas.microsoft.com/office/drawing/2014/main" id="{E9CE034C-6772-3FC4-83F9-B98481567852}"/>
-              </a:ext>
-            </a:extLst>
-          </p:cNvPr>
+          <p:cNvPr id="3" name="Footer Placeholder 2"/>
           <p:cNvSpPr>
             <a:spLocks noGrp="1"/>
           </p:cNvSpPr>
@@ -2262,13 +2173,7 @@
       </p:sp>
       <p:sp>
         <p:nvSpPr>
-          <p:cNvPr id="4" name="Foliennummernplatzhalter 3">
-            <a:extLst>
-              <a:ext uri="{FF2B5EF4-FFF2-40B4-BE49-F238E27FC236}">
-                <a16:creationId xmlns:a16="http://schemas.microsoft.com/office/drawing/2014/main" id="{A0E1CEF0-BC42-CCD1-32EA-727B65B0ADA2}"/>
-              </a:ext>
-            </a:extLst>
-          </p:cNvPr>
+          <p:cNvPr id="4" name="Slide Number Placeholder 3"/>
           <p:cNvSpPr>
             <a:spLocks noGrp="1"/>
           </p:cNvSpPr>
@@ -2292,7 +2197,7 @@
     </p:spTree>
     <p:extLst>
       <p:ext uri="{BB962C8B-B14F-4D97-AF65-F5344CB8AC3E}">
-        <p14:creationId xmlns:p14="http://schemas.microsoft.com/office/powerpoint/2010/main" val="2339511188"/>
+        <p14:creationId xmlns:p14="http://schemas.microsoft.com/office/powerpoint/2010/main" val="2608218592"/>
       </p:ext>
     </p:extLst>
   </p:cSld>
@@ -2321,13 +2226,7 @@
       </p:grpSpPr>
       <p:sp>
         <p:nvSpPr>
-          <p:cNvPr id="2" name="Titel 1">
-            <a:extLst>
-              <a:ext uri="{FF2B5EF4-FFF2-40B4-BE49-F238E27FC236}">
-                <a16:creationId xmlns:a16="http://schemas.microsoft.com/office/drawing/2014/main" id="{54AEAD5A-EA27-0342-5327-95CF61418EF4}"/>
-              </a:ext>
-            </a:extLst>
-          </p:cNvPr>
+          <p:cNvPr id="2" name="Title 1"/>
           <p:cNvSpPr>
             <a:spLocks noGrp="1"/>
           </p:cNvSpPr>
@@ -2337,15 +2236,15 @@
         </p:nvSpPr>
         <p:spPr>
           <a:xfrm>
-            <a:off x="839788" y="457200"/>
-            <a:ext cx="3932237" cy="1600200"/>
+            <a:off x="839788" y="599969"/>
+            <a:ext cx="3932237" cy="2099892"/>
           </a:xfrm>
         </p:spPr>
         <p:txBody>
           <a:bodyPr anchor="b"/>
           <a:lstStyle>
             <a:lvl1pPr>
-              <a:defRPr sz="3200"/>
+              <a:defRPr sz="4199"/>
             </a:lvl1pPr>
           </a:lstStyle>
           <a:p>
@@ -2353,19 +2252,13 @@
               <a:rPr lang="de-DE"/>
               <a:t>Mastertitelformat bearbeiten</a:t>
             </a:r>
-            <a:endParaRPr lang="en-GB"/>
-          </a:p>
-        </p:txBody>
-      </p:sp>
-      <p:sp>
-        <p:nvSpPr>
-          <p:cNvPr id="3" name="Inhaltsplatzhalter 2">
-            <a:extLst>
-              <a:ext uri="{FF2B5EF4-FFF2-40B4-BE49-F238E27FC236}">
-                <a16:creationId xmlns:a16="http://schemas.microsoft.com/office/drawing/2014/main" id="{7F4EF739-68EF-F49A-02D1-11DA7C8259D6}"/>
-              </a:ext>
-            </a:extLst>
-          </p:cNvPr>
+            <a:endParaRPr lang="en-US" dirty="0"/>
+          </a:p>
+        </p:txBody>
+      </p:sp>
+      <p:sp>
+        <p:nvSpPr>
+          <p:cNvPr id="3" name="Content Placeholder 2"/>
           <p:cNvSpPr>
             <a:spLocks noGrp="1"/>
           </p:cNvSpPr>
@@ -2375,39 +2268,39 @@
         </p:nvSpPr>
         <p:spPr>
           <a:xfrm>
-            <a:off x="5183188" y="987425"/>
-            <a:ext cx="6172200" cy="4873625"/>
+            <a:off x="5183188" y="1295769"/>
+            <a:ext cx="6172200" cy="6395505"/>
           </a:xfrm>
         </p:spPr>
         <p:txBody>
           <a:bodyPr/>
           <a:lstStyle>
             <a:lvl1pPr>
-              <a:defRPr sz="3200"/>
+              <a:defRPr sz="4199"/>
             </a:lvl1pPr>
             <a:lvl2pPr>
-              <a:defRPr sz="2800"/>
+              <a:defRPr sz="3674"/>
             </a:lvl2pPr>
             <a:lvl3pPr>
-              <a:defRPr sz="2400"/>
+              <a:defRPr sz="3150"/>
             </a:lvl3pPr>
             <a:lvl4pPr>
-              <a:defRPr sz="2000"/>
+              <a:defRPr sz="2625"/>
             </a:lvl4pPr>
             <a:lvl5pPr>
-              <a:defRPr sz="2000"/>
+              <a:defRPr sz="2625"/>
             </a:lvl5pPr>
             <a:lvl6pPr>
-              <a:defRPr sz="2000"/>
+              <a:defRPr sz="2625"/>
             </a:lvl6pPr>
             <a:lvl7pPr>
-              <a:defRPr sz="2000"/>
+              <a:defRPr sz="2625"/>
             </a:lvl7pPr>
             <a:lvl8pPr>
-              <a:defRPr sz="2000"/>
+              <a:defRPr sz="2625"/>
             </a:lvl8pPr>
             <a:lvl9pPr>
-              <a:defRPr sz="2000"/>
+              <a:defRPr sz="2625"/>
             </a:lvl9pPr>
           </a:lstStyle>
           <a:p>
@@ -2444,19 +2337,13 @@
               <a:rPr lang="de-DE"/>
               <a:t>Fünfte Ebene</a:t>
             </a:r>
-            <a:endParaRPr lang="en-GB"/>
-          </a:p>
-        </p:txBody>
-      </p:sp>
-      <p:sp>
-        <p:nvSpPr>
-          <p:cNvPr id="4" name="Textplatzhalter 3">
-            <a:extLst>
-              <a:ext uri="{FF2B5EF4-FFF2-40B4-BE49-F238E27FC236}">
-                <a16:creationId xmlns:a16="http://schemas.microsoft.com/office/drawing/2014/main" id="{A60DC8B3-B87A-125B-8253-A81F0DEF44BA}"/>
-              </a:ext>
-            </a:extLst>
-          </p:cNvPr>
+            <a:endParaRPr lang="en-US" dirty="0"/>
+          </a:p>
+        </p:txBody>
+      </p:sp>
+      <p:sp>
+        <p:nvSpPr>
+          <p:cNvPr id="4" name="Text Placeholder 3"/>
           <p:cNvSpPr>
             <a:spLocks noGrp="1"/>
           </p:cNvSpPr>
@@ -2466,8 +2353,8 @@
         </p:nvSpPr>
         <p:spPr>
           <a:xfrm>
-            <a:off x="839788" y="2057400"/>
-            <a:ext cx="3932237" cy="3811588"/>
+            <a:off x="839788" y="2699862"/>
+            <a:ext cx="3932237" cy="5001827"/>
           </a:xfrm>
         </p:spPr>
         <p:txBody>
@@ -2475,39 +2362,39 @@
           <a:lstStyle>
             <a:lvl1pPr marL="0" indent="0">
               <a:buNone/>
-              <a:defRPr sz="1600"/>
+              <a:defRPr sz="2100"/>
             </a:lvl1pPr>
-            <a:lvl2pPr marL="457200" indent="0">
-              <a:buNone/>
-              <a:defRPr sz="1400"/>
+            <a:lvl2pPr marL="599984" indent="0">
+              <a:buNone/>
+              <a:defRPr sz="1837"/>
             </a:lvl2pPr>
-            <a:lvl3pPr marL="914400" indent="0">
-              <a:buNone/>
-              <a:defRPr sz="1200"/>
+            <a:lvl3pPr marL="1199967" indent="0">
+              <a:buNone/>
+              <a:defRPr sz="1575"/>
             </a:lvl3pPr>
-            <a:lvl4pPr marL="1371600" indent="0">
-              <a:buNone/>
-              <a:defRPr sz="1000"/>
+            <a:lvl4pPr marL="1799951" indent="0">
+              <a:buNone/>
+              <a:defRPr sz="1312"/>
             </a:lvl4pPr>
-            <a:lvl5pPr marL="1828800" indent="0">
-              <a:buNone/>
-              <a:defRPr sz="1000"/>
+            <a:lvl5pPr marL="2399934" indent="0">
+              <a:buNone/>
+              <a:defRPr sz="1312"/>
             </a:lvl5pPr>
-            <a:lvl6pPr marL="2286000" indent="0">
-              <a:buNone/>
-              <a:defRPr sz="1000"/>
+            <a:lvl6pPr marL="2999918" indent="0">
+              <a:buNone/>
+              <a:defRPr sz="1312"/>
             </a:lvl6pPr>
-            <a:lvl7pPr marL="2743200" indent="0">
-              <a:buNone/>
-              <a:defRPr sz="1000"/>
+            <a:lvl7pPr marL="3599901" indent="0">
+              <a:buNone/>
+              <a:defRPr sz="1312"/>
             </a:lvl7pPr>
-            <a:lvl8pPr marL="3200400" indent="0">
-              <a:buNone/>
-              <a:defRPr sz="1000"/>
+            <a:lvl8pPr marL="4199885" indent="0">
+              <a:buNone/>
+              <a:defRPr sz="1312"/>
             </a:lvl8pPr>
-            <a:lvl9pPr marL="3657600" indent="0">
-              <a:buNone/>
-              <a:defRPr sz="1000"/>
+            <a:lvl9pPr marL="4799868" indent="0">
+              <a:buNone/>
+              <a:defRPr sz="1312"/>
             </a:lvl9pPr>
           </a:lstStyle>
           <a:p>
@@ -2521,13 +2408,7 @@
       </p:sp>
       <p:sp>
         <p:nvSpPr>
-          <p:cNvPr id="5" name="Datumsplatzhalter 4">
-            <a:extLst>
-              <a:ext uri="{FF2B5EF4-FFF2-40B4-BE49-F238E27FC236}">
-                <a16:creationId xmlns:a16="http://schemas.microsoft.com/office/drawing/2014/main" id="{F5106EA9-A731-CE4D-9E31-AD6F754CA2D4}"/>
-              </a:ext>
-            </a:extLst>
-          </p:cNvPr>
+          <p:cNvPr id="5" name="Date Placeholder 4"/>
           <p:cNvSpPr>
             <a:spLocks noGrp="1"/>
           </p:cNvSpPr>
@@ -2542,7 +2423,7 @@
           <a:p>
             <a:fld id="{4906B8C8-EA00-4A12-BB7F-A6E92F5ACBF9}" type="datetimeFigureOut">
               <a:rPr lang="en-GB" smtClean="0"/>
-              <a:t>31/07/2024</a:t>
+              <a:t>19/08/2024</a:t>
             </a:fld>
             <a:endParaRPr lang="en-GB"/>
           </a:p>
@@ -2550,13 +2431,7 @@
       </p:sp>
       <p:sp>
         <p:nvSpPr>
-          <p:cNvPr id="6" name="Fußzeilenplatzhalter 5">
-            <a:extLst>
-              <a:ext uri="{FF2B5EF4-FFF2-40B4-BE49-F238E27FC236}">
-                <a16:creationId xmlns:a16="http://schemas.microsoft.com/office/drawing/2014/main" id="{CE8941C9-BF24-D72C-5AD5-E6DFECFCA947}"/>
-              </a:ext>
-            </a:extLst>
-          </p:cNvPr>
+          <p:cNvPr id="6" name="Footer Placeholder 5"/>
           <p:cNvSpPr>
             <a:spLocks noGrp="1"/>
           </p:cNvSpPr>
@@ -2575,13 +2450,7 @@
       </p:sp>
       <p:sp>
         <p:nvSpPr>
-          <p:cNvPr id="7" name="Foliennummernplatzhalter 6">
-            <a:extLst>
-              <a:ext uri="{FF2B5EF4-FFF2-40B4-BE49-F238E27FC236}">
-                <a16:creationId xmlns:a16="http://schemas.microsoft.com/office/drawing/2014/main" id="{3F27904B-8F3A-AFB1-4E72-36AF59560D5A}"/>
-              </a:ext>
-            </a:extLst>
-          </p:cNvPr>
+          <p:cNvPr id="7" name="Slide Number Placeholder 6"/>
           <p:cNvSpPr>
             <a:spLocks noGrp="1"/>
           </p:cNvSpPr>
@@ -2605,7 +2474,7 @@
     </p:spTree>
     <p:extLst>
       <p:ext uri="{BB962C8B-B14F-4D97-AF65-F5344CB8AC3E}">
-        <p14:creationId xmlns:p14="http://schemas.microsoft.com/office/powerpoint/2010/main" val="303291736"/>
+        <p14:creationId xmlns:p14="http://schemas.microsoft.com/office/powerpoint/2010/main" val="1224836052"/>
       </p:ext>
     </p:extLst>
   </p:cSld>
@@ -2634,13 +2503,7 @@
       </p:grpSpPr>
       <p:sp>
         <p:nvSpPr>
-          <p:cNvPr id="2" name="Titel 1">
-            <a:extLst>
-              <a:ext uri="{FF2B5EF4-FFF2-40B4-BE49-F238E27FC236}">
-                <a16:creationId xmlns:a16="http://schemas.microsoft.com/office/drawing/2014/main" id="{947C7939-A06A-0380-1DB9-607CE3B7E43D}"/>
-              </a:ext>
-            </a:extLst>
-          </p:cNvPr>
+          <p:cNvPr id="2" name="Title 1"/>
           <p:cNvSpPr>
             <a:spLocks noGrp="1"/>
           </p:cNvSpPr>
@@ -2650,15 +2513,15 @@
         </p:nvSpPr>
         <p:spPr>
           <a:xfrm>
-            <a:off x="839788" y="457200"/>
-            <a:ext cx="3932237" cy="1600200"/>
+            <a:off x="839788" y="599969"/>
+            <a:ext cx="3932237" cy="2099892"/>
           </a:xfrm>
         </p:spPr>
         <p:txBody>
           <a:bodyPr anchor="b"/>
           <a:lstStyle>
             <a:lvl1pPr>
-              <a:defRPr sz="3200"/>
+              <a:defRPr sz="4199"/>
             </a:lvl1pPr>
           </a:lstStyle>
           <a:p>
@@ -2666,21 +2529,15 @@
               <a:rPr lang="de-DE"/>
               <a:t>Mastertitelformat bearbeiten</a:t>
             </a:r>
-            <a:endParaRPr lang="en-GB"/>
-          </a:p>
-        </p:txBody>
-      </p:sp>
-      <p:sp>
-        <p:nvSpPr>
-          <p:cNvPr id="3" name="Bildplatzhalter 2">
-            <a:extLst>
-              <a:ext uri="{FF2B5EF4-FFF2-40B4-BE49-F238E27FC236}">
-                <a16:creationId xmlns:a16="http://schemas.microsoft.com/office/drawing/2014/main" id="{E8C13B1F-51F2-B248-050E-DD641C1E8590}"/>
-              </a:ext>
-            </a:extLst>
-          </p:cNvPr>
-          <p:cNvSpPr>
-            <a:spLocks noGrp="1"/>
+            <a:endParaRPr lang="en-US" dirty="0"/>
+          </a:p>
+        </p:txBody>
+      </p:sp>
+      <p:sp>
+        <p:nvSpPr>
+          <p:cNvPr id="3" name="Picture Placeholder 2"/>
+          <p:cNvSpPr>
+            <a:spLocks noGrp="1" noChangeAspect="1"/>
           </p:cNvSpPr>
           <p:nvPr>
             <p:ph type="pic" idx="1"/>
@@ -2688,8 +2545,73 @@
         </p:nvSpPr>
         <p:spPr>
           <a:xfrm>
-            <a:off x="5183188" y="987425"/>
-            <a:ext cx="6172200" cy="4873625"/>
+            <a:off x="5183188" y="1295769"/>
+            <a:ext cx="6172200" cy="6395505"/>
+          </a:xfrm>
+        </p:spPr>
+        <p:txBody>
+          <a:bodyPr anchor="t"/>
+          <a:lstStyle>
+            <a:lvl1pPr marL="0" indent="0">
+              <a:buNone/>
+              <a:defRPr sz="4199"/>
+            </a:lvl1pPr>
+            <a:lvl2pPr marL="599984" indent="0">
+              <a:buNone/>
+              <a:defRPr sz="3674"/>
+            </a:lvl2pPr>
+            <a:lvl3pPr marL="1199967" indent="0">
+              <a:buNone/>
+              <a:defRPr sz="3150"/>
+            </a:lvl3pPr>
+            <a:lvl4pPr marL="1799951" indent="0">
+              <a:buNone/>
+              <a:defRPr sz="2625"/>
+            </a:lvl4pPr>
+            <a:lvl5pPr marL="2399934" indent="0">
+              <a:buNone/>
+              <a:defRPr sz="2625"/>
+            </a:lvl5pPr>
+            <a:lvl6pPr marL="2999918" indent="0">
+              <a:buNone/>
+              <a:defRPr sz="2625"/>
+            </a:lvl6pPr>
+            <a:lvl7pPr marL="3599901" indent="0">
+              <a:buNone/>
+              <a:defRPr sz="2625"/>
+            </a:lvl7pPr>
+            <a:lvl8pPr marL="4199885" indent="0">
+              <a:buNone/>
+              <a:defRPr sz="2625"/>
+            </a:lvl8pPr>
+            <a:lvl9pPr marL="4799868" indent="0">
+              <a:buNone/>
+              <a:defRPr sz="2625"/>
+            </a:lvl9pPr>
+          </a:lstStyle>
+          <a:p>
+            <a:r>
+              <a:rPr lang="de-DE"/>
+              <a:t>Bild durch Klicken auf Symbol hinzufügen</a:t>
+            </a:r>
+            <a:endParaRPr lang="en-US" dirty="0"/>
+          </a:p>
+        </p:txBody>
+      </p:sp>
+      <p:sp>
+        <p:nvSpPr>
+          <p:cNvPr id="4" name="Text Placeholder 3"/>
+          <p:cNvSpPr>
+            <a:spLocks noGrp="1"/>
+          </p:cNvSpPr>
+          <p:nvPr>
+            <p:ph type="body" sz="half" idx="2"/>
+          </p:nvPr>
+        </p:nvSpPr>
+        <p:spPr>
+          <a:xfrm>
+            <a:off x="839788" y="2699862"/>
+            <a:ext cx="3932237" cy="5001827"/>
           </a:xfrm>
         </p:spPr>
         <p:txBody>
@@ -2697,109 +2619,42 @@
           <a:lstStyle>
             <a:lvl1pPr marL="0" indent="0">
               <a:buNone/>
-              <a:defRPr sz="3200"/>
+              <a:defRPr sz="2100"/>
             </a:lvl1pPr>
-            <a:lvl2pPr marL="457200" indent="0">
-              <a:buNone/>
-              <a:defRPr sz="2800"/>
+            <a:lvl2pPr marL="599984" indent="0">
+              <a:buNone/>
+              <a:defRPr sz="1837"/>
             </a:lvl2pPr>
-            <a:lvl3pPr marL="914400" indent="0">
-              <a:buNone/>
-              <a:defRPr sz="2400"/>
+            <a:lvl3pPr marL="1199967" indent="0">
+              <a:buNone/>
+              <a:defRPr sz="1575"/>
             </a:lvl3pPr>
-            <a:lvl4pPr marL="1371600" indent="0">
-              <a:buNone/>
-              <a:defRPr sz="2000"/>
+            <a:lvl4pPr marL="1799951" indent="0">
+              <a:buNone/>
+              <a:defRPr sz="1312"/>
             </a:lvl4pPr>
-            <a:lvl5pPr marL="1828800" indent="0">
-              <a:buNone/>
-              <a:defRPr sz="2000"/>
+            <a:lvl5pPr marL="2399934" indent="0">
+              <a:buNone/>
+              <a:defRPr sz="1312"/>
             </a:lvl5pPr>
-            <a:lvl6pPr marL="2286000" indent="0">
-              <a:buNone/>
-              <a:defRPr sz="2000"/>
+            <a:lvl6pPr marL="2999918" indent="0">
+              <a:buNone/>
+              <a:defRPr sz="1312"/>
             </a:lvl6pPr>
-            <a:lvl7pPr marL="2743200" indent="0">
-              <a:buNone/>
-              <a:defRPr sz="2000"/>
+            <a:lvl7pPr marL="3599901" indent="0">
+              <a:buNone/>
+              <a:defRPr sz="1312"/>
             </a:lvl7pPr>
-            <a:lvl8pPr marL="3200400" indent="0">
-              <a:buNone/>
-              <a:defRPr sz="2000"/>
+            <a:lvl8pPr marL="4199885" indent="0">
+              <a:buNone/>
+              <a:defRPr sz="1312"/>
             </a:lvl8pPr>
-            <a:lvl9pPr marL="3657600" indent="0">
-              <a:buNone/>
-              <a:defRPr sz="2000"/>
+            <a:lvl9pPr marL="4799868" indent="0">
+              <a:buNone/>
+              <a:defRPr sz="1312"/>
             </a:lvl9pPr>
           </a:lstStyle>
           <a:p>
-            <a:endParaRPr lang="en-GB"/>
-          </a:p>
-        </p:txBody>
-      </p:sp>
-      <p:sp>
-        <p:nvSpPr>
-          <p:cNvPr id="4" name="Textplatzhalter 3">
-            <a:extLst>
-              <a:ext uri="{FF2B5EF4-FFF2-40B4-BE49-F238E27FC236}">
-                <a16:creationId xmlns:a16="http://schemas.microsoft.com/office/drawing/2014/main" id="{B275D3F3-3B0A-624E-E1F8-7B5E2A035019}"/>
-              </a:ext>
-            </a:extLst>
-          </p:cNvPr>
-          <p:cNvSpPr>
-            <a:spLocks noGrp="1"/>
-          </p:cNvSpPr>
-          <p:nvPr>
-            <p:ph type="body" sz="half" idx="2"/>
-          </p:nvPr>
-        </p:nvSpPr>
-        <p:spPr>
-          <a:xfrm>
-            <a:off x="839788" y="2057400"/>
-            <a:ext cx="3932237" cy="3811588"/>
-          </a:xfrm>
-        </p:spPr>
-        <p:txBody>
-          <a:bodyPr/>
-          <a:lstStyle>
-            <a:lvl1pPr marL="0" indent="0">
-              <a:buNone/>
-              <a:defRPr sz="1600"/>
-            </a:lvl1pPr>
-            <a:lvl2pPr marL="457200" indent="0">
-              <a:buNone/>
-              <a:defRPr sz="1400"/>
-            </a:lvl2pPr>
-            <a:lvl3pPr marL="914400" indent="0">
-              <a:buNone/>
-              <a:defRPr sz="1200"/>
-            </a:lvl3pPr>
-            <a:lvl4pPr marL="1371600" indent="0">
-              <a:buNone/>
-              <a:defRPr sz="1000"/>
-            </a:lvl4pPr>
-            <a:lvl5pPr marL="1828800" indent="0">
-              <a:buNone/>
-              <a:defRPr sz="1000"/>
-            </a:lvl5pPr>
-            <a:lvl6pPr marL="2286000" indent="0">
-              <a:buNone/>
-              <a:defRPr sz="1000"/>
-            </a:lvl6pPr>
-            <a:lvl7pPr marL="2743200" indent="0">
-              <a:buNone/>
-              <a:defRPr sz="1000"/>
-            </a:lvl7pPr>
-            <a:lvl8pPr marL="3200400" indent="0">
-              <a:buNone/>
-              <a:defRPr sz="1000"/>
-            </a:lvl8pPr>
-            <a:lvl9pPr marL="3657600" indent="0">
-              <a:buNone/>
-              <a:defRPr sz="1000"/>
-            </a:lvl9pPr>
-          </a:lstStyle>
-          <a:p>
             <a:pPr lvl="0"/>
             <a:r>
               <a:rPr lang="de-DE"/>
@@ -2810,13 +2665,7 @@
       </p:sp>
       <p:sp>
         <p:nvSpPr>
-          <p:cNvPr id="5" name="Datumsplatzhalter 4">
-            <a:extLst>
-              <a:ext uri="{FF2B5EF4-FFF2-40B4-BE49-F238E27FC236}">
-                <a16:creationId xmlns:a16="http://schemas.microsoft.com/office/drawing/2014/main" id="{62F77744-3A07-9C51-CBD5-57E3A4B19AA2}"/>
-              </a:ext>
-            </a:extLst>
-          </p:cNvPr>
+          <p:cNvPr id="5" name="Date Placeholder 4"/>
           <p:cNvSpPr>
             <a:spLocks noGrp="1"/>
           </p:cNvSpPr>
@@ -2831,7 +2680,7 @@
           <a:p>
             <a:fld id="{4906B8C8-EA00-4A12-BB7F-A6E92F5ACBF9}" type="datetimeFigureOut">
               <a:rPr lang="en-GB" smtClean="0"/>
-              <a:t>31/07/2024</a:t>
+              <a:t>19/08/2024</a:t>
             </a:fld>
             <a:endParaRPr lang="en-GB"/>
           </a:p>
@@ -2839,13 +2688,7 @@
       </p:sp>
       <p:sp>
         <p:nvSpPr>
-          <p:cNvPr id="6" name="Fußzeilenplatzhalter 5">
-            <a:extLst>
-              <a:ext uri="{FF2B5EF4-FFF2-40B4-BE49-F238E27FC236}">
-                <a16:creationId xmlns:a16="http://schemas.microsoft.com/office/drawing/2014/main" id="{0786CBC6-5AEF-D78D-A609-2CFD8251B526}"/>
-              </a:ext>
-            </a:extLst>
-          </p:cNvPr>
+          <p:cNvPr id="6" name="Footer Placeholder 5"/>
           <p:cNvSpPr>
             <a:spLocks noGrp="1"/>
           </p:cNvSpPr>
@@ -2864,13 +2707,7 @@
       </p:sp>
       <p:sp>
         <p:nvSpPr>
-          <p:cNvPr id="7" name="Foliennummernplatzhalter 6">
-            <a:extLst>
-              <a:ext uri="{FF2B5EF4-FFF2-40B4-BE49-F238E27FC236}">
-                <a16:creationId xmlns:a16="http://schemas.microsoft.com/office/drawing/2014/main" id="{CA7D4468-3E3A-651A-6B3B-F32E8836104E}"/>
-              </a:ext>
-            </a:extLst>
-          </p:cNvPr>
+          <p:cNvPr id="7" name="Slide Number Placeholder 6"/>
           <p:cNvSpPr>
             <a:spLocks noGrp="1"/>
           </p:cNvSpPr>
@@ -2894,7 +2731,7 @@
     </p:spTree>
     <p:extLst>
       <p:ext uri="{BB962C8B-B14F-4D97-AF65-F5344CB8AC3E}">
-        <p14:creationId xmlns:p14="http://schemas.microsoft.com/office/powerpoint/2010/main" val="1943452245"/>
+        <p14:creationId xmlns:p14="http://schemas.microsoft.com/office/powerpoint/2010/main" val="1167680474"/>
       </p:ext>
     </p:extLst>
   </p:cSld>
@@ -2928,13 +2765,7 @@
       </p:grpSpPr>
       <p:sp>
         <p:nvSpPr>
-          <p:cNvPr id="2" name="Titelplatzhalter 1">
-            <a:extLst>
-              <a:ext uri="{FF2B5EF4-FFF2-40B4-BE49-F238E27FC236}">
-                <a16:creationId xmlns:a16="http://schemas.microsoft.com/office/drawing/2014/main" id="{1AEA64CE-A2E4-75E0-28D4-3F814BE19C8D}"/>
-              </a:ext>
-            </a:extLst>
-          </p:cNvPr>
+          <p:cNvPr id="2" name="Title Placeholder 1"/>
           <p:cNvSpPr>
             <a:spLocks noGrp="1"/>
           </p:cNvSpPr>
@@ -2944,8 +2775,8 @@
         </p:nvSpPr>
         <p:spPr>
           <a:xfrm>
-            <a:off x="838200" y="365125"/>
-            <a:ext cx="10515600" cy="1325563"/>
+            <a:off x="838200" y="479144"/>
+            <a:ext cx="10515600" cy="1739495"/>
           </a:xfrm>
           <a:prstGeom prst="rect">
             <a:avLst/>
@@ -2961,19 +2792,13 @@
               <a:rPr lang="de-DE"/>
               <a:t>Mastertitelformat bearbeiten</a:t>
             </a:r>
-            <a:endParaRPr lang="en-GB"/>
-          </a:p>
-        </p:txBody>
-      </p:sp>
-      <p:sp>
-        <p:nvSpPr>
-          <p:cNvPr id="3" name="Textplatzhalter 2">
-            <a:extLst>
-              <a:ext uri="{FF2B5EF4-FFF2-40B4-BE49-F238E27FC236}">
-                <a16:creationId xmlns:a16="http://schemas.microsoft.com/office/drawing/2014/main" id="{98A1FC91-7567-F149-20D3-5D32863BC12F}"/>
-              </a:ext>
-            </a:extLst>
-          </p:cNvPr>
+            <a:endParaRPr lang="en-US" dirty="0"/>
+          </a:p>
+        </p:txBody>
+      </p:sp>
+      <p:sp>
+        <p:nvSpPr>
+          <p:cNvPr id="3" name="Text Placeholder 2"/>
           <p:cNvSpPr>
             <a:spLocks noGrp="1"/>
           </p:cNvSpPr>
@@ -2983,8 +2808,8 @@
         </p:nvSpPr>
         <p:spPr>
           <a:xfrm>
-            <a:off x="838200" y="1825625"/>
-            <a:ext cx="10515600" cy="4351338"/>
+            <a:off x="838200" y="2395710"/>
+            <a:ext cx="10515600" cy="5710124"/>
           </a:xfrm>
           <a:prstGeom prst="rect">
             <a:avLst/>
@@ -3029,19 +2854,13 @@
               <a:rPr lang="de-DE"/>
               <a:t>Fünfte Ebene</a:t>
             </a:r>
-            <a:endParaRPr lang="en-GB"/>
-          </a:p>
-        </p:txBody>
-      </p:sp>
-      <p:sp>
-        <p:nvSpPr>
-          <p:cNvPr id="4" name="Datumsplatzhalter 3">
-            <a:extLst>
-              <a:ext uri="{FF2B5EF4-FFF2-40B4-BE49-F238E27FC236}">
-                <a16:creationId xmlns:a16="http://schemas.microsoft.com/office/drawing/2014/main" id="{949EEE45-123E-C125-024F-8A86ABC7257E}"/>
-              </a:ext>
-            </a:extLst>
-          </p:cNvPr>
+            <a:endParaRPr lang="en-US" dirty="0"/>
+          </a:p>
+        </p:txBody>
+      </p:sp>
+      <p:sp>
+        <p:nvSpPr>
+          <p:cNvPr id="4" name="Date Placeholder 3"/>
           <p:cNvSpPr>
             <a:spLocks noGrp="1"/>
           </p:cNvSpPr>
@@ -3051,8 +2870,8 @@
         </p:nvSpPr>
         <p:spPr>
           <a:xfrm>
-            <a:off x="838200" y="6356350"/>
-            <a:ext cx="2743200" cy="365125"/>
+            <a:off x="838200" y="8341240"/>
+            <a:ext cx="2743200" cy="479142"/>
           </a:xfrm>
           <a:prstGeom prst="rect">
             <a:avLst/>
@@ -3062,7 +2881,7 @@
           <a:bodyPr vert="horz" lIns="91440" tIns="45720" rIns="91440" bIns="45720" rtlCol="0" anchor="ctr"/>
           <a:lstStyle>
             <a:lvl1pPr algn="l">
-              <a:defRPr sz="1200">
+              <a:defRPr sz="1575">
                 <a:solidFill>
                   <a:schemeClr val="tx1">
                     <a:tint val="82000"/>
@@ -3074,7 +2893,7 @@
           <a:p>
             <a:fld id="{4906B8C8-EA00-4A12-BB7F-A6E92F5ACBF9}" type="datetimeFigureOut">
               <a:rPr lang="en-GB" smtClean="0"/>
-              <a:t>31/07/2024</a:t>
+              <a:t>19/08/2024</a:t>
             </a:fld>
             <a:endParaRPr lang="en-GB"/>
           </a:p>
@@ -3082,13 +2901,7 @@
       </p:sp>
       <p:sp>
         <p:nvSpPr>
-          <p:cNvPr id="5" name="Fußzeilenplatzhalter 4">
-            <a:extLst>
-              <a:ext uri="{FF2B5EF4-FFF2-40B4-BE49-F238E27FC236}">
-                <a16:creationId xmlns:a16="http://schemas.microsoft.com/office/drawing/2014/main" id="{31E90B2A-93C9-341F-CBB6-05B07BFDB376}"/>
-              </a:ext>
-            </a:extLst>
-          </p:cNvPr>
+          <p:cNvPr id="5" name="Footer Placeholder 4"/>
           <p:cNvSpPr>
             <a:spLocks noGrp="1"/>
           </p:cNvSpPr>
@@ -3098,8 +2911,8 @@
         </p:nvSpPr>
         <p:spPr>
           <a:xfrm>
-            <a:off x="4038600" y="6356350"/>
-            <a:ext cx="4114800" cy="365125"/>
+            <a:off x="4038600" y="8341240"/>
+            <a:ext cx="4114800" cy="479142"/>
           </a:xfrm>
           <a:prstGeom prst="rect">
             <a:avLst/>
@@ -3109,7 +2922,7 @@
           <a:bodyPr vert="horz" lIns="91440" tIns="45720" rIns="91440" bIns="45720" rtlCol="0" anchor="ctr"/>
           <a:lstStyle>
             <a:lvl1pPr algn="ctr">
-              <a:defRPr sz="1200">
+              <a:defRPr sz="1575">
                 <a:solidFill>
                   <a:schemeClr val="tx1">
                     <a:tint val="82000"/>
@@ -3125,13 +2938,7 @@
       </p:sp>
       <p:sp>
         <p:nvSpPr>
-          <p:cNvPr id="6" name="Foliennummernplatzhalter 5">
-            <a:extLst>
-              <a:ext uri="{FF2B5EF4-FFF2-40B4-BE49-F238E27FC236}">
-                <a16:creationId xmlns:a16="http://schemas.microsoft.com/office/drawing/2014/main" id="{E1D30B89-B079-AA4E-2BE9-A303090A62C1}"/>
-              </a:ext>
-            </a:extLst>
-          </p:cNvPr>
+          <p:cNvPr id="6" name="Slide Number Placeholder 5"/>
           <p:cNvSpPr>
             <a:spLocks noGrp="1"/>
           </p:cNvSpPr>
@@ -3141,8 +2948,8 @@
         </p:nvSpPr>
         <p:spPr>
           <a:xfrm>
-            <a:off x="8610600" y="6356350"/>
-            <a:ext cx="2743200" cy="365125"/>
+            <a:off x="8610600" y="8341240"/>
+            <a:ext cx="2743200" cy="479142"/>
           </a:xfrm>
           <a:prstGeom prst="rect">
             <a:avLst/>
@@ -3152,7 +2959,7 @@
           <a:bodyPr vert="horz" lIns="91440" tIns="45720" rIns="91440" bIns="45720" rtlCol="0" anchor="ctr"/>
           <a:lstStyle>
             <a:lvl1pPr algn="r">
-              <a:defRPr sz="1200">
+              <a:defRPr sz="1575">
                 <a:solidFill>
                   <a:schemeClr val="tx1">
                     <a:tint val="82000"/>
@@ -3173,27 +2980,27 @@
     </p:spTree>
     <p:extLst>
       <p:ext uri="{BB962C8B-B14F-4D97-AF65-F5344CB8AC3E}">
-        <p14:creationId xmlns:p14="http://schemas.microsoft.com/office/powerpoint/2010/main" val="647715581"/>
+        <p14:creationId xmlns:p14="http://schemas.microsoft.com/office/powerpoint/2010/main" val="1192515176"/>
       </p:ext>
     </p:extLst>
   </p:cSld>
   <p:clrMap bg1="lt1" tx1="dk1" bg2="lt2" tx2="dk2" accent1="accent1" accent2="accent2" accent3="accent3" accent4="accent4" accent5="accent5" accent6="accent6" hlink="hlink" folHlink="folHlink"/>
   <p:sldLayoutIdLst>
-    <p:sldLayoutId id="2147483649" r:id="rId1"/>
-    <p:sldLayoutId id="2147483650" r:id="rId2"/>
-    <p:sldLayoutId id="2147483651" r:id="rId3"/>
-    <p:sldLayoutId id="2147483652" r:id="rId4"/>
-    <p:sldLayoutId id="2147483653" r:id="rId5"/>
-    <p:sldLayoutId id="2147483654" r:id="rId6"/>
-    <p:sldLayoutId id="2147483655" r:id="rId7"/>
-    <p:sldLayoutId id="2147483656" r:id="rId8"/>
-    <p:sldLayoutId id="2147483657" r:id="rId9"/>
-    <p:sldLayoutId id="2147483658" r:id="rId10"/>
-    <p:sldLayoutId id="2147483659" r:id="rId11"/>
+    <p:sldLayoutId id="2147483661" r:id="rId1"/>
+    <p:sldLayoutId id="2147483662" r:id="rId2"/>
+    <p:sldLayoutId id="2147483663" r:id="rId3"/>
+    <p:sldLayoutId id="2147483664" r:id="rId4"/>
+    <p:sldLayoutId id="2147483665" r:id="rId5"/>
+    <p:sldLayoutId id="2147483666" r:id="rId6"/>
+    <p:sldLayoutId id="2147483667" r:id="rId7"/>
+    <p:sldLayoutId id="2147483668" r:id="rId8"/>
+    <p:sldLayoutId id="2147483669" r:id="rId9"/>
+    <p:sldLayoutId id="2147483670" r:id="rId10"/>
+    <p:sldLayoutId id="2147483671" r:id="rId11"/>
   </p:sldLayoutIdLst>
   <p:txStyles>
     <p:titleStyle>
-      <a:lvl1pPr algn="l" defTabSz="914400" rtl="0" eaLnBrk="1" latinLnBrk="0" hangingPunct="1">
+      <a:lvl1pPr algn="l" defTabSz="1199967" rtl="0" eaLnBrk="1" latinLnBrk="0" hangingPunct="1">
         <a:lnSpc>
           <a:spcPct val="90000"/>
         </a:lnSpc>
@@ -3201,7 +3008,7 @@
           <a:spcPct val="0"/>
         </a:spcBef>
         <a:buNone/>
-        <a:defRPr sz="4400" kern="1200">
+        <a:defRPr sz="5774" kern="1200">
           <a:solidFill>
             <a:schemeClr val="tx1"/>
           </a:solidFill>
@@ -3212,16 +3019,16 @@
       </a:lvl1pPr>
     </p:titleStyle>
     <p:bodyStyle>
-      <a:lvl1pPr marL="228600" indent="-228600" algn="l" defTabSz="914400" rtl="0" eaLnBrk="1" latinLnBrk="0" hangingPunct="1">
+      <a:lvl1pPr marL="299992" indent="-299992" algn="l" defTabSz="1199967" rtl="0" eaLnBrk="1" latinLnBrk="0" hangingPunct="1">
         <a:lnSpc>
           <a:spcPct val="90000"/>
         </a:lnSpc>
         <a:spcBef>
-          <a:spcPts val="1000"/>
+          <a:spcPts val="1312"/>
         </a:spcBef>
         <a:buFont typeface="Arial" panose="020B0604020202020204" pitchFamily="34" charset="0"/>
         <a:buChar char="•"/>
-        <a:defRPr sz="2800" kern="1200">
+        <a:defRPr sz="3674" kern="1200">
           <a:solidFill>
             <a:schemeClr val="tx1"/>
           </a:solidFill>
@@ -3230,16 +3037,16 @@
           <a:cs typeface="+mn-cs"/>
         </a:defRPr>
       </a:lvl1pPr>
-      <a:lvl2pPr marL="685800" indent="-228600" algn="l" defTabSz="914400" rtl="0" eaLnBrk="1" latinLnBrk="0" hangingPunct="1">
+      <a:lvl2pPr marL="899975" indent="-299992" algn="l" defTabSz="1199967" rtl="0" eaLnBrk="1" latinLnBrk="0" hangingPunct="1">
         <a:lnSpc>
           <a:spcPct val="90000"/>
         </a:lnSpc>
         <a:spcBef>
-          <a:spcPts val="500"/>
+          <a:spcPts val="656"/>
         </a:spcBef>
         <a:buFont typeface="Arial" panose="020B0604020202020204" pitchFamily="34" charset="0"/>
         <a:buChar char="•"/>
-        <a:defRPr sz="2400" kern="1200">
+        <a:defRPr sz="3150" kern="1200">
           <a:solidFill>
             <a:schemeClr val="tx1"/>
           </a:solidFill>
@@ -3248,16 +3055,16 @@
           <a:cs typeface="+mn-cs"/>
         </a:defRPr>
       </a:lvl2pPr>
-      <a:lvl3pPr marL="1143000" indent="-228600" algn="l" defTabSz="914400" rtl="0" eaLnBrk="1" latinLnBrk="0" hangingPunct="1">
+      <a:lvl3pPr marL="1499959" indent="-299992" algn="l" defTabSz="1199967" rtl="0" eaLnBrk="1" latinLnBrk="0" hangingPunct="1">
         <a:lnSpc>
           <a:spcPct val="90000"/>
         </a:lnSpc>
         <a:spcBef>
-          <a:spcPts val="500"/>
+          <a:spcPts val="656"/>
         </a:spcBef>
         <a:buFont typeface="Arial" panose="020B0604020202020204" pitchFamily="34" charset="0"/>
         <a:buChar char="•"/>
-        <a:defRPr sz="2000" kern="1200">
+        <a:defRPr sz="2625" kern="1200">
           <a:solidFill>
             <a:schemeClr val="tx1"/>
           </a:solidFill>
@@ -3266,16 +3073,16 @@
           <a:cs typeface="+mn-cs"/>
         </a:defRPr>
       </a:lvl3pPr>
-      <a:lvl4pPr marL="1600200" indent="-228600" algn="l" defTabSz="914400" rtl="0" eaLnBrk="1" latinLnBrk="0" hangingPunct="1">
+      <a:lvl4pPr marL="2099942" indent="-299992" algn="l" defTabSz="1199967" rtl="0" eaLnBrk="1" latinLnBrk="0" hangingPunct="1">
         <a:lnSpc>
           <a:spcPct val="90000"/>
         </a:lnSpc>
         <a:spcBef>
-          <a:spcPts val="500"/>
+          <a:spcPts val="656"/>
         </a:spcBef>
         <a:buFont typeface="Arial" panose="020B0604020202020204" pitchFamily="34" charset="0"/>
         <a:buChar char="•"/>
-        <a:defRPr sz="1800" kern="1200">
+        <a:defRPr sz="2362" kern="1200">
           <a:solidFill>
             <a:schemeClr val="tx1"/>
           </a:solidFill>
@@ -3284,16 +3091,16 @@
           <a:cs typeface="+mn-cs"/>
         </a:defRPr>
       </a:lvl4pPr>
-      <a:lvl5pPr marL="2057400" indent="-228600" algn="l" defTabSz="914400" rtl="0" eaLnBrk="1" latinLnBrk="0" hangingPunct="1">
+      <a:lvl5pPr marL="2699926" indent="-299992" algn="l" defTabSz="1199967" rtl="0" eaLnBrk="1" latinLnBrk="0" hangingPunct="1">
         <a:lnSpc>
           <a:spcPct val="90000"/>
         </a:lnSpc>
         <a:spcBef>
-          <a:spcPts val="500"/>
+          <a:spcPts val="656"/>
         </a:spcBef>
         <a:buFont typeface="Arial" panose="020B0604020202020204" pitchFamily="34" charset="0"/>
         <a:buChar char="•"/>
-        <a:defRPr sz="1800" kern="1200">
+        <a:defRPr sz="2362" kern="1200">
           <a:solidFill>
             <a:schemeClr val="tx1"/>
           </a:solidFill>
@@ -3302,16 +3109,16 @@
           <a:cs typeface="+mn-cs"/>
         </a:defRPr>
       </a:lvl5pPr>
-      <a:lvl6pPr marL="2514600" indent="-228600" algn="l" defTabSz="914400" rtl="0" eaLnBrk="1" latinLnBrk="0" hangingPunct="1">
+      <a:lvl6pPr marL="3299910" indent="-299992" algn="l" defTabSz="1199967" rtl="0" eaLnBrk="1" latinLnBrk="0" hangingPunct="1">
         <a:lnSpc>
           <a:spcPct val="90000"/>
         </a:lnSpc>
         <a:spcBef>
-          <a:spcPts val="500"/>
+          <a:spcPts val="656"/>
         </a:spcBef>
         <a:buFont typeface="Arial" panose="020B0604020202020204" pitchFamily="34" charset="0"/>
         <a:buChar char="•"/>
-        <a:defRPr sz="1800" kern="1200">
+        <a:defRPr sz="2362" kern="1200">
           <a:solidFill>
             <a:schemeClr val="tx1"/>
           </a:solidFill>
@@ -3320,16 +3127,16 @@
           <a:cs typeface="+mn-cs"/>
         </a:defRPr>
       </a:lvl6pPr>
-      <a:lvl7pPr marL="2971800" indent="-228600" algn="l" defTabSz="914400" rtl="0" eaLnBrk="1" latinLnBrk="0" hangingPunct="1">
+      <a:lvl7pPr marL="3899893" indent="-299992" algn="l" defTabSz="1199967" rtl="0" eaLnBrk="1" latinLnBrk="0" hangingPunct="1">
         <a:lnSpc>
           <a:spcPct val="90000"/>
         </a:lnSpc>
         <a:spcBef>
-          <a:spcPts val="500"/>
+          <a:spcPts val="656"/>
         </a:spcBef>
         <a:buFont typeface="Arial" panose="020B0604020202020204" pitchFamily="34" charset="0"/>
         <a:buChar char="•"/>
-        <a:defRPr sz="1800" kern="1200">
+        <a:defRPr sz="2362" kern="1200">
           <a:solidFill>
             <a:schemeClr val="tx1"/>
           </a:solidFill>
@@ -3338,16 +3145,16 @@
           <a:cs typeface="+mn-cs"/>
         </a:defRPr>
       </a:lvl7pPr>
-      <a:lvl8pPr marL="3429000" indent="-228600" algn="l" defTabSz="914400" rtl="0" eaLnBrk="1" latinLnBrk="0" hangingPunct="1">
+      <a:lvl8pPr marL="4499877" indent="-299992" algn="l" defTabSz="1199967" rtl="0" eaLnBrk="1" latinLnBrk="0" hangingPunct="1">
         <a:lnSpc>
           <a:spcPct val="90000"/>
         </a:lnSpc>
         <a:spcBef>
-          <a:spcPts val="500"/>
+          <a:spcPts val="656"/>
         </a:spcBef>
         <a:buFont typeface="Arial" panose="020B0604020202020204" pitchFamily="34" charset="0"/>
         <a:buChar char="•"/>
-        <a:defRPr sz="1800" kern="1200">
+        <a:defRPr sz="2362" kern="1200">
           <a:solidFill>
             <a:schemeClr val="tx1"/>
           </a:solidFill>
@@ -3356,16 +3163,16 @@
           <a:cs typeface="+mn-cs"/>
         </a:defRPr>
       </a:lvl8pPr>
-      <a:lvl9pPr marL="3886200" indent="-228600" algn="l" defTabSz="914400" rtl="0" eaLnBrk="1" latinLnBrk="0" hangingPunct="1">
+      <a:lvl9pPr marL="5099860" indent="-299992" algn="l" defTabSz="1199967" rtl="0" eaLnBrk="1" latinLnBrk="0" hangingPunct="1">
         <a:lnSpc>
           <a:spcPct val="90000"/>
         </a:lnSpc>
         <a:spcBef>
-          <a:spcPts val="500"/>
+          <a:spcPts val="656"/>
         </a:spcBef>
         <a:buFont typeface="Arial" panose="020B0604020202020204" pitchFamily="34" charset="0"/>
         <a:buChar char="•"/>
-        <a:defRPr sz="1800" kern="1200">
+        <a:defRPr sz="2362" kern="1200">
           <a:solidFill>
             <a:schemeClr val="tx1"/>
           </a:solidFill>
@@ -3379,8 +3186,8 @@
       <a:defPPr>
         <a:defRPr lang="en-US"/>
       </a:defPPr>
-      <a:lvl1pPr marL="0" algn="l" defTabSz="914400" rtl="0" eaLnBrk="1" latinLnBrk="0" hangingPunct="1">
-        <a:defRPr sz="1800" kern="1200">
+      <a:lvl1pPr marL="0" algn="l" defTabSz="1199967" rtl="0" eaLnBrk="1" latinLnBrk="0" hangingPunct="1">
+        <a:defRPr sz="2362" kern="1200">
           <a:solidFill>
             <a:schemeClr val="tx1"/>
           </a:solidFill>
@@ -3389,8 +3196,8 @@
           <a:cs typeface="+mn-cs"/>
         </a:defRPr>
       </a:lvl1pPr>
-      <a:lvl2pPr marL="457200" algn="l" defTabSz="914400" rtl="0" eaLnBrk="1" latinLnBrk="0" hangingPunct="1">
-        <a:defRPr sz="1800" kern="1200">
+      <a:lvl2pPr marL="599984" algn="l" defTabSz="1199967" rtl="0" eaLnBrk="1" latinLnBrk="0" hangingPunct="1">
+        <a:defRPr sz="2362" kern="1200">
           <a:solidFill>
             <a:schemeClr val="tx1"/>
           </a:solidFill>
@@ -3399,8 +3206,8 @@
           <a:cs typeface="+mn-cs"/>
         </a:defRPr>
       </a:lvl2pPr>
-      <a:lvl3pPr marL="914400" algn="l" defTabSz="914400" rtl="0" eaLnBrk="1" latinLnBrk="0" hangingPunct="1">
-        <a:defRPr sz="1800" kern="1200">
+      <a:lvl3pPr marL="1199967" algn="l" defTabSz="1199967" rtl="0" eaLnBrk="1" latinLnBrk="0" hangingPunct="1">
+        <a:defRPr sz="2362" kern="1200">
           <a:solidFill>
             <a:schemeClr val="tx1"/>
           </a:solidFill>
@@ -3409,8 +3216,8 @@
           <a:cs typeface="+mn-cs"/>
         </a:defRPr>
       </a:lvl3pPr>
-      <a:lvl4pPr marL="1371600" algn="l" defTabSz="914400" rtl="0" eaLnBrk="1" latinLnBrk="0" hangingPunct="1">
-        <a:defRPr sz="1800" kern="1200">
+      <a:lvl4pPr marL="1799951" algn="l" defTabSz="1199967" rtl="0" eaLnBrk="1" latinLnBrk="0" hangingPunct="1">
+        <a:defRPr sz="2362" kern="1200">
           <a:solidFill>
             <a:schemeClr val="tx1"/>
           </a:solidFill>
@@ -3419,8 +3226,8 @@
           <a:cs typeface="+mn-cs"/>
         </a:defRPr>
       </a:lvl4pPr>
-      <a:lvl5pPr marL="1828800" algn="l" defTabSz="914400" rtl="0" eaLnBrk="1" latinLnBrk="0" hangingPunct="1">
-        <a:defRPr sz="1800" kern="1200">
+      <a:lvl5pPr marL="2399934" algn="l" defTabSz="1199967" rtl="0" eaLnBrk="1" latinLnBrk="0" hangingPunct="1">
+        <a:defRPr sz="2362" kern="1200">
           <a:solidFill>
             <a:schemeClr val="tx1"/>
           </a:solidFill>
@@ -3429,8 +3236,8 @@
           <a:cs typeface="+mn-cs"/>
         </a:defRPr>
       </a:lvl5pPr>
-      <a:lvl6pPr marL="2286000" algn="l" defTabSz="914400" rtl="0" eaLnBrk="1" latinLnBrk="0" hangingPunct="1">
-        <a:defRPr sz="1800" kern="1200">
+      <a:lvl6pPr marL="2999918" algn="l" defTabSz="1199967" rtl="0" eaLnBrk="1" latinLnBrk="0" hangingPunct="1">
+        <a:defRPr sz="2362" kern="1200">
           <a:solidFill>
             <a:schemeClr val="tx1"/>
           </a:solidFill>
@@ -3439,8 +3246,8 @@
           <a:cs typeface="+mn-cs"/>
         </a:defRPr>
       </a:lvl6pPr>
-      <a:lvl7pPr marL="2743200" algn="l" defTabSz="914400" rtl="0" eaLnBrk="1" latinLnBrk="0" hangingPunct="1">
-        <a:defRPr sz="1800" kern="1200">
+      <a:lvl7pPr marL="3599901" algn="l" defTabSz="1199967" rtl="0" eaLnBrk="1" latinLnBrk="0" hangingPunct="1">
+        <a:defRPr sz="2362" kern="1200">
           <a:solidFill>
             <a:schemeClr val="tx1"/>
           </a:solidFill>
@@ -3449,8 +3256,8 @@
           <a:cs typeface="+mn-cs"/>
         </a:defRPr>
       </a:lvl7pPr>
-      <a:lvl8pPr marL="3200400" algn="l" defTabSz="914400" rtl="0" eaLnBrk="1" latinLnBrk="0" hangingPunct="1">
-        <a:defRPr sz="1800" kern="1200">
+      <a:lvl8pPr marL="4199885" algn="l" defTabSz="1199967" rtl="0" eaLnBrk="1" latinLnBrk="0" hangingPunct="1">
+        <a:defRPr sz="2362" kern="1200">
           <a:solidFill>
             <a:schemeClr val="tx1"/>
           </a:solidFill>
@@ -3459,8 +3266,8 @@
           <a:cs typeface="+mn-cs"/>
         </a:defRPr>
       </a:lvl8pPr>
-      <a:lvl9pPr marL="3657600" algn="l" defTabSz="914400" rtl="0" eaLnBrk="1" latinLnBrk="0" hangingPunct="1">
-        <a:defRPr sz="1800" kern="1200">
+      <a:lvl9pPr marL="4799868" algn="l" defTabSz="1199967" rtl="0" eaLnBrk="1" latinLnBrk="0" hangingPunct="1">
+        <a:defRPr sz="2362" kern="1200">
           <a:solidFill>
             <a:schemeClr val="tx1"/>
           </a:solidFill>
@@ -3526,7 +3333,7 @@
         </p:blipFill>
         <p:spPr>
           <a:xfrm>
-            <a:off x="5782118" y="380244"/>
+            <a:off x="5782119" y="1451013"/>
             <a:ext cx="4858561" cy="2032754"/>
           </a:xfrm>
           <a:prstGeom prst="rect">
@@ -3561,7 +3368,7 @@
         </p:blipFill>
         <p:spPr>
           <a:xfrm>
-            <a:off x="5782118" y="2412621"/>
+            <a:off x="5782119" y="3483390"/>
             <a:ext cx="4858561" cy="2032758"/>
           </a:xfrm>
           <a:prstGeom prst="rect">
@@ -3596,7 +3403,7 @@
         </p:blipFill>
         <p:spPr>
           <a:xfrm>
-            <a:off x="5779874" y="4444998"/>
+            <a:off x="5779875" y="5515767"/>
             <a:ext cx="4858561" cy="2032758"/>
           </a:xfrm>
           <a:prstGeom prst="rect">
@@ -3632,7 +3439,7 @@
         </p:blipFill>
         <p:spPr>
           <a:xfrm>
-            <a:off x="870646" y="380244"/>
+            <a:off x="870646" y="1451013"/>
             <a:ext cx="4906984" cy="2032754"/>
           </a:xfrm>
           <a:prstGeom prst="rect">
@@ -3667,7 +3474,7 @@
         </p:blipFill>
         <p:spPr>
           <a:xfrm>
-            <a:off x="870646" y="2412623"/>
+            <a:off x="870646" y="3483392"/>
             <a:ext cx="4906984" cy="2032754"/>
           </a:xfrm>
           <a:prstGeom prst="rect">
@@ -3702,7 +3509,7 @@
         </p:blipFill>
         <p:spPr>
           <a:xfrm>
-            <a:off x="881602" y="4444623"/>
+            <a:off x="881602" y="5515392"/>
             <a:ext cx="4906984" cy="2032754"/>
           </a:xfrm>
           <a:prstGeom prst="rect">
@@ -3737,7 +3544,7 @@
         </p:blipFill>
         <p:spPr>
           <a:xfrm>
-            <a:off x="10636190" y="380243"/>
+            <a:off x="10636191" y="1451013"/>
             <a:ext cx="685163" cy="6092947"/>
           </a:xfrm>
           <a:prstGeom prst="rect">
@@ -3759,7 +3566,7 @@
         </p:nvSpPr>
         <p:spPr>
           <a:xfrm>
-            <a:off x="6096000" y="106610"/>
+            <a:off x="6096001" y="1177380"/>
             <a:ext cx="1763111" cy="461665"/>
           </a:xfrm>
           <a:prstGeom prst="rect">
@@ -3803,7 +3610,7 @@
         </p:nvSpPr>
         <p:spPr>
           <a:xfrm>
-            <a:off x="8545712" y="107728"/>
+            <a:off x="8545712" y="1178498"/>
             <a:ext cx="1840568" cy="461665"/>
           </a:xfrm>
           <a:prstGeom prst="rect">
@@ -3847,7 +3654,7 @@
         </p:nvSpPr>
         <p:spPr>
           <a:xfrm>
-            <a:off x="1246348" y="106610"/>
+            <a:off x="1246348" y="1177380"/>
             <a:ext cx="1595758" cy="461665"/>
           </a:xfrm>
           <a:prstGeom prst="rect">
@@ -3891,7 +3698,7 @@
         </p:nvSpPr>
         <p:spPr>
           <a:xfrm>
-            <a:off x="3736184" y="106610"/>
+            <a:off x="3736185" y="1177380"/>
             <a:ext cx="1673215" cy="461665"/>
           </a:xfrm>
           <a:prstGeom prst="rect">
@@ -3935,7 +3742,7 @@
         </p:nvSpPr>
         <p:spPr>
           <a:xfrm>
-            <a:off x="323116" y="1010078"/>
+            <a:off x="323116" y="2080847"/>
             <a:ext cx="553998" cy="772712"/>
           </a:xfrm>
           <a:prstGeom prst="rect">
@@ -3979,7 +3786,7 @@
         </p:nvSpPr>
         <p:spPr>
           <a:xfrm>
-            <a:off x="315569" y="2605837"/>
+            <a:off x="315569" y="3676607"/>
             <a:ext cx="553998" cy="1569725"/>
           </a:xfrm>
           <a:prstGeom prst="rect">
@@ -4023,7 +3830,7 @@
         </p:nvSpPr>
         <p:spPr>
           <a:xfrm>
-            <a:off x="323116" y="4626226"/>
+            <a:off x="323116" y="5696995"/>
             <a:ext cx="553998" cy="1610954"/>
           </a:xfrm>
           <a:prstGeom prst="rect">
@@ -4057,6 +3864,714 @@
     <p:extLst>
       <p:ext uri="{BB962C8B-B14F-4D97-AF65-F5344CB8AC3E}">
         <p14:creationId xmlns:p14="http://schemas.microsoft.com/office/powerpoint/2010/main" val="2221714310"/>
+      </p:ext>
+    </p:extLst>
+  </p:cSld>
+  <p:clrMapOvr>
+    <a:masterClrMapping/>
+  </p:clrMapOvr>
+</p:sld>
+</file>
+
+<file path=ppt/slides/slide2.xml><?xml version="1.0" encoding="utf-8"?>
+<p:sld xmlns:a="http://schemas.openxmlformats.org/drawingml/2006/main" xmlns:r="http://schemas.openxmlformats.org/officeDocument/2006/relationships" xmlns:p="http://schemas.openxmlformats.org/presentationml/2006/main">
+  <p:cSld>
+    <p:bg>
+      <p:bgPr>
+        <a:solidFill>
+          <a:schemeClr val="tx1"/>
+        </a:solidFill>
+        <a:effectLst/>
+      </p:bgPr>
+    </p:bg>
+    <p:spTree>
+      <p:nvGrpSpPr>
+        <p:cNvPr id="1" name=""/>
+        <p:cNvGrpSpPr/>
+        <p:nvPr/>
+      </p:nvGrpSpPr>
+      <p:grpSpPr>
+        <a:xfrm>
+          <a:off x="0" y="0"/>
+          <a:ext cx="0" cy="0"/>
+          <a:chOff x="0" y="0"/>
+          <a:chExt cx="0" cy="0"/>
+        </a:xfrm>
+      </p:grpSpPr>
+      <p:pic>
+        <p:nvPicPr>
+          <p:cNvPr id="5" name="Grafik 4" descr="Ein Bild, das Design enthält.&#10;&#10;Automatisch generierte Beschreibung mit geringer Zuverlässigkeit">
+            <a:extLst>
+              <a:ext uri="{FF2B5EF4-FFF2-40B4-BE49-F238E27FC236}">
+                <a16:creationId xmlns:a16="http://schemas.microsoft.com/office/drawing/2014/main" id="{DBCCEEF3-1E50-A4E6-1F77-976EBCB0468E}"/>
+              </a:ext>
+            </a:extLst>
+          </p:cNvPr>
+          <p:cNvPicPr>
+            <a:picLocks noChangeAspect="1"/>
+          </p:cNvPicPr>
+          <p:nvPr/>
+        </p:nvPicPr>
+        <p:blipFill rotWithShape="1">
+          <a:blip r:embed="rId2">
+            <a:extLst>
+              <a:ext uri="{28A0092B-C50C-407E-A947-70E740481C1C}">
+                <a14:useLocalDpi xmlns:a14="http://schemas.microsoft.com/office/drawing/2010/main" val="0"/>
+              </a:ext>
+            </a:extLst>
+          </a:blip>
+          <a:srcRect t="11352" r="8232" b="50254"/>
+          <a:stretch/>
+        </p:blipFill>
+        <p:spPr>
+          <a:xfrm>
+            <a:off x="5782119" y="511899"/>
+            <a:ext cx="4858561" cy="2032754"/>
+          </a:xfrm>
+          <a:prstGeom prst="rect">
+            <a:avLst/>
+          </a:prstGeom>
+        </p:spPr>
+      </p:pic>
+      <p:pic>
+        <p:nvPicPr>
+          <p:cNvPr id="7" name="Grafik 6" descr="Ein Bild, das Diagramm, Grafiken, Design enthält.&#10;&#10;Automatisch generierte Beschreibung">
+            <a:extLst>
+              <a:ext uri="{FF2B5EF4-FFF2-40B4-BE49-F238E27FC236}">
+                <a16:creationId xmlns:a16="http://schemas.microsoft.com/office/drawing/2014/main" id="{88C718D2-F7CB-9A6A-A35A-9AA4DF62B444}"/>
+              </a:ext>
+            </a:extLst>
+          </p:cNvPr>
+          <p:cNvPicPr>
+            <a:picLocks noChangeAspect="1"/>
+          </p:cNvPicPr>
+          <p:nvPr/>
+        </p:nvPicPr>
+        <p:blipFill rotWithShape="1">
+          <a:blip r:embed="rId3">
+            <a:extLst>
+              <a:ext uri="{28A0092B-C50C-407E-A947-70E740481C1C}">
+                <a14:useLocalDpi xmlns:a14="http://schemas.microsoft.com/office/drawing/2010/main" val="0"/>
+              </a:ext>
+            </a:extLst>
+          </a:blip>
+          <a:srcRect t="11351" r="8232" b="50254"/>
+          <a:stretch/>
+        </p:blipFill>
+        <p:spPr>
+          <a:xfrm>
+            <a:off x="5782119" y="2544276"/>
+            <a:ext cx="4858561" cy="2032758"/>
+          </a:xfrm>
+          <a:prstGeom prst="rect">
+            <a:avLst/>
+          </a:prstGeom>
+        </p:spPr>
+      </p:pic>
+      <p:pic>
+        <p:nvPicPr>
+          <p:cNvPr id="9" name="Grafik 8" descr="Ein Bild, das Grafiken, Diagramm, Electric Blue (Farbe), Screenshot enthält.&#10;&#10;Automatisch generierte Beschreibung">
+            <a:extLst>
+              <a:ext uri="{FF2B5EF4-FFF2-40B4-BE49-F238E27FC236}">
+                <a16:creationId xmlns:a16="http://schemas.microsoft.com/office/drawing/2014/main" id="{E3E20ACE-F01A-92E1-DC3C-5CAD27FD6DE9}"/>
+              </a:ext>
+            </a:extLst>
+          </p:cNvPr>
+          <p:cNvPicPr>
+            <a:picLocks noChangeAspect="1"/>
+          </p:cNvPicPr>
+          <p:nvPr/>
+        </p:nvPicPr>
+        <p:blipFill rotWithShape="1">
+          <a:blip r:embed="rId4">
+            <a:extLst>
+              <a:ext uri="{28A0092B-C50C-407E-A947-70E740481C1C}">
+                <a14:useLocalDpi xmlns:a14="http://schemas.microsoft.com/office/drawing/2010/main" val="0"/>
+              </a:ext>
+            </a:extLst>
+          </a:blip>
+          <a:srcRect t="11351" r="8232" b="50254"/>
+          <a:stretch/>
+        </p:blipFill>
+        <p:spPr>
+          <a:xfrm>
+            <a:off x="5779875" y="6484424"/>
+            <a:ext cx="4858561" cy="2032758"/>
+          </a:xfrm>
+          <a:prstGeom prst="rect">
+            <a:avLst/>
+          </a:prstGeom>
+        </p:spPr>
+      </p:pic>
+      <p:pic>
+        <p:nvPicPr>
+          <p:cNvPr id="10" name="Grafik 9" descr="Ein Bild, das Design enthält.&#10;&#10;Automatisch generierte Beschreibung mit geringer Zuverlässigkeit">
+            <a:extLst>
+              <a:ext uri="{FF2B5EF4-FFF2-40B4-BE49-F238E27FC236}">
+                <a16:creationId xmlns:a16="http://schemas.microsoft.com/office/drawing/2014/main" id="{CFBF537A-B600-09A4-F107-E407763E71F7}"/>
+              </a:ext>
+            </a:extLst>
+          </p:cNvPr>
+          <p:cNvPicPr>
+            <a:picLocks noChangeAspect="1"/>
+          </p:cNvPicPr>
+          <p:nvPr/>
+        </p:nvPicPr>
+        <p:blipFill rotWithShape="1">
+          <a:blip r:embed="rId2">
+            <a:alphaModFix/>
+            <a:extLst>
+              <a:ext uri="{28A0092B-C50C-407E-A947-70E740481C1C}">
+                <a14:useLocalDpi xmlns:a14="http://schemas.microsoft.com/office/drawing/2010/main" val="0"/>
+              </a:ext>
+            </a:extLst>
+          </a:blip>
+          <a:srcRect t="49168" r="7318" b="12437"/>
+          <a:stretch/>
+        </p:blipFill>
+        <p:spPr>
+          <a:xfrm>
+            <a:off x="870646" y="511899"/>
+            <a:ext cx="4906984" cy="2032754"/>
+          </a:xfrm>
+          <a:prstGeom prst="rect">
+            <a:avLst/>
+          </a:prstGeom>
+        </p:spPr>
+      </p:pic>
+      <p:pic>
+        <p:nvPicPr>
+          <p:cNvPr id="11" name="Grafik 10" descr="Ein Bild, das Diagramm, Grafiken, Design enthält.&#10;&#10;Automatisch generierte Beschreibung">
+            <a:extLst>
+              <a:ext uri="{FF2B5EF4-FFF2-40B4-BE49-F238E27FC236}">
+                <a16:creationId xmlns:a16="http://schemas.microsoft.com/office/drawing/2014/main" id="{EDA782A6-17D7-91BC-9770-656476586304}"/>
+              </a:ext>
+            </a:extLst>
+          </p:cNvPr>
+          <p:cNvPicPr>
+            <a:picLocks noChangeAspect="1"/>
+          </p:cNvPicPr>
+          <p:nvPr/>
+        </p:nvPicPr>
+        <p:blipFill rotWithShape="1">
+          <a:blip r:embed="rId3">
+            <a:extLst>
+              <a:ext uri="{28A0092B-C50C-407E-A947-70E740481C1C}">
+                <a14:useLocalDpi xmlns:a14="http://schemas.microsoft.com/office/drawing/2010/main" val="0"/>
+              </a:ext>
+            </a:extLst>
+          </a:blip>
+          <a:srcRect t="50254" r="7317" b="11352"/>
+          <a:stretch/>
+        </p:blipFill>
+        <p:spPr>
+          <a:xfrm>
+            <a:off x="870646" y="2544278"/>
+            <a:ext cx="4906984" cy="2032754"/>
+          </a:xfrm>
+          <a:prstGeom prst="rect">
+            <a:avLst/>
+          </a:prstGeom>
+        </p:spPr>
+      </p:pic>
+      <p:pic>
+        <p:nvPicPr>
+          <p:cNvPr id="12" name="Grafik 11" descr="Ein Bild, das Grafiken, Diagramm, Electric Blue (Farbe), Screenshot enthält.&#10;&#10;Automatisch generierte Beschreibung">
+            <a:extLst>
+              <a:ext uri="{FF2B5EF4-FFF2-40B4-BE49-F238E27FC236}">
+                <a16:creationId xmlns:a16="http://schemas.microsoft.com/office/drawing/2014/main" id="{2F938992-178F-DF03-A667-96541EDE4AEE}"/>
+              </a:ext>
+            </a:extLst>
+          </p:cNvPr>
+          <p:cNvPicPr>
+            <a:picLocks noChangeAspect="1"/>
+          </p:cNvPicPr>
+          <p:nvPr/>
+        </p:nvPicPr>
+        <p:blipFill rotWithShape="1">
+          <a:blip r:embed="rId4">
+            <a:extLst>
+              <a:ext uri="{28A0092B-C50C-407E-A947-70E740481C1C}">
+                <a14:useLocalDpi xmlns:a14="http://schemas.microsoft.com/office/drawing/2010/main" val="0"/>
+              </a:ext>
+            </a:extLst>
+          </a:blip>
+          <a:srcRect t="50254" r="7317" b="11352"/>
+          <a:stretch/>
+        </p:blipFill>
+        <p:spPr>
+          <a:xfrm>
+            <a:off x="881602" y="6484049"/>
+            <a:ext cx="4906984" cy="2032754"/>
+          </a:xfrm>
+          <a:prstGeom prst="rect">
+            <a:avLst/>
+          </a:prstGeom>
+        </p:spPr>
+      </p:pic>
+      <p:pic>
+        <p:nvPicPr>
+          <p:cNvPr id="15" name="Grafik 14" descr="Ein Bild, das Grafiken, Diagramm, Electric Blue (Farbe), Screenshot enthält.&#10;&#10;Automatisch generierte Beschreibung">
+            <a:extLst>
+              <a:ext uri="{FF2B5EF4-FFF2-40B4-BE49-F238E27FC236}">
+                <a16:creationId xmlns:a16="http://schemas.microsoft.com/office/drawing/2014/main" id="{0F8D913B-0612-A73D-D78F-065BA8B171B0}"/>
+              </a:ext>
+            </a:extLst>
+          </p:cNvPr>
+          <p:cNvPicPr>
+            <a:picLocks noChangeAspect="1"/>
+          </p:cNvPicPr>
+          <p:nvPr/>
+        </p:nvPicPr>
+        <p:blipFill rotWithShape="1">
+          <a:blip r:embed="rId4">
+            <a:extLst>
+              <a:ext uri="{28A0092B-C50C-407E-A947-70E740481C1C}">
+                <a14:useLocalDpi xmlns:a14="http://schemas.microsoft.com/office/drawing/2010/main" val="0"/>
+              </a:ext>
+            </a:extLst>
+          </a:blip>
+          <a:srcRect l="92155" t="14950" b="15286"/>
+          <a:stretch/>
+        </p:blipFill>
+        <p:spPr>
+          <a:xfrm>
+            <a:off x="10849232" y="420742"/>
+            <a:ext cx="874083" cy="7772952"/>
+          </a:xfrm>
+          <a:prstGeom prst="rect">
+            <a:avLst/>
+          </a:prstGeom>
+        </p:spPr>
+      </p:pic>
+      <p:sp>
+        <p:nvSpPr>
+          <p:cNvPr id="17" name="Textfeld 16">
+            <a:extLst>
+              <a:ext uri="{FF2B5EF4-FFF2-40B4-BE49-F238E27FC236}">
+                <a16:creationId xmlns:a16="http://schemas.microsoft.com/office/drawing/2014/main" id="{A025E35D-3D0C-51AB-0608-E15D7134C475}"/>
+              </a:ext>
+            </a:extLst>
+          </p:cNvPr>
+          <p:cNvSpPr txBox="1"/>
+          <p:nvPr/>
+        </p:nvSpPr>
+        <p:spPr>
+          <a:xfrm>
+            <a:off x="6096001" y="238266"/>
+            <a:ext cx="1763111" cy="461665"/>
+          </a:xfrm>
+          <a:prstGeom prst="rect">
+            <a:avLst/>
+          </a:prstGeom>
+          <a:noFill/>
+        </p:spPr>
+        <p:txBody>
+          <a:bodyPr wrap="none" rtlCol="0">
+            <a:spAutoFit/>
+          </a:bodyPr>
+          <a:lstStyle/>
+          <a:p>
+            <a:r>
+              <a:rPr lang="de-CH" sz="2400" dirty="0">
+                <a:solidFill>
+                  <a:schemeClr val="bg1"/>
+                </a:solidFill>
+              </a:rPr>
+              <a:t>Right lateral</a:t>
+            </a:r>
+            <a:endParaRPr lang="en-GB" sz="2400" dirty="0">
+              <a:solidFill>
+                <a:schemeClr val="bg1"/>
+              </a:solidFill>
+            </a:endParaRPr>
+          </a:p>
+        </p:txBody>
+      </p:sp>
+      <p:sp>
+        <p:nvSpPr>
+          <p:cNvPr id="18" name="Textfeld 17">
+            <a:extLst>
+              <a:ext uri="{FF2B5EF4-FFF2-40B4-BE49-F238E27FC236}">
+                <a16:creationId xmlns:a16="http://schemas.microsoft.com/office/drawing/2014/main" id="{61FD4848-0129-0E64-6C7B-11321A54AE47}"/>
+              </a:ext>
+            </a:extLst>
+          </p:cNvPr>
+          <p:cNvSpPr txBox="1"/>
+          <p:nvPr/>
+        </p:nvSpPr>
+        <p:spPr>
+          <a:xfrm>
+            <a:off x="8545712" y="239384"/>
+            <a:ext cx="1840568" cy="461665"/>
+          </a:xfrm>
+          <a:prstGeom prst="rect">
+            <a:avLst/>
+          </a:prstGeom>
+          <a:noFill/>
+        </p:spPr>
+        <p:txBody>
+          <a:bodyPr wrap="none" rtlCol="0">
+            <a:spAutoFit/>
+          </a:bodyPr>
+          <a:lstStyle/>
+          <a:p>
+            <a:r>
+              <a:rPr lang="de-CH" sz="2400" dirty="0">
+                <a:solidFill>
+                  <a:schemeClr val="bg1"/>
+                </a:solidFill>
+              </a:rPr>
+              <a:t>Right medial</a:t>
+            </a:r>
+            <a:endParaRPr lang="en-GB" sz="2400" dirty="0">
+              <a:solidFill>
+                <a:schemeClr val="bg1"/>
+              </a:solidFill>
+            </a:endParaRPr>
+          </a:p>
+        </p:txBody>
+      </p:sp>
+      <p:sp>
+        <p:nvSpPr>
+          <p:cNvPr id="19" name="Textfeld 18">
+            <a:extLst>
+              <a:ext uri="{FF2B5EF4-FFF2-40B4-BE49-F238E27FC236}">
+                <a16:creationId xmlns:a16="http://schemas.microsoft.com/office/drawing/2014/main" id="{CD6D2806-49D4-C7C7-F75D-C2648C1AD30A}"/>
+              </a:ext>
+            </a:extLst>
+          </p:cNvPr>
+          <p:cNvSpPr txBox="1"/>
+          <p:nvPr/>
+        </p:nvSpPr>
+        <p:spPr>
+          <a:xfrm>
+            <a:off x="1246348" y="238266"/>
+            <a:ext cx="1595758" cy="461665"/>
+          </a:xfrm>
+          <a:prstGeom prst="rect">
+            <a:avLst/>
+          </a:prstGeom>
+          <a:noFill/>
+        </p:spPr>
+        <p:txBody>
+          <a:bodyPr wrap="none" rtlCol="0">
+            <a:spAutoFit/>
+          </a:bodyPr>
+          <a:lstStyle/>
+          <a:p>
+            <a:r>
+              <a:rPr lang="de-CH" sz="2400" dirty="0">
+                <a:solidFill>
+                  <a:schemeClr val="bg1"/>
+                </a:solidFill>
+              </a:rPr>
+              <a:t>Left lateral</a:t>
+            </a:r>
+            <a:endParaRPr lang="en-GB" sz="2400" dirty="0">
+              <a:solidFill>
+                <a:schemeClr val="bg1"/>
+              </a:solidFill>
+            </a:endParaRPr>
+          </a:p>
+        </p:txBody>
+      </p:sp>
+      <p:sp>
+        <p:nvSpPr>
+          <p:cNvPr id="20" name="Textfeld 19">
+            <a:extLst>
+              <a:ext uri="{FF2B5EF4-FFF2-40B4-BE49-F238E27FC236}">
+                <a16:creationId xmlns:a16="http://schemas.microsoft.com/office/drawing/2014/main" id="{95DD9D38-1C7C-7349-3F4E-3CB222C5A31B}"/>
+              </a:ext>
+            </a:extLst>
+          </p:cNvPr>
+          <p:cNvSpPr txBox="1"/>
+          <p:nvPr/>
+        </p:nvSpPr>
+        <p:spPr>
+          <a:xfrm>
+            <a:off x="3736185" y="238266"/>
+            <a:ext cx="1673215" cy="461665"/>
+          </a:xfrm>
+          <a:prstGeom prst="rect">
+            <a:avLst/>
+          </a:prstGeom>
+          <a:noFill/>
+        </p:spPr>
+        <p:txBody>
+          <a:bodyPr wrap="none" rtlCol="0">
+            <a:spAutoFit/>
+          </a:bodyPr>
+          <a:lstStyle/>
+          <a:p>
+            <a:r>
+              <a:rPr lang="de-CH" sz="2400" dirty="0">
+                <a:solidFill>
+                  <a:schemeClr val="bg1"/>
+                </a:solidFill>
+              </a:rPr>
+              <a:t>Left medial</a:t>
+            </a:r>
+            <a:endParaRPr lang="en-GB" sz="2400" dirty="0">
+              <a:solidFill>
+                <a:schemeClr val="bg1"/>
+              </a:solidFill>
+            </a:endParaRPr>
+          </a:p>
+        </p:txBody>
+      </p:sp>
+      <p:sp>
+        <p:nvSpPr>
+          <p:cNvPr id="21" name="Textfeld 20">
+            <a:extLst>
+              <a:ext uri="{FF2B5EF4-FFF2-40B4-BE49-F238E27FC236}">
+                <a16:creationId xmlns:a16="http://schemas.microsoft.com/office/drawing/2014/main" id="{15771D7B-3B53-A5B4-FED7-F1306E2B4CE5}"/>
+              </a:ext>
+            </a:extLst>
+          </p:cNvPr>
+          <p:cNvSpPr txBox="1"/>
+          <p:nvPr/>
+        </p:nvSpPr>
+        <p:spPr>
+          <a:xfrm>
+            <a:off x="323116" y="1141733"/>
+            <a:ext cx="553998" cy="772712"/>
+          </a:xfrm>
+          <a:prstGeom prst="rect">
+            <a:avLst/>
+          </a:prstGeom>
+          <a:noFill/>
+        </p:spPr>
+        <p:txBody>
+          <a:bodyPr vert="vert270" wrap="none" rtlCol="0">
+            <a:spAutoFit/>
+          </a:bodyPr>
+          <a:lstStyle/>
+          <a:p>
+            <a:r>
+              <a:rPr lang="de-CH" sz="2400" dirty="0">
+                <a:solidFill>
+                  <a:schemeClr val="bg1"/>
+                </a:solidFill>
+              </a:rPr>
+              <a:t>ANTs</a:t>
+            </a:r>
+            <a:endParaRPr lang="en-GB" sz="2400" dirty="0">
+              <a:solidFill>
+                <a:schemeClr val="bg1"/>
+              </a:solidFill>
+            </a:endParaRPr>
+          </a:p>
+        </p:txBody>
+      </p:sp>
+      <p:sp>
+        <p:nvSpPr>
+          <p:cNvPr id="22" name="Textfeld 21">
+            <a:extLst>
+              <a:ext uri="{FF2B5EF4-FFF2-40B4-BE49-F238E27FC236}">
+                <a16:creationId xmlns:a16="http://schemas.microsoft.com/office/drawing/2014/main" id="{CA640A42-7A05-ED19-4DB1-7C1156E71DF9}"/>
+              </a:ext>
+            </a:extLst>
+          </p:cNvPr>
+          <p:cNvSpPr txBox="1"/>
+          <p:nvPr/>
+        </p:nvSpPr>
+        <p:spPr>
+          <a:xfrm>
+            <a:off x="315569" y="2737493"/>
+            <a:ext cx="553998" cy="1569725"/>
+          </a:xfrm>
+          <a:prstGeom prst="rect">
+            <a:avLst/>
+          </a:prstGeom>
+          <a:noFill/>
+        </p:spPr>
+        <p:txBody>
+          <a:bodyPr vert="vert270" wrap="none" rtlCol="0">
+            <a:spAutoFit/>
+          </a:bodyPr>
+          <a:lstStyle/>
+          <a:p>
+            <a:r>
+              <a:rPr lang="de-CH" sz="2400" dirty="0">
+                <a:solidFill>
+                  <a:schemeClr val="bg1"/>
+                </a:solidFill>
+              </a:rPr>
+              <a:t>ANTsPyNet</a:t>
+            </a:r>
+            <a:endParaRPr lang="en-GB" sz="2400" dirty="0">
+              <a:solidFill>
+                <a:schemeClr val="bg1"/>
+              </a:solidFill>
+            </a:endParaRPr>
+          </a:p>
+        </p:txBody>
+      </p:sp>
+      <p:sp>
+        <p:nvSpPr>
+          <p:cNvPr id="23" name="Textfeld 22">
+            <a:extLst>
+              <a:ext uri="{FF2B5EF4-FFF2-40B4-BE49-F238E27FC236}">
+                <a16:creationId xmlns:a16="http://schemas.microsoft.com/office/drawing/2014/main" id="{862253A5-654B-D576-C2AA-8E8CE8A3DDDA}"/>
+              </a:ext>
+            </a:extLst>
+          </p:cNvPr>
+          <p:cNvSpPr txBox="1"/>
+          <p:nvPr/>
+        </p:nvSpPr>
+        <p:spPr>
+          <a:xfrm>
+            <a:off x="323116" y="6665652"/>
+            <a:ext cx="553998" cy="1610954"/>
+          </a:xfrm>
+          <a:prstGeom prst="rect">
+            <a:avLst/>
+          </a:prstGeom>
+          <a:noFill/>
+        </p:spPr>
+        <p:txBody>
+          <a:bodyPr vert="vert270" wrap="none" rtlCol="0">
+            <a:spAutoFit/>
+          </a:bodyPr>
+          <a:lstStyle/>
+          <a:p>
+            <a:r>
+              <a:rPr lang="de-CH" sz="2400" dirty="0">
+                <a:solidFill>
+                  <a:schemeClr val="bg1"/>
+                </a:solidFill>
+              </a:rPr>
+              <a:t>DL+DiReCT</a:t>
+            </a:r>
+            <a:endParaRPr lang="en-GB" sz="2400" dirty="0">
+              <a:solidFill>
+                <a:schemeClr val="bg1"/>
+              </a:solidFill>
+            </a:endParaRPr>
+          </a:p>
+        </p:txBody>
+      </p:sp>
+      <p:pic>
+        <p:nvPicPr>
+          <p:cNvPr id="3" name="Grafik 2" descr="Ein Bild, das Grafiken, Diagramm, Design enthält.&#10;&#10;Automatisch generierte Beschreibung">
+            <a:extLst>
+              <a:ext uri="{FF2B5EF4-FFF2-40B4-BE49-F238E27FC236}">
+                <a16:creationId xmlns:a16="http://schemas.microsoft.com/office/drawing/2014/main" id="{D9AF14FC-7C4A-1228-F7F9-A4CC7D4BC5ED}"/>
+              </a:ext>
+            </a:extLst>
+          </p:cNvPr>
+          <p:cNvPicPr>
+            <a:picLocks noChangeAspect="1"/>
+          </p:cNvPicPr>
+          <p:nvPr/>
+        </p:nvPicPr>
+        <p:blipFill rotWithShape="1">
+          <a:blip r:embed="rId5">
+            <a:alphaModFix/>
+            <a:extLst>
+              <a:ext uri="{28A0092B-C50C-407E-A947-70E740481C1C}">
+                <a14:useLocalDpi xmlns:a14="http://schemas.microsoft.com/office/drawing/2010/main" val="0"/>
+              </a:ext>
+            </a:extLst>
+          </a:blip>
+          <a:srcRect t="14781" r="7594" b="53386"/>
+          <a:stretch/>
+        </p:blipFill>
+        <p:spPr>
+          <a:xfrm>
+            <a:off x="5778637" y="4683741"/>
+            <a:ext cx="4890836" cy="1684830"/>
+          </a:xfrm>
+          <a:prstGeom prst="rect">
+            <a:avLst/>
+          </a:prstGeom>
+        </p:spPr>
+      </p:pic>
+      <p:pic>
+        <p:nvPicPr>
+          <p:cNvPr id="6" name="Grafik 5" descr="Ein Bild, das Grafiken, Diagramm, Design enthält.&#10;&#10;Automatisch generierte Beschreibung">
+            <a:extLst>
+              <a:ext uri="{FF2B5EF4-FFF2-40B4-BE49-F238E27FC236}">
+                <a16:creationId xmlns:a16="http://schemas.microsoft.com/office/drawing/2014/main" id="{68958D16-B08B-9195-5BA5-192AF8024FD7}"/>
+              </a:ext>
+            </a:extLst>
+          </p:cNvPr>
+          <p:cNvPicPr>
+            <a:picLocks noChangeAspect="1"/>
+          </p:cNvPicPr>
+          <p:nvPr/>
+        </p:nvPicPr>
+        <p:blipFill rotWithShape="1">
+          <a:blip r:embed="rId5">
+            <a:alphaModFix/>
+            <a:extLst>
+              <a:ext uri="{28A0092B-C50C-407E-A947-70E740481C1C}">
+                <a14:useLocalDpi xmlns:a14="http://schemas.microsoft.com/office/drawing/2010/main" val="0"/>
+              </a:ext>
+            </a:extLst>
+          </a:blip>
+          <a:srcRect t="51007" r="7795" b="15047"/>
+          <a:stretch/>
+        </p:blipFill>
+        <p:spPr>
+          <a:xfrm>
+            <a:off x="869567" y="4571852"/>
+            <a:ext cx="4880277" cy="1796719"/>
+          </a:xfrm>
+          <a:prstGeom prst="rect">
+            <a:avLst/>
+          </a:prstGeom>
+        </p:spPr>
+      </p:pic>
+      <p:sp>
+        <p:nvSpPr>
+          <p:cNvPr id="8" name="Textfeld 7">
+            <a:extLst>
+              <a:ext uri="{FF2B5EF4-FFF2-40B4-BE49-F238E27FC236}">
+                <a16:creationId xmlns:a16="http://schemas.microsoft.com/office/drawing/2014/main" id="{03199C90-E018-860B-E29E-2E3F7F2DB221}"/>
+              </a:ext>
+            </a:extLst>
+          </p:cNvPr>
+          <p:cNvSpPr txBox="1"/>
+          <p:nvPr/>
+        </p:nvSpPr>
+        <p:spPr>
+          <a:xfrm>
+            <a:off x="323116" y="4763451"/>
+            <a:ext cx="553998" cy="1450782"/>
+          </a:xfrm>
+          <a:prstGeom prst="rect">
+            <a:avLst/>
+          </a:prstGeom>
+          <a:noFill/>
+        </p:spPr>
+        <p:txBody>
+          <a:bodyPr vert="vert270" wrap="none" rtlCol="0">
+            <a:spAutoFit/>
+          </a:bodyPr>
+          <a:lstStyle/>
+          <a:p>
+            <a:r>
+              <a:rPr lang="de-CH" sz="2400" dirty="0">
+                <a:solidFill>
+                  <a:schemeClr val="bg1"/>
+                </a:solidFill>
+              </a:rPr>
+              <a:t>Freesurfer</a:t>
+            </a:r>
+            <a:endParaRPr lang="en-GB" sz="2400" dirty="0">
+              <a:solidFill>
+                <a:schemeClr val="bg1"/>
+              </a:solidFill>
+            </a:endParaRPr>
+          </a:p>
+        </p:txBody>
+      </p:sp>
+    </p:spTree>
+    <p:extLst>
+      <p:ext uri="{BB962C8B-B14F-4D97-AF65-F5344CB8AC3E}">
+        <p14:creationId xmlns:p14="http://schemas.microsoft.com/office/powerpoint/2010/main" val="1344157717"/>
       </p:ext>
     </p:extLst>
   </p:cSld>

--- a/05_Implementation/Statistical evaluation/ggseg_plot.pptx
+++ b/05_Implementation/Statistical evaluation/ggseg_plot.pptx
@@ -2,13 +2,14 @@
 <file path=ppt/presentation.xml><?xml version="1.0" encoding="utf-8"?>
 <p:presentation xmlns:a="http://schemas.openxmlformats.org/drawingml/2006/main" xmlns:r="http://schemas.openxmlformats.org/officeDocument/2006/relationships" xmlns:p="http://schemas.openxmlformats.org/presentationml/2006/main" saveSubsetFonts="1">
   <p:sldMasterIdLst>
-    <p:sldMasterId id="2147483660" r:id="rId1"/>
+    <p:sldMasterId id="2147483672" r:id="rId1"/>
   </p:sldMasterIdLst>
   <p:sldIdLst>
     <p:sldId id="256" r:id="rId2"/>
     <p:sldId id="257" r:id="rId3"/>
+    <p:sldId id="259" r:id="rId4"/>
   </p:sldIdLst>
-  <p:sldSz cx="12192000" cy="8999538"/>
+  <p:sldSz cx="12192000" cy="10799763"/>
   <p:notesSz cx="6858000" cy="9144000"/>
   <p:defaultTextStyle>
     <a:defPPr>
@@ -116,7 +117,7 @@
 <file path=ppt/revisionInfo.xml><?xml version="1.0" encoding="utf-8"?>
 <p1510:revInfo xmlns:a="http://schemas.openxmlformats.org/drawingml/2006/main" xmlns:r="http://schemas.openxmlformats.org/officeDocument/2006/relationships" xmlns:p1510="http://schemas.microsoft.com/office/powerpoint/2015/10/main">
   <p1510:revLst>
-    <p1510:client id="{D4885D0E-BC54-4931-8389-3DD07C4FE883}" v="8" dt="2024-08-19T07:12:04.833"/>
+    <p1510:client id="{3479C771-99D9-4844-9022-B3B9B9DD2536}" v="13" dt="2024-11-04T08:38:57.695"/>
   </p1510:revLst>
 </p1510:revInfo>
 </file>
@@ -293,6 +294,260 @@
             <pc:docMk/>
             <pc:sldMk cId="3778412080" sldId="258"/>
             <ac:picMk id="5" creationId="{F18E47B1-416E-172B-CDAD-187A1ED12096}"/>
+          </ac:picMkLst>
+        </pc:picChg>
+      </pc:sldChg>
+    </pc:docChg>
+  </pc:docChgLst>
+  <pc:docChgLst>
+    <pc:chgData name="Uhr, Vinzenz Nathan (STUDENTS)" userId="f4f67b1a-e021-4569-b4a5-fe6b7216375a" providerId="ADAL" clId="{3479C771-99D9-4844-9022-B3B9B9DD2536}"/>
+    <pc:docChg chg="undo redo custSel addSld delSld modSld">
+      <pc:chgData name="Uhr, Vinzenz Nathan (STUDENTS)" userId="f4f67b1a-e021-4569-b4a5-fe6b7216375a" providerId="ADAL" clId="{3479C771-99D9-4844-9022-B3B9B9DD2536}" dt="2024-11-04T08:39:33.272" v="69" actId="47"/>
+      <pc:docMkLst>
+        <pc:docMk/>
+      </pc:docMkLst>
+      <pc:sldChg chg="add del setBg">
+        <pc:chgData name="Uhr, Vinzenz Nathan (STUDENTS)" userId="f4f67b1a-e021-4569-b4a5-fe6b7216375a" providerId="ADAL" clId="{3479C771-99D9-4844-9022-B3B9B9DD2536}" dt="2024-11-04T08:33:46.309" v="2" actId="47"/>
+        <pc:sldMkLst>
+          <pc:docMk/>
+          <pc:sldMk cId="1173364766" sldId="258"/>
+        </pc:sldMkLst>
+      </pc:sldChg>
+      <pc:sldChg chg="addSp delSp modSp add mod">
+        <pc:chgData name="Uhr, Vinzenz Nathan (STUDENTS)" userId="f4f67b1a-e021-4569-b4a5-fe6b7216375a" providerId="ADAL" clId="{3479C771-99D9-4844-9022-B3B9B9DD2536}" dt="2024-11-04T08:38:57.067" v="68" actId="29295"/>
+        <pc:sldMkLst>
+          <pc:docMk/>
+          <pc:sldMk cId="3775896505" sldId="259"/>
+        </pc:sldMkLst>
+        <pc:spChg chg="mod">
+          <ac:chgData name="Uhr, Vinzenz Nathan (STUDENTS)" userId="f4f67b1a-e021-4569-b4a5-fe6b7216375a" providerId="ADAL" clId="{3479C771-99D9-4844-9022-B3B9B9DD2536}" dt="2024-11-04T08:34:32.503" v="3" actId="1076"/>
+          <ac:spMkLst>
+            <pc:docMk/>
+            <pc:sldMk cId="3775896505" sldId="259"/>
+            <ac:spMk id="8" creationId="{03199C90-E018-860B-E29E-2E3F7F2DB221}"/>
+          </ac:spMkLst>
+        </pc:spChg>
+        <pc:spChg chg="add mod">
+          <ac:chgData name="Uhr, Vinzenz Nathan (STUDENTS)" userId="f4f67b1a-e021-4569-b4a5-fe6b7216375a" providerId="ADAL" clId="{3479C771-99D9-4844-9022-B3B9B9DD2536}" dt="2024-11-04T08:34:46.566" v="6" actId="1076"/>
+          <ac:spMkLst>
+            <pc:docMk/>
+            <pc:sldMk cId="3775896505" sldId="259"/>
+            <ac:spMk id="13" creationId="{A6F519D4-D058-BD30-EAA5-D6CDFF9900C1}"/>
+          </ac:spMkLst>
+        </pc:spChg>
+        <pc:spChg chg="mod">
+          <ac:chgData name="Uhr, Vinzenz Nathan (STUDENTS)" userId="f4f67b1a-e021-4569-b4a5-fe6b7216375a" providerId="ADAL" clId="{3479C771-99D9-4844-9022-B3B9B9DD2536}" dt="2024-11-04T08:34:32.503" v="3" actId="1076"/>
+          <ac:spMkLst>
+            <pc:docMk/>
+            <pc:sldMk cId="3775896505" sldId="259"/>
+            <ac:spMk id="17" creationId="{A025E35D-3D0C-51AB-0608-E15D7134C475}"/>
+          </ac:spMkLst>
+        </pc:spChg>
+        <pc:spChg chg="mod">
+          <ac:chgData name="Uhr, Vinzenz Nathan (STUDENTS)" userId="f4f67b1a-e021-4569-b4a5-fe6b7216375a" providerId="ADAL" clId="{3479C771-99D9-4844-9022-B3B9B9DD2536}" dt="2024-11-04T08:34:32.503" v="3" actId="1076"/>
+          <ac:spMkLst>
+            <pc:docMk/>
+            <pc:sldMk cId="3775896505" sldId="259"/>
+            <ac:spMk id="18" creationId="{61FD4848-0129-0E64-6C7B-11321A54AE47}"/>
+          </ac:spMkLst>
+        </pc:spChg>
+        <pc:spChg chg="mod">
+          <ac:chgData name="Uhr, Vinzenz Nathan (STUDENTS)" userId="f4f67b1a-e021-4569-b4a5-fe6b7216375a" providerId="ADAL" clId="{3479C771-99D9-4844-9022-B3B9B9DD2536}" dt="2024-11-04T08:34:32.503" v="3" actId="1076"/>
+          <ac:spMkLst>
+            <pc:docMk/>
+            <pc:sldMk cId="3775896505" sldId="259"/>
+            <ac:spMk id="19" creationId="{CD6D2806-49D4-C7C7-F75D-C2648C1AD30A}"/>
+          </ac:spMkLst>
+        </pc:spChg>
+        <pc:spChg chg="mod">
+          <ac:chgData name="Uhr, Vinzenz Nathan (STUDENTS)" userId="f4f67b1a-e021-4569-b4a5-fe6b7216375a" providerId="ADAL" clId="{3479C771-99D9-4844-9022-B3B9B9DD2536}" dt="2024-11-04T08:34:32.503" v="3" actId="1076"/>
+          <ac:spMkLst>
+            <pc:docMk/>
+            <pc:sldMk cId="3775896505" sldId="259"/>
+            <ac:spMk id="20" creationId="{95DD9D38-1C7C-7349-3F4E-3CB222C5A31B}"/>
+          </ac:spMkLst>
+        </pc:spChg>
+        <pc:spChg chg="mod">
+          <ac:chgData name="Uhr, Vinzenz Nathan (STUDENTS)" userId="f4f67b1a-e021-4569-b4a5-fe6b7216375a" providerId="ADAL" clId="{3479C771-99D9-4844-9022-B3B9B9DD2536}" dt="2024-11-04T08:34:32.503" v="3" actId="1076"/>
+          <ac:spMkLst>
+            <pc:docMk/>
+            <pc:sldMk cId="3775896505" sldId="259"/>
+            <ac:spMk id="21" creationId="{15771D7B-3B53-A5B4-FED7-F1306E2B4CE5}"/>
+          </ac:spMkLst>
+        </pc:spChg>
+        <pc:spChg chg="mod">
+          <ac:chgData name="Uhr, Vinzenz Nathan (STUDENTS)" userId="f4f67b1a-e021-4569-b4a5-fe6b7216375a" providerId="ADAL" clId="{3479C771-99D9-4844-9022-B3B9B9DD2536}" dt="2024-11-04T08:34:32.503" v="3" actId="1076"/>
+          <ac:spMkLst>
+            <pc:docMk/>
+            <pc:sldMk cId="3775896505" sldId="259"/>
+            <ac:spMk id="22" creationId="{CA640A42-7A05-ED19-4DB1-7C1156E71DF9}"/>
+          </ac:spMkLst>
+        </pc:spChg>
+        <pc:spChg chg="mod">
+          <ac:chgData name="Uhr, Vinzenz Nathan (STUDENTS)" userId="f4f67b1a-e021-4569-b4a5-fe6b7216375a" providerId="ADAL" clId="{3479C771-99D9-4844-9022-B3B9B9DD2536}" dt="2024-11-04T08:34:53.365" v="16" actId="20577"/>
+          <ac:spMkLst>
+            <pc:docMk/>
+            <pc:sldMk cId="3775896505" sldId="259"/>
+            <ac:spMk id="23" creationId="{862253A5-654B-D576-C2AA-8E8CE8A3DDDA}"/>
+          </ac:spMkLst>
+        </pc:spChg>
+        <pc:picChg chg="add mod">
+          <ac:chgData name="Uhr, Vinzenz Nathan (STUDENTS)" userId="f4f67b1a-e021-4569-b4a5-fe6b7216375a" providerId="ADAL" clId="{3479C771-99D9-4844-9022-B3B9B9DD2536}" dt="2024-11-04T08:34:46.566" v="6" actId="1076"/>
+          <ac:picMkLst>
+            <pc:docMk/>
+            <pc:sldMk cId="3775896505" sldId="259"/>
+            <ac:picMk id="2" creationId="{E5BDF371-6690-83C0-BD24-B992DB319A98}"/>
+          </ac:picMkLst>
+        </pc:picChg>
+        <pc:picChg chg="mod">
+          <ac:chgData name="Uhr, Vinzenz Nathan (STUDENTS)" userId="f4f67b1a-e021-4569-b4a5-fe6b7216375a" providerId="ADAL" clId="{3479C771-99D9-4844-9022-B3B9B9DD2536}" dt="2024-11-04T08:34:32.503" v="3" actId="1076"/>
+          <ac:picMkLst>
+            <pc:docMk/>
+            <pc:sldMk cId="3775896505" sldId="259"/>
+            <ac:picMk id="3" creationId="{D9AF14FC-7C4A-1228-F7F9-A4CC7D4BC5ED}"/>
+          </ac:picMkLst>
+        </pc:picChg>
+        <pc:picChg chg="add mod">
+          <ac:chgData name="Uhr, Vinzenz Nathan (STUDENTS)" userId="f4f67b1a-e021-4569-b4a5-fe6b7216375a" providerId="ADAL" clId="{3479C771-99D9-4844-9022-B3B9B9DD2536}" dt="2024-11-04T08:34:46.566" v="6" actId="1076"/>
+          <ac:picMkLst>
+            <pc:docMk/>
+            <pc:sldMk cId="3775896505" sldId="259"/>
+            <ac:picMk id="4" creationId="{774DDA46-8E43-05FE-627D-87AF7B5A320B}"/>
+          </ac:picMkLst>
+        </pc:picChg>
+        <pc:picChg chg="mod">
+          <ac:chgData name="Uhr, Vinzenz Nathan (STUDENTS)" userId="f4f67b1a-e021-4569-b4a5-fe6b7216375a" providerId="ADAL" clId="{3479C771-99D9-4844-9022-B3B9B9DD2536}" dt="2024-11-04T08:34:32.503" v="3" actId="1076"/>
+          <ac:picMkLst>
+            <pc:docMk/>
+            <pc:sldMk cId="3775896505" sldId="259"/>
+            <ac:picMk id="5" creationId="{DBCCEEF3-1E50-A4E6-1F77-976EBCB0468E}"/>
+          </ac:picMkLst>
+        </pc:picChg>
+        <pc:picChg chg="add del mod">
+          <ac:chgData name="Uhr, Vinzenz Nathan (STUDENTS)" userId="f4f67b1a-e021-4569-b4a5-fe6b7216375a" providerId="ADAL" clId="{3479C771-99D9-4844-9022-B3B9B9DD2536}" dt="2024-11-04T08:38:26.955" v="59" actId="21"/>
+          <ac:picMkLst>
+            <pc:docMk/>
+            <pc:sldMk cId="3775896505" sldId="259"/>
+            <ac:picMk id="6" creationId="{68958D16-B08B-9195-5BA5-192AF8024FD7}"/>
+          </ac:picMkLst>
+        </pc:picChg>
+        <pc:picChg chg="mod">
+          <ac:chgData name="Uhr, Vinzenz Nathan (STUDENTS)" userId="f4f67b1a-e021-4569-b4a5-fe6b7216375a" providerId="ADAL" clId="{3479C771-99D9-4844-9022-B3B9B9DD2536}" dt="2024-11-04T08:34:32.503" v="3" actId="1076"/>
+          <ac:picMkLst>
+            <pc:docMk/>
+            <pc:sldMk cId="3775896505" sldId="259"/>
+            <ac:picMk id="7" creationId="{88C718D2-F7CB-9A6A-A35A-9AA4DF62B444}"/>
+          </ac:picMkLst>
+        </pc:picChg>
+        <pc:picChg chg="del mod">
+          <ac:chgData name="Uhr, Vinzenz Nathan (STUDENTS)" userId="f4f67b1a-e021-4569-b4a5-fe6b7216375a" providerId="ADAL" clId="{3479C771-99D9-4844-9022-B3B9B9DD2536}" dt="2024-11-04T08:37:07.715" v="44" actId="478"/>
+          <ac:picMkLst>
+            <pc:docMk/>
+            <pc:sldMk cId="3775896505" sldId="259"/>
+            <ac:picMk id="9" creationId="{E3E20ACE-F01A-92E1-DC3C-5CAD27FD6DE9}"/>
+          </ac:picMkLst>
+        </pc:picChg>
+        <pc:picChg chg="mod">
+          <ac:chgData name="Uhr, Vinzenz Nathan (STUDENTS)" userId="f4f67b1a-e021-4569-b4a5-fe6b7216375a" providerId="ADAL" clId="{3479C771-99D9-4844-9022-B3B9B9DD2536}" dt="2024-11-04T08:34:32.503" v="3" actId="1076"/>
+          <ac:picMkLst>
+            <pc:docMk/>
+            <pc:sldMk cId="3775896505" sldId="259"/>
+            <ac:picMk id="10" creationId="{CFBF537A-B600-09A4-F107-E407763E71F7}"/>
+          </ac:picMkLst>
+        </pc:picChg>
+        <pc:picChg chg="mod">
+          <ac:chgData name="Uhr, Vinzenz Nathan (STUDENTS)" userId="f4f67b1a-e021-4569-b4a5-fe6b7216375a" providerId="ADAL" clId="{3479C771-99D9-4844-9022-B3B9B9DD2536}" dt="2024-11-04T08:34:32.503" v="3" actId="1076"/>
+          <ac:picMkLst>
+            <pc:docMk/>
+            <pc:sldMk cId="3775896505" sldId="259"/>
+            <ac:picMk id="11" creationId="{EDA782A6-17D7-91BC-9770-656476586304}"/>
+          </ac:picMkLst>
+        </pc:picChg>
+        <pc:picChg chg="add del mod">
+          <ac:chgData name="Uhr, Vinzenz Nathan (STUDENTS)" userId="f4f67b1a-e021-4569-b4a5-fe6b7216375a" providerId="ADAL" clId="{3479C771-99D9-4844-9022-B3B9B9DD2536}" dt="2024-11-04T08:38:56.054" v="67" actId="478"/>
+          <ac:picMkLst>
+            <pc:docMk/>
+            <pc:sldMk cId="3775896505" sldId="259"/>
+            <ac:picMk id="12" creationId="{2F938992-178F-DF03-A667-96541EDE4AEE}"/>
+          </ac:picMkLst>
+        </pc:picChg>
+        <pc:picChg chg="mod">
+          <ac:chgData name="Uhr, Vinzenz Nathan (STUDENTS)" userId="f4f67b1a-e021-4569-b4a5-fe6b7216375a" providerId="ADAL" clId="{3479C771-99D9-4844-9022-B3B9B9DD2536}" dt="2024-11-04T08:35:04.618" v="18" actId="14100"/>
+          <ac:picMkLst>
+            <pc:docMk/>
+            <pc:sldMk cId="3775896505" sldId="259"/>
+            <ac:picMk id="15" creationId="{0F8D913B-0612-A73D-D78F-065BA8B171B0}"/>
+          </ac:picMkLst>
+        </pc:picChg>
+        <pc:picChg chg="add del mod modCrop">
+          <ac:chgData name="Uhr, Vinzenz Nathan (STUDENTS)" userId="f4f67b1a-e021-4569-b4a5-fe6b7216375a" providerId="ADAL" clId="{3479C771-99D9-4844-9022-B3B9B9DD2536}" dt="2024-11-04T08:35:56.978" v="29" actId="21"/>
+          <ac:picMkLst>
+            <pc:docMk/>
+            <pc:sldMk cId="3775896505" sldId="259"/>
+            <ac:picMk id="16" creationId="{274EE7ED-27BE-53DD-EA89-0895CD232566}"/>
+          </ac:picMkLst>
+        </pc:picChg>
+        <pc:picChg chg="add mod ord">
+          <ac:chgData name="Uhr, Vinzenz Nathan (STUDENTS)" userId="f4f67b1a-e021-4569-b4a5-fe6b7216375a" providerId="ADAL" clId="{3479C771-99D9-4844-9022-B3B9B9DD2536}" dt="2024-11-04T08:37:14.958" v="45" actId="29295"/>
+          <ac:picMkLst>
+            <pc:docMk/>
+            <pc:sldMk cId="3775896505" sldId="259"/>
+            <ac:picMk id="24" creationId="{69162688-E104-1D6B-60AF-10D5D9A3E8B5}"/>
+          </ac:picMkLst>
+        </pc:picChg>
+        <pc:picChg chg="add mod ord">
+          <ac:chgData name="Uhr, Vinzenz Nathan (STUDENTS)" userId="f4f67b1a-e021-4569-b4a5-fe6b7216375a" providerId="ADAL" clId="{3479C771-99D9-4844-9022-B3B9B9DD2536}" dt="2024-11-04T08:38:57.067" v="68" actId="29295"/>
+          <ac:picMkLst>
+            <pc:docMk/>
+            <pc:sldMk cId="3775896505" sldId="259"/>
+            <ac:picMk id="25" creationId="{EC1F82E0-E65D-1C88-6830-B935EAFFB090}"/>
+          </ac:picMkLst>
+        </pc:picChg>
+      </pc:sldChg>
+      <pc:sldChg chg="addSp delSp modSp new del mod">
+        <pc:chgData name="Uhr, Vinzenz Nathan (STUDENTS)" userId="f4f67b1a-e021-4569-b4a5-fe6b7216375a" providerId="ADAL" clId="{3479C771-99D9-4844-9022-B3B9B9DD2536}" dt="2024-11-04T08:39:33.272" v="69" actId="47"/>
+        <pc:sldMkLst>
+          <pc:docMk/>
+          <pc:sldMk cId="308566193" sldId="260"/>
+        </pc:sldMkLst>
+        <pc:spChg chg="del">
+          <ac:chgData name="Uhr, Vinzenz Nathan (STUDENTS)" userId="f4f67b1a-e021-4569-b4a5-fe6b7216375a" providerId="ADAL" clId="{3479C771-99D9-4844-9022-B3B9B9DD2536}" dt="2024-11-04T08:36:03.845" v="32" actId="478"/>
+          <ac:spMkLst>
+            <pc:docMk/>
+            <pc:sldMk cId="308566193" sldId="260"/>
+            <ac:spMk id="2" creationId="{517A8697-7908-3486-4DE0-814A9C19AE3F}"/>
+          </ac:spMkLst>
+        </pc:spChg>
+        <pc:spChg chg="del">
+          <ac:chgData name="Uhr, Vinzenz Nathan (STUDENTS)" userId="f4f67b1a-e021-4569-b4a5-fe6b7216375a" providerId="ADAL" clId="{3479C771-99D9-4844-9022-B3B9B9DD2536}" dt="2024-11-04T08:36:02.406" v="31" actId="478"/>
+          <ac:spMkLst>
+            <pc:docMk/>
+            <pc:sldMk cId="308566193" sldId="260"/>
+            <ac:spMk id="3" creationId="{B6EC284E-B0EE-9E16-2513-D651BEB37AFD}"/>
+          </ac:spMkLst>
+        </pc:spChg>
+        <pc:picChg chg="add mod modCrop">
+          <ac:chgData name="Uhr, Vinzenz Nathan (STUDENTS)" userId="f4f67b1a-e021-4569-b4a5-fe6b7216375a" providerId="ADAL" clId="{3479C771-99D9-4844-9022-B3B9B9DD2536}" dt="2024-11-04T08:36:12.480" v="34" actId="732"/>
+          <ac:picMkLst>
+            <pc:docMk/>
+            <pc:sldMk cId="308566193" sldId="260"/>
+            <ac:picMk id="4" creationId="{00AF74A6-0785-8AA5-8D43-3CF434C3ECCB}"/>
+          </ac:picMkLst>
+        </pc:picChg>
+        <pc:picChg chg="add mod">
+          <ac:chgData name="Uhr, Vinzenz Nathan (STUDENTS)" userId="f4f67b1a-e021-4569-b4a5-fe6b7216375a" providerId="ADAL" clId="{3479C771-99D9-4844-9022-B3B9B9DD2536}" dt="2024-11-04T08:38:30.539" v="60"/>
+          <ac:picMkLst>
+            <pc:docMk/>
+            <pc:sldMk cId="308566193" sldId="260"/>
+            <ac:picMk id="5" creationId="{A63AAAD7-29F1-067B-F7E9-1F7B448C3E02}"/>
+          </ac:picMkLst>
+        </pc:picChg>
+        <pc:picChg chg="add mod modCrop">
+          <ac:chgData name="Uhr, Vinzenz Nathan (STUDENTS)" userId="f4f67b1a-e021-4569-b4a5-fe6b7216375a" providerId="ADAL" clId="{3479C771-99D9-4844-9022-B3B9B9DD2536}" dt="2024-11-04T08:36:18.310" v="35" actId="732"/>
+          <ac:picMkLst>
+            <pc:docMk/>
+            <pc:sldMk cId="308566193" sldId="260"/>
+            <ac:picMk id="16" creationId="{274EE7ED-27BE-53DD-EA89-0895CD232566}"/>
           </ac:picMkLst>
         </pc:picChg>
       </pc:sldChg>
@@ -466,15 +721,15 @@
         </p:nvSpPr>
         <p:spPr>
           <a:xfrm>
-            <a:off x="914400" y="1472842"/>
-            <a:ext cx="10363200" cy="3133172"/>
+            <a:off x="914400" y="1767462"/>
+            <a:ext cx="10363200" cy="3759917"/>
           </a:xfrm>
         </p:spPr>
         <p:txBody>
           <a:bodyPr anchor="b"/>
           <a:lstStyle>
             <a:lvl1pPr algn="ctr">
-              <a:defRPr sz="7874"/>
+              <a:defRPr sz="8000"/>
             </a:lvl1pPr>
           </a:lstStyle>
           <a:p>
@@ -498,8 +753,8 @@
         </p:nvSpPr>
         <p:spPr>
           <a:xfrm>
-            <a:off x="1524000" y="4726842"/>
-            <a:ext cx="9144000" cy="2172804"/>
+            <a:off x="1524000" y="5672376"/>
+            <a:ext cx="9144000" cy="2607442"/>
           </a:xfrm>
         </p:spPr>
         <p:txBody>
@@ -507,39 +762,39 @@
           <a:lstStyle>
             <a:lvl1pPr marL="0" indent="0" algn="ctr">
               <a:buNone/>
-              <a:defRPr sz="3150"/>
+              <a:defRPr sz="3200"/>
             </a:lvl1pPr>
-            <a:lvl2pPr marL="599984" indent="0" algn="ctr">
-              <a:buNone/>
-              <a:defRPr sz="2625"/>
+            <a:lvl2pPr marL="609585" indent="0" algn="ctr">
+              <a:buNone/>
+              <a:defRPr sz="2667"/>
             </a:lvl2pPr>
-            <a:lvl3pPr marL="1199967" indent="0" algn="ctr">
-              <a:buNone/>
-              <a:defRPr sz="2362"/>
+            <a:lvl3pPr marL="1219170" indent="0" algn="ctr">
+              <a:buNone/>
+              <a:defRPr sz="2400"/>
             </a:lvl3pPr>
-            <a:lvl4pPr marL="1799951" indent="0" algn="ctr">
-              <a:buNone/>
-              <a:defRPr sz="2100"/>
+            <a:lvl4pPr marL="1828754" indent="0" algn="ctr">
+              <a:buNone/>
+              <a:defRPr sz="2133"/>
             </a:lvl4pPr>
-            <a:lvl5pPr marL="2399934" indent="0" algn="ctr">
-              <a:buNone/>
-              <a:defRPr sz="2100"/>
+            <a:lvl5pPr marL="2438339" indent="0" algn="ctr">
+              <a:buNone/>
+              <a:defRPr sz="2133"/>
             </a:lvl5pPr>
-            <a:lvl6pPr marL="2999918" indent="0" algn="ctr">
-              <a:buNone/>
-              <a:defRPr sz="2100"/>
+            <a:lvl6pPr marL="3047924" indent="0" algn="ctr">
+              <a:buNone/>
+              <a:defRPr sz="2133"/>
             </a:lvl6pPr>
-            <a:lvl7pPr marL="3599901" indent="0" algn="ctr">
-              <a:buNone/>
-              <a:defRPr sz="2100"/>
+            <a:lvl7pPr marL="3657509" indent="0" algn="ctr">
+              <a:buNone/>
+              <a:defRPr sz="2133"/>
             </a:lvl7pPr>
-            <a:lvl8pPr marL="4199885" indent="0" algn="ctr">
-              <a:buNone/>
-              <a:defRPr sz="2100"/>
+            <a:lvl8pPr marL="4267093" indent="0" algn="ctr">
+              <a:buNone/>
+              <a:defRPr sz="2133"/>
             </a:lvl8pPr>
-            <a:lvl9pPr marL="4799868" indent="0" algn="ctr">
-              <a:buNone/>
-              <a:defRPr sz="2100"/>
+            <a:lvl9pPr marL="4876678" indent="0" algn="ctr">
+              <a:buNone/>
+              <a:defRPr sz="2133"/>
             </a:lvl9pPr>
           </a:lstStyle>
           <a:p>
@@ -568,7 +823,7 @@
           <a:p>
             <a:fld id="{4906B8C8-EA00-4A12-BB7F-A6E92F5ACBF9}" type="datetimeFigureOut">
               <a:rPr lang="en-GB" smtClean="0"/>
-              <a:t>19/08/2024</a:t>
+              <a:t>04/11/2024</a:t>
             </a:fld>
             <a:endParaRPr lang="en-GB"/>
           </a:p>
@@ -619,7 +874,7 @@
     </p:spTree>
     <p:extLst>
       <p:ext uri="{BB962C8B-B14F-4D97-AF65-F5344CB8AC3E}">
-        <p14:creationId xmlns:p14="http://schemas.microsoft.com/office/powerpoint/2010/main" val="3510256742"/>
+        <p14:creationId xmlns:p14="http://schemas.microsoft.com/office/powerpoint/2010/main" val="1573676997"/>
       </p:ext>
     </p:extLst>
   </p:cSld>
@@ -738,7 +993,7 @@
           <a:p>
             <a:fld id="{4906B8C8-EA00-4A12-BB7F-A6E92F5ACBF9}" type="datetimeFigureOut">
               <a:rPr lang="en-GB" smtClean="0"/>
-              <a:t>19/08/2024</a:t>
+              <a:t>04/11/2024</a:t>
             </a:fld>
             <a:endParaRPr lang="en-GB"/>
           </a:p>
@@ -789,7 +1044,7 @@
     </p:spTree>
     <p:extLst>
       <p:ext uri="{BB962C8B-B14F-4D97-AF65-F5344CB8AC3E}">
-        <p14:creationId xmlns:p14="http://schemas.microsoft.com/office/powerpoint/2010/main" val="1006586325"/>
+        <p14:creationId xmlns:p14="http://schemas.microsoft.com/office/powerpoint/2010/main" val="1274427638"/>
       </p:ext>
     </p:extLst>
   </p:cSld>
@@ -828,8 +1083,8 @@
         </p:nvSpPr>
         <p:spPr>
           <a:xfrm>
-            <a:off x="8724901" y="479142"/>
-            <a:ext cx="2628900" cy="7626692"/>
+            <a:off x="8724901" y="574987"/>
+            <a:ext cx="2628900" cy="9152300"/>
           </a:xfrm>
         </p:spPr>
         <p:txBody>
@@ -856,8 +1111,8 @@
         </p:nvSpPr>
         <p:spPr>
           <a:xfrm>
-            <a:off x="838201" y="479142"/>
-            <a:ext cx="7734300" cy="7626692"/>
+            <a:off x="838201" y="574987"/>
+            <a:ext cx="7734300" cy="9152300"/>
           </a:xfrm>
         </p:spPr>
         <p:txBody>
@@ -918,7 +1173,7 @@
           <a:p>
             <a:fld id="{4906B8C8-EA00-4A12-BB7F-A6E92F5ACBF9}" type="datetimeFigureOut">
               <a:rPr lang="en-GB" smtClean="0"/>
-              <a:t>19/08/2024</a:t>
+              <a:t>04/11/2024</a:t>
             </a:fld>
             <a:endParaRPr lang="en-GB"/>
           </a:p>
@@ -969,7 +1224,7 @@
     </p:spTree>
     <p:extLst>
       <p:ext uri="{BB962C8B-B14F-4D97-AF65-F5344CB8AC3E}">
-        <p14:creationId xmlns:p14="http://schemas.microsoft.com/office/powerpoint/2010/main" val="4247165769"/>
+        <p14:creationId xmlns:p14="http://schemas.microsoft.com/office/powerpoint/2010/main" val="672492173"/>
       </p:ext>
     </p:extLst>
   </p:cSld>
@@ -1088,7 +1343,7 @@
           <a:p>
             <a:fld id="{4906B8C8-EA00-4A12-BB7F-A6E92F5ACBF9}" type="datetimeFigureOut">
               <a:rPr lang="en-GB" smtClean="0"/>
-              <a:t>19/08/2024</a:t>
+              <a:t>04/11/2024</a:t>
             </a:fld>
             <a:endParaRPr lang="en-GB"/>
           </a:p>
@@ -1139,7 +1394,7 @@
     </p:spTree>
     <p:extLst>
       <p:ext uri="{BB962C8B-B14F-4D97-AF65-F5344CB8AC3E}">
-        <p14:creationId xmlns:p14="http://schemas.microsoft.com/office/powerpoint/2010/main" val="1431608699"/>
+        <p14:creationId xmlns:p14="http://schemas.microsoft.com/office/powerpoint/2010/main" val="2144034963"/>
       </p:ext>
     </p:extLst>
   </p:cSld>
@@ -1178,15 +1433,15 @@
         </p:nvSpPr>
         <p:spPr>
           <a:xfrm>
-            <a:off x="831851" y="2243638"/>
-            <a:ext cx="10515600" cy="3743557"/>
+            <a:off x="831851" y="2692444"/>
+            <a:ext cx="10515600" cy="4492401"/>
           </a:xfrm>
         </p:spPr>
         <p:txBody>
           <a:bodyPr anchor="b"/>
           <a:lstStyle>
             <a:lvl1pPr>
-              <a:defRPr sz="7874"/>
+              <a:defRPr sz="8000"/>
             </a:lvl1pPr>
           </a:lstStyle>
           <a:p>
@@ -1210,8 +1465,8 @@
         </p:nvSpPr>
         <p:spPr>
           <a:xfrm>
-            <a:off x="831851" y="6022610"/>
-            <a:ext cx="10515600" cy="1968648"/>
+            <a:off x="831851" y="7227345"/>
+            <a:ext cx="10515600" cy="2362447"/>
           </a:xfrm>
         </p:spPr>
         <p:txBody>
@@ -1219,7 +1474,7 @@
           <a:lstStyle>
             <a:lvl1pPr marL="0" indent="0">
               <a:buNone/>
-              <a:defRPr sz="3150">
+              <a:defRPr sz="3200">
                 <a:solidFill>
                   <a:schemeClr val="tx1">
                     <a:tint val="82000"/>
@@ -1227,9 +1482,9 @@
                 </a:solidFill>
               </a:defRPr>
             </a:lvl1pPr>
-            <a:lvl2pPr marL="599984" indent="0">
-              <a:buNone/>
-              <a:defRPr sz="2625">
+            <a:lvl2pPr marL="609585" indent="0">
+              <a:buNone/>
+              <a:defRPr sz="2667">
                 <a:solidFill>
                   <a:schemeClr val="tx1">
                     <a:tint val="82000"/>
@@ -1237,9 +1492,9 @@
                 </a:solidFill>
               </a:defRPr>
             </a:lvl2pPr>
-            <a:lvl3pPr marL="1199967" indent="0">
-              <a:buNone/>
-              <a:defRPr sz="2362">
+            <a:lvl3pPr marL="1219170" indent="0">
+              <a:buNone/>
+              <a:defRPr sz="2400">
                 <a:solidFill>
                   <a:schemeClr val="tx1">
                     <a:tint val="82000"/>
@@ -1247,9 +1502,9 @@
                 </a:solidFill>
               </a:defRPr>
             </a:lvl3pPr>
-            <a:lvl4pPr marL="1799951" indent="0">
-              <a:buNone/>
-              <a:defRPr sz="2100">
+            <a:lvl4pPr marL="1828754" indent="0">
+              <a:buNone/>
+              <a:defRPr sz="2133">
                 <a:solidFill>
                   <a:schemeClr val="tx1">
                     <a:tint val="82000"/>
@@ -1257,9 +1512,9 @@
                 </a:solidFill>
               </a:defRPr>
             </a:lvl4pPr>
-            <a:lvl5pPr marL="2399934" indent="0">
-              <a:buNone/>
-              <a:defRPr sz="2100">
+            <a:lvl5pPr marL="2438339" indent="0">
+              <a:buNone/>
+              <a:defRPr sz="2133">
                 <a:solidFill>
                   <a:schemeClr val="tx1">
                     <a:tint val="82000"/>
@@ -1267,9 +1522,9 @@
                 </a:solidFill>
               </a:defRPr>
             </a:lvl5pPr>
-            <a:lvl6pPr marL="2999918" indent="0">
-              <a:buNone/>
-              <a:defRPr sz="2100">
+            <a:lvl6pPr marL="3047924" indent="0">
+              <a:buNone/>
+              <a:defRPr sz="2133">
                 <a:solidFill>
                   <a:schemeClr val="tx1">
                     <a:tint val="82000"/>
@@ -1277,9 +1532,9 @@
                 </a:solidFill>
               </a:defRPr>
             </a:lvl6pPr>
-            <a:lvl7pPr marL="3599901" indent="0">
-              <a:buNone/>
-              <a:defRPr sz="2100">
+            <a:lvl7pPr marL="3657509" indent="0">
+              <a:buNone/>
+              <a:defRPr sz="2133">
                 <a:solidFill>
                   <a:schemeClr val="tx1">
                     <a:tint val="82000"/>
@@ -1287,9 +1542,9 @@
                 </a:solidFill>
               </a:defRPr>
             </a:lvl7pPr>
-            <a:lvl8pPr marL="4199885" indent="0">
-              <a:buNone/>
-              <a:defRPr sz="2100">
+            <a:lvl8pPr marL="4267093" indent="0">
+              <a:buNone/>
+              <a:defRPr sz="2133">
                 <a:solidFill>
                   <a:schemeClr val="tx1">
                     <a:tint val="82000"/>
@@ -1297,9 +1552,9 @@
                 </a:solidFill>
               </a:defRPr>
             </a:lvl8pPr>
-            <a:lvl9pPr marL="4799868" indent="0">
-              <a:buNone/>
-              <a:defRPr sz="2100">
+            <a:lvl9pPr marL="4876678" indent="0">
+              <a:buNone/>
+              <a:defRPr sz="2133">
                 <a:solidFill>
                   <a:schemeClr val="tx1">
                     <a:tint val="82000"/>
@@ -1334,7 +1589,7 @@
           <a:p>
             <a:fld id="{4906B8C8-EA00-4A12-BB7F-A6E92F5ACBF9}" type="datetimeFigureOut">
               <a:rPr lang="en-GB" smtClean="0"/>
-              <a:t>19/08/2024</a:t>
+              <a:t>04/11/2024</a:t>
             </a:fld>
             <a:endParaRPr lang="en-GB"/>
           </a:p>
@@ -1385,7 +1640,7 @@
     </p:spTree>
     <p:extLst>
       <p:ext uri="{BB962C8B-B14F-4D97-AF65-F5344CB8AC3E}">
-        <p14:creationId xmlns:p14="http://schemas.microsoft.com/office/powerpoint/2010/main" val="3644153716"/>
+        <p14:creationId xmlns:p14="http://schemas.microsoft.com/office/powerpoint/2010/main" val="1356620198"/>
       </p:ext>
     </p:extLst>
   </p:cSld>
@@ -1447,8 +1702,8 @@
         </p:nvSpPr>
         <p:spPr>
           <a:xfrm>
-            <a:off x="838200" y="2395710"/>
-            <a:ext cx="5181600" cy="5710124"/>
+            <a:off x="838200" y="2874937"/>
+            <a:ext cx="5181600" cy="6852350"/>
           </a:xfrm>
         </p:spPr>
         <p:txBody>
@@ -1504,8 +1759,8 @@
         </p:nvSpPr>
         <p:spPr>
           <a:xfrm>
-            <a:off x="6172200" y="2395710"/>
-            <a:ext cx="5181600" cy="5710124"/>
+            <a:off x="6172200" y="2874937"/>
+            <a:ext cx="5181600" cy="6852350"/>
           </a:xfrm>
         </p:spPr>
         <p:txBody>
@@ -1566,7 +1821,7 @@
           <a:p>
             <a:fld id="{4906B8C8-EA00-4A12-BB7F-A6E92F5ACBF9}" type="datetimeFigureOut">
               <a:rPr lang="en-GB" smtClean="0"/>
-              <a:t>19/08/2024</a:t>
+              <a:t>04/11/2024</a:t>
             </a:fld>
             <a:endParaRPr lang="en-GB"/>
           </a:p>
@@ -1617,7 +1872,7 @@
     </p:spTree>
     <p:extLst>
       <p:ext uri="{BB962C8B-B14F-4D97-AF65-F5344CB8AC3E}">
-        <p14:creationId xmlns:p14="http://schemas.microsoft.com/office/powerpoint/2010/main" val="608301779"/>
+        <p14:creationId xmlns:p14="http://schemas.microsoft.com/office/powerpoint/2010/main" val="351846919"/>
       </p:ext>
     </p:extLst>
   </p:cSld>
@@ -1656,8 +1911,8 @@
         </p:nvSpPr>
         <p:spPr>
           <a:xfrm>
-            <a:off x="839788" y="479144"/>
-            <a:ext cx="10515600" cy="1739495"/>
+            <a:off x="839788" y="574990"/>
+            <a:ext cx="10515600" cy="2087455"/>
           </a:xfrm>
         </p:spPr>
         <p:txBody>
@@ -1684,8 +1939,8 @@
         </p:nvSpPr>
         <p:spPr>
           <a:xfrm>
-            <a:off x="839789" y="2206137"/>
-            <a:ext cx="5157787" cy="1081194"/>
+            <a:off x="839789" y="2647443"/>
+            <a:ext cx="5157787" cy="1297471"/>
           </a:xfrm>
         </p:spPr>
         <p:txBody>
@@ -1693,39 +1948,39 @@
           <a:lstStyle>
             <a:lvl1pPr marL="0" indent="0">
               <a:buNone/>
-              <a:defRPr sz="3150" b="1"/>
+              <a:defRPr sz="3200" b="1"/>
             </a:lvl1pPr>
-            <a:lvl2pPr marL="599984" indent="0">
-              <a:buNone/>
-              <a:defRPr sz="2625" b="1"/>
+            <a:lvl2pPr marL="609585" indent="0">
+              <a:buNone/>
+              <a:defRPr sz="2667" b="1"/>
             </a:lvl2pPr>
-            <a:lvl3pPr marL="1199967" indent="0">
-              <a:buNone/>
-              <a:defRPr sz="2362" b="1"/>
+            <a:lvl3pPr marL="1219170" indent="0">
+              <a:buNone/>
+              <a:defRPr sz="2400" b="1"/>
             </a:lvl3pPr>
-            <a:lvl4pPr marL="1799951" indent="0">
-              <a:buNone/>
-              <a:defRPr sz="2100" b="1"/>
+            <a:lvl4pPr marL="1828754" indent="0">
+              <a:buNone/>
+              <a:defRPr sz="2133" b="1"/>
             </a:lvl4pPr>
-            <a:lvl5pPr marL="2399934" indent="0">
-              <a:buNone/>
-              <a:defRPr sz="2100" b="1"/>
+            <a:lvl5pPr marL="2438339" indent="0">
+              <a:buNone/>
+              <a:defRPr sz="2133" b="1"/>
             </a:lvl5pPr>
-            <a:lvl6pPr marL="2999918" indent="0">
-              <a:buNone/>
-              <a:defRPr sz="2100" b="1"/>
+            <a:lvl6pPr marL="3047924" indent="0">
+              <a:buNone/>
+              <a:defRPr sz="2133" b="1"/>
             </a:lvl6pPr>
-            <a:lvl7pPr marL="3599901" indent="0">
-              <a:buNone/>
-              <a:defRPr sz="2100" b="1"/>
+            <a:lvl7pPr marL="3657509" indent="0">
+              <a:buNone/>
+              <a:defRPr sz="2133" b="1"/>
             </a:lvl7pPr>
-            <a:lvl8pPr marL="4199885" indent="0">
-              <a:buNone/>
-              <a:defRPr sz="2100" b="1"/>
+            <a:lvl8pPr marL="4267093" indent="0">
+              <a:buNone/>
+              <a:defRPr sz="2133" b="1"/>
             </a:lvl8pPr>
-            <a:lvl9pPr marL="4799868" indent="0">
-              <a:buNone/>
-              <a:defRPr sz="2100" b="1"/>
+            <a:lvl9pPr marL="4876678" indent="0">
+              <a:buNone/>
+              <a:defRPr sz="2133" b="1"/>
             </a:lvl9pPr>
           </a:lstStyle>
           <a:p>
@@ -1749,8 +2004,8 @@
         </p:nvSpPr>
         <p:spPr>
           <a:xfrm>
-            <a:off x="839789" y="3287331"/>
-            <a:ext cx="5157787" cy="4835169"/>
+            <a:off x="839789" y="3944914"/>
+            <a:ext cx="5157787" cy="5802373"/>
           </a:xfrm>
         </p:spPr>
         <p:txBody>
@@ -1806,8 +2061,8 @@
         </p:nvSpPr>
         <p:spPr>
           <a:xfrm>
-            <a:off x="6172201" y="2206137"/>
-            <a:ext cx="5183188" cy="1081194"/>
+            <a:off x="6172201" y="2647443"/>
+            <a:ext cx="5183188" cy="1297471"/>
           </a:xfrm>
         </p:spPr>
         <p:txBody>
@@ -1815,39 +2070,39 @@
           <a:lstStyle>
             <a:lvl1pPr marL="0" indent="0">
               <a:buNone/>
-              <a:defRPr sz="3150" b="1"/>
+              <a:defRPr sz="3200" b="1"/>
             </a:lvl1pPr>
-            <a:lvl2pPr marL="599984" indent="0">
-              <a:buNone/>
-              <a:defRPr sz="2625" b="1"/>
+            <a:lvl2pPr marL="609585" indent="0">
+              <a:buNone/>
+              <a:defRPr sz="2667" b="1"/>
             </a:lvl2pPr>
-            <a:lvl3pPr marL="1199967" indent="0">
-              <a:buNone/>
-              <a:defRPr sz="2362" b="1"/>
+            <a:lvl3pPr marL="1219170" indent="0">
+              <a:buNone/>
+              <a:defRPr sz="2400" b="1"/>
             </a:lvl3pPr>
-            <a:lvl4pPr marL="1799951" indent="0">
-              <a:buNone/>
-              <a:defRPr sz="2100" b="1"/>
+            <a:lvl4pPr marL="1828754" indent="0">
+              <a:buNone/>
+              <a:defRPr sz="2133" b="1"/>
             </a:lvl4pPr>
-            <a:lvl5pPr marL="2399934" indent="0">
-              <a:buNone/>
-              <a:defRPr sz="2100" b="1"/>
+            <a:lvl5pPr marL="2438339" indent="0">
+              <a:buNone/>
+              <a:defRPr sz="2133" b="1"/>
             </a:lvl5pPr>
-            <a:lvl6pPr marL="2999918" indent="0">
-              <a:buNone/>
-              <a:defRPr sz="2100" b="1"/>
+            <a:lvl6pPr marL="3047924" indent="0">
+              <a:buNone/>
+              <a:defRPr sz="2133" b="1"/>
             </a:lvl6pPr>
-            <a:lvl7pPr marL="3599901" indent="0">
-              <a:buNone/>
-              <a:defRPr sz="2100" b="1"/>
+            <a:lvl7pPr marL="3657509" indent="0">
+              <a:buNone/>
+              <a:defRPr sz="2133" b="1"/>
             </a:lvl7pPr>
-            <a:lvl8pPr marL="4199885" indent="0">
-              <a:buNone/>
-              <a:defRPr sz="2100" b="1"/>
+            <a:lvl8pPr marL="4267093" indent="0">
+              <a:buNone/>
+              <a:defRPr sz="2133" b="1"/>
             </a:lvl8pPr>
-            <a:lvl9pPr marL="4799868" indent="0">
-              <a:buNone/>
-              <a:defRPr sz="2100" b="1"/>
+            <a:lvl9pPr marL="4876678" indent="0">
+              <a:buNone/>
+              <a:defRPr sz="2133" b="1"/>
             </a:lvl9pPr>
           </a:lstStyle>
           <a:p>
@@ -1871,8 +2126,8 @@
         </p:nvSpPr>
         <p:spPr>
           <a:xfrm>
-            <a:off x="6172201" y="3287331"/>
-            <a:ext cx="5183188" cy="4835169"/>
+            <a:off x="6172201" y="3944914"/>
+            <a:ext cx="5183188" cy="5802373"/>
           </a:xfrm>
         </p:spPr>
         <p:txBody>
@@ -1933,7 +2188,7 @@
           <a:p>
             <a:fld id="{4906B8C8-EA00-4A12-BB7F-A6E92F5ACBF9}" type="datetimeFigureOut">
               <a:rPr lang="en-GB" smtClean="0"/>
-              <a:t>19/08/2024</a:t>
+              <a:t>04/11/2024</a:t>
             </a:fld>
             <a:endParaRPr lang="en-GB"/>
           </a:p>
@@ -1984,7 +2239,7 @@
     </p:spTree>
     <p:extLst>
       <p:ext uri="{BB962C8B-B14F-4D97-AF65-F5344CB8AC3E}">
-        <p14:creationId xmlns:p14="http://schemas.microsoft.com/office/powerpoint/2010/main" val="3629185284"/>
+        <p14:creationId xmlns:p14="http://schemas.microsoft.com/office/powerpoint/2010/main" val="1180548368"/>
       </p:ext>
     </p:extLst>
   </p:cSld>
@@ -2051,7 +2306,7 @@
           <a:p>
             <a:fld id="{4906B8C8-EA00-4A12-BB7F-A6E92F5ACBF9}" type="datetimeFigureOut">
               <a:rPr lang="en-GB" smtClean="0"/>
-              <a:t>19/08/2024</a:t>
+              <a:t>04/11/2024</a:t>
             </a:fld>
             <a:endParaRPr lang="en-GB"/>
           </a:p>
@@ -2102,7 +2357,7 @@
     </p:spTree>
     <p:extLst>
       <p:ext uri="{BB962C8B-B14F-4D97-AF65-F5344CB8AC3E}">
-        <p14:creationId xmlns:p14="http://schemas.microsoft.com/office/powerpoint/2010/main" val="312408166"/>
+        <p14:creationId xmlns:p14="http://schemas.microsoft.com/office/powerpoint/2010/main" val="3376723758"/>
       </p:ext>
     </p:extLst>
   </p:cSld>
@@ -2146,7 +2401,7 @@
           <a:p>
             <a:fld id="{4906B8C8-EA00-4A12-BB7F-A6E92F5ACBF9}" type="datetimeFigureOut">
               <a:rPr lang="en-GB" smtClean="0"/>
-              <a:t>19/08/2024</a:t>
+              <a:t>04/11/2024</a:t>
             </a:fld>
             <a:endParaRPr lang="en-GB"/>
           </a:p>
@@ -2197,7 +2452,7 @@
     </p:spTree>
     <p:extLst>
       <p:ext uri="{BB962C8B-B14F-4D97-AF65-F5344CB8AC3E}">
-        <p14:creationId xmlns:p14="http://schemas.microsoft.com/office/powerpoint/2010/main" val="2608218592"/>
+        <p14:creationId xmlns:p14="http://schemas.microsoft.com/office/powerpoint/2010/main" val="2730547616"/>
       </p:ext>
     </p:extLst>
   </p:cSld>
@@ -2236,15 +2491,15 @@
         </p:nvSpPr>
         <p:spPr>
           <a:xfrm>
-            <a:off x="839788" y="599969"/>
-            <a:ext cx="3932237" cy="2099892"/>
+            <a:off x="839788" y="719984"/>
+            <a:ext cx="3932237" cy="2519945"/>
           </a:xfrm>
         </p:spPr>
         <p:txBody>
           <a:bodyPr anchor="b"/>
           <a:lstStyle>
             <a:lvl1pPr>
-              <a:defRPr sz="4199"/>
+              <a:defRPr sz="4267"/>
             </a:lvl1pPr>
           </a:lstStyle>
           <a:p>
@@ -2268,39 +2523,39 @@
         </p:nvSpPr>
         <p:spPr>
           <a:xfrm>
-            <a:off x="5183188" y="1295769"/>
-            <a:ext cx="6172200" cy="6395505"/>
+            <a:off x="5183188" y="1554968"/>
+            <a:ext cx="6172200" cy="7674832"/>
           </a:xfrm>
         </p:spPr>
         <p:txBody>
           <a:bodyPr/>
           <a:lstStyle>
             <a:lvl1pPr>
-              <a:defRPr sz="4199"/>
+              <a:defRPr sz="4267"/>
             </a:lvl1pPr>
             <a:lvl2pPr>
-              <a:defRPr sz="3674"/>
+              <a:defRPr sz="3733"/>
             </a:lvl2pPr>
             <a:lvl3pPr>
-              <a:defRPr sz="3150"/>
+              <a:defRPr sz="3200"/>
             </a:lvl3pPr>
             <a:lvl4pPr>
-              <a:defRPr sz="2625"/>
+              <a:defRPr sz="2667"/>
             </a:lvl4pPr>
             <a:lvl5pPr>
-              <a:defRPr sz="2625"/>
+              <a:defRPr sz="2667"/>
             </a:lvl5pPr>
             <a:lvl6pPr>
-              <a:defRPr sz="2625"/>
+              <a:defRPr sz="2667"/>
             </a:lvl6pPr>
             <a:lvl7pPr>
-              <a:defRPr sz="2625"/>
+              <a:defRPr sz="2667"/>
             </a:lvl7pPr>
             <a:lvl8pPr>
-              <a:defRPr sz="2625"/>
+              <a:defRPr sz="2667"/>
             </a:lvl8pPr>
             <a:lvl9pPr>
-              <a:defRPr sz="2625"/>
+              <a:defRPr sz="2667"/>
             </a:lvl9pPr>
           </a:lstStyle>
           <a:p>
@@ -2353,8 +2608,8 @@
         </p:nvSpPr>
         <p:spPr>
           <a:xfrm>
-            <a:off x="839788" y="2699862"/>
-            <a:ext cx="3932237" cy="5001827"/>
+            <a:off x="839788" y="3239929"/>
+            <a:ext cx="3932237" cy="6002369"/>
           </a:xfrm>
         </p:spPr>
         <p:txBody>
@@ -2362,39 +2617,39 @@
           <a:lstStyle>
             <a:lvl1pPr marL="0" indent="0">
               <a:buNone/>
-              <a:defRPr sz="2100"/>
+              <a:defRPr sz="2133"/>
             </a:lvl1pPr>
-            <a:lvl2pPr marL="599984" indent="0">
-              <a:buNone/>
-              <a:defRPr sz="1837"/>
+            <a:lvl2pPr marL="609585" indent="0">
+              <a:buNone/>
+              <a:defRPr sz="1867"/>
             </a:lvl2pPr>
-            <a:lvl3pPr marL="1199967" indent="0">
-              <a:buNone/>
-              <a:defRPr sz="1575"/>
+            <a:lvl3pPr marL="1219170" indent="0">
+              <a:buNone/>
+              <a:defRPr sz="1600"/>
             </a:lvl3pPr>
-            <a:lvl4pPr marL="1799951" indent="0">
-              <a:buNone/>
-              <a:defRPr sz="1312"/>
+            <a:lvl4pPr marL="1828754" indent="0">
+              <a:buNone/>
+              <a:defRPr sz="1333"/>
             </a:lvl4pPr>
-            <a:lvl5pPr marL="2399934" indent="0">
-              <a:buNone/>
-              <a:defRPr sz="1312"/>
+            <a:lvl5pPr marL="2438339" indent="0">
+              <a:buNone/>
+              <a:defRPr sz="1333"/>
             </a:lvl5pPr>
-            <a:lvl6pPr marL="2999918" indent="0">
-              <a:buNone/>
-              <a:defRPr sz="1312"/>
+            <a:lvl6pPr marL="3047924" indent="0">
+              <a:buNone/>
+              <a:defRPr sz="1333"/>
             </a:lvl6pPr>
-            <a:lvl7pPr marL="3599901" indent="0">
-              <a:buNone/>
-              <a:defRPr sz="1312"/>
+            <a:lvl7pPr marL="3657509" indent="0">
+              <a:buNone/>
+              <a:defRPr sz="1333"/>
             </a:lvl7pPr>
-            <a:lvl8pPr marL="4199885" indent="0">
-              <a:buNone/>
-              <a:defRPr sz="1312"/>
+            <a:lvl8pPr marL="4267093" indent="0">
+              <a:buNone/>
+              <a:defRPr sz="1333"/>
             </a:lvl8pPr>
-            <a:lvl9pPr marL="4799868" indent="0">
-              <a:buNone/>
-              <a:defRPr sz="1312"/>
+            <a:lvl9pPr marL="4876678" indent="0">
+              <a:buNone/>
+              <a:defRPr sz="1333"/>
             </a:lvl9pPr>
           </a:lstStyle>
           <a:p>
@@ -2423,7 +2678,7 @@
           <a:p>
             <a:fld id="{4906B8C8-EA00-4A12-BB7F-A6E92F5ACBF9}" type="datetimeFigureOut">
               <a:rPr lang="en-GB" smtClean="0"/>
-              <a:t>19/08/2024</a:t>
+              <a:t>04/11/2024</a:t>
             </a:fld>
             <a:endParaRPr lang="en-GB"/>
           </a:p>
@@ -2474,7 +2729,7 @@
     </p:spTree>
     <p:extLst>
       <p:ext uri="{BB962C8B-B14F-4D97-AF65-F5344CB8AC3E}">
-        <p14:creationId xmlns:p14="http://schemas.microsoft.com/office/powerpoint/2010/main" val="1224836052"/>
+        <p14:creationId xmlns:p14="http://schemas.microsoft.com/office/powerpoint/2010/main" val="133154133"/>
       </p:ext>
     </p:extLst>
   </p:cSld>
@@ -2513,15 +2768,15 @@
         </p:nvSpPr>
         <p:spPr>
           <a:xfrm>
-            <a:off x="839788" y="599969"/>
-            <a:ext cx="3932237" cy="2099892"/>
+            <a:off x="839788" y="719984"/>
+            <a:ext cx="3932237" cy="2519945"/>
           </a:xfrm>
         </p:spPr>
         <p:txBody>
           <a:bodyPr anchor="b"/>
           <a:lstStyle>
             <a:lvl1pPr>
-              <a:defRPr sz="4199"/>
+              <a:defRPr sz="4267"/>
             </a:lvl1pPr>
           </a:lstStyle>
           <a:p>
@@ -2545,8 +2800,8 @@
         </p:nvSpPr>
         <p:spPr>
           <a:xfrm>
-            <a:off x="5183188" y="1295769"/>
-            <a:ext cx="6172200" cy="6395505"/>
+            <a:off x="5183188" y="1554968"/>
+            <a:ext cx="6172200" cy="7674832"/>
           </a:xfrm>
         </p:spPr>
         <p:txBody>
@@ -2554,39 +2809,39 @@
           <a:lstStyle>
             <a:lvl1pPr marL="0" indent="0">
               <a:buNone/>
-              <a:defRPr sz="4199"/>
+              <a:defRPr sz="4267"/>
             </a:lvl1pPr>
-            <a:lvl2pPr marL="599984" indent="0">
-              <a:buNone/>
-              <a:defRPr sz="3674"/>
+            <a:lvl2pPr marL="609585" indent="0">
+              <a:buNone/>
+              <a:defRPr sz="3733"/>
             </a:lvl2pPr>
-            <a:lvl3pPr marL="1199967" indent="0">
-              <a:buNone/>
-              <a:defRPr sz="3150"/>
+            <a:lvl3pPr marL="1219170" indent="0">
+              <a:buNone/>
+              <a:defRPr sz="3200"/>
             </a:lvl3pPr>
-            <a:lvl4pPr marL="1799951" indent="0">
-              <a:buNone/>
-              <a:defRPr sz="2625"/>
+            <a:lvl4pPr marL="1828754" indent="0">
+              <a:buNone/>
+              <a:defRPr sz="2667"/>
             </a:lvl4pPr>
-            <a:lvl5pPr marL="2399934" indent="0">
-              <a:buNone/>
-              <a:defRPr sz="2625"/>
+            <a:lvl5pPr marL="2438339" indent="0">
+              <a:buNone/>
+              <a:defRPr sz="2667"/>
             </a:lvl5pPr>
-            <a:lvl6pPr marL="2999918" indent="0">
-              <a:buNone/>
-              <a:defRPr sz="2625"/>
+            <a:lvl6pPr marL="3047924" indent="0">
+              <a:buNone/>
+              <a:defRPr sz="2667"/>
             </a:lvl6pPr>
-            <a:lvl7pPr marL="3599901" indent="0">
-              <a:buNone/>
-              <a:defRPr sz="2625"/>
+            <a:lvl7pPr marL="3657509" indent="0">
+              <a:buNone/>
+              <a:defRPr sz="2667"/>
             </a:lvl7pPr>
-            <a:lvl8pPr marL="4199885" indent="0">
-              <a:buNone/>
-              <a:defRPr sz="2625"/>
+            <a:lvl8pPr marL="4267093" indent="0">
+              <a:buNone/>
+              <a:defRPr sz="2667"/>
             </a:lvl8pPr>
-            <a:lvl9pPr marL="4799868" indent="0">
-              <a:buNone/>
-              <a:defRPr sz="2625"/>
+            <a:lvl9pPr marL="4876678" indent="0">
+              <a:buNone/>
+              <a:defRPr sz="2667"/>
             </a:lvl9pPr>
           </a:lstStyle>
           <a:p>
@@ -2610,8 +2865,8 @@
         </p:nvSpPr>
         <p:spPr>
           <a:xfrm>
-            <a:off x="839788" y="2699862"/>
-            <a:ext cx="3932237" cy="5001827"/>
+            <a:off x="839788" y="3239929"/>
+            <a:ext cx="3932237" cy="6002369"/>
           </a:xfrm>
         </p:spPr>
         <p:txBody>
@@ -2619,39 +2874,39 @@
           <a:lstStyle>
             <a:lvl1pPr marL="0" indent="0">
               <a:buNone/>
-              <a:defRPr sz="2100"/>
+              <a:defRPr sz="2133"/>
             </a:lvl1pPr>
-            <a:lvl2pPr marL="599984" indent="0">
-              <a:buNone/>
-              <a:defRPr sz="1837"/>
+            <a:lvl2pPr marL="609585" indent="0">
+              <a:buNone/>
+              <a:defRPr sz="1867"/>
             </a:lvl2pPr>
-            <a:lvl3pPr marL="1199967" indent="0">
-              <a:buNone/>
-              <a:defRPr sz="1575"/>
+            <a:lvl3pPr marL="1219170" indent="0">
+              <a:buNone/>
+              <a:defRPr sz="1600"/>
             </a:lvl3pPr>
-            <a:lvl4pPr marL="1799951" indent="0">
-              <a:buNone/>
-              <a:defRPr sz="1312"/>
+            <a:lvl4pPr marL="1828754" indent="0">
+              <a:buNone/>
+              <a:defRPr sz="1333"/>
             </a:lvl4pPr>
-            <a:lvl5pPr marL="2399934" indent="0">
-              <a:buNone/>
-              <a:defRPr sz="1312"/>
+            <a:lvl5pPr marL="2438339" indent="0">
+              <a:buNone/>
+              <a:defRPr sz="1333"/>
             </a:lvl5pPr>
-            <a:lvl6pPr marL="2999918" indent="0">
-              <a:buNone/>
-              <a:defRPr sz="1312"/>
+            <a:lvl6pPr marL="3047924" indent="0">
+              <a:buNone/>
+              <a:defRPr sz="1333"/>
             </a:lvl6pPr>
-            <a:lvl7pPr marL="3599901" indent="0">
-              <a:buNone/>
-              <a:defRPr sz="1312"/>
+            <a:lvl7pPr marL="3657509" indent="0">
+              <a:buNone/>
+              <a:defRPr sz="1333"/>
             </a:lvl7pPr>
-            <a:lvl8pPr marL="4199885" indent="0">
-              <a:buNone/>
-              <a:defRPr sz="1312"/>
+            <a:lvl8pPr marL="4267093" indent="0">
+              <a:buNone/>
+              <a:defRPr sz="1333"/>
             </a:lvl8pPr>
-            <a:lvl9pPr marL="4799868" indent="0">
-              <a:buNone/>
-              <a:defRPr sz="1312"/>
+            <a:lvl9pPr marL="4876678" indent="0">
+              <a:buNone/>
+              <a:defRPr sz="1333"/>
             </a:lvl9pPr>
           </a:lstStyle>
           <a:p>
@@ -2680,7 +2935,7 @@
           <a:p>
             <a:fld id="{4906B8C8-EA00-4A12-BB7F-A6E92F5ACBF9}" type="datetimeFigureOut">
               <a:rPr lang="en-GB" smtClean="0"/>
-              <a:t>19/08/2024</a:t>
+              <a:t>04/11/2024</a:t>
             </a:fld>
             <a:endParaRPr lang="en-GB"/>
           </a:p>
@@ -2731,7 +2986,7 @@
     </p:spTree>
     <p:extLst>
       <p:ext uri="{BB962C8B-B14F-4D97-AF65-F5344CB8AC3E}">
-        <p14:creationId xmlns:p14="http://schemas.microsoft.com/office/powerpoint/2010/main" val="1167680474"/>
+        <p14:creationId xmlns:p14="http://schemas.microsoft.com/office/powerpoint/2010/main" val="263593696"/>
       </p:ext>
     </p:extLst>
   </p:cSld>
@@ -2775,8 +3030,8 @@
         </p:nvSpPr>
         <p:spPr>
           <a:xfrm>
-            <a:off x="838200" y="479144"/>
-            <a:ext cx="10515600" cy="1739495"/>
+            <a:off x="838200" y="574990"/>
+            <a:ext cx="10515600" cy="2087455"/>
           </a:xfrm>
           <a:prstGeom prst="rect">
             <a:avLst/>
@@ -2808,8 +3063,8 @@
         </p:nvSpPr>
         <p:spPr>
           <a:xfrm>
-            <a:off x="838200" y="2395710"/>
-            <a:ext cx="10515600" cy="5710124"/>
+            <a:off x="838200" y="2874937"/>
+            <a:ext cx="10515600" cy="6852350"/>
           </a:xfrm>
           <a:prstGeom prst="rect">
             <a:avLst/>
@@ -2870,8 +3125,8 @@
         </p:nvSpPr>
         <p:spPr>
           <a:xfrm>
-            <a:off x="838200" y="8341240"/>
-            <a:ext cx="2743200" cy="479142"/>
+            <a:off x="838200" y="10009783"/>
+            <a:ext cx="2743200" cy="574987"/>
           </a:xfrm>
           <a:prstGeom prst="rect">
             <a:avLst/>
@@ -2881,7 +3136,7 @@
           <a:bodyPr vert="horz" lIns="91440" tIns="45720" rIns="91440" bIns="45720" rtlCol="0" anchor="ctr"/>
           <a:lstStyle>
             <a:lvl1pPr algn="l">
-              <a:defRPr sz="1575">
+              <a:defRPr sz="1600">
                 <a:solidFill>
                   <a:schemeClr val="tx1">
                     <a:tint val="82000"/>
@@ -2893,7 +3148,7 @@
           <a:p>
             <a:fld id="{4906B8C8-EA00-4A12-BB7F-A6E92F5ACBF9}" type="datetimeFigureOut">
               <a:rPr lang="en-GB" smtClean="0"/>
-              <a:t>19/08/2024</a:t>
+              <a:t>04/11/2024</a:t>
             </a:fld>
             <a:endParaRPr lang="en-GB"/>
           </a:p>
@@ -2911,8 +3166,8 @@
         </p:nvSpPr>
         <p:spPr>
           <a:xfrm>
-            <a:off x="4038600" y="8341240"/>
-            <a:ext cx="4114800" cy="479142"/>
+            <a:off x="4038600" y="10009783"/>
+            <a:ext cx="4114800" cy="574987"/>
           </a:xfrm>
           <a:prstGeom prst="rect">
             <a:avLst/>
@@ -2922,7 +3177,7 @@
           <a:bodyPr vert="horz" lIns="91440" tIns="45720" rIns="91440" bIns="45720" rtlCol="0" anchor="ctr"/>
           <a:lstStyle>
             <a:lvl1pPr algn="ctr">
-              <a:defRPr sz="1575">
+              <a:defRPr sz="1600">
                 <a:solidFill>
                   <a:schemeClr val="tx1">
                     <a:tint val="82000"/>
@@ -2948,8 +3203,8 @@
         </p:nvSpPr>
         <p:spPr>
           <a:xfrm>
-            <a:off x="8610600" y="8341240"/>
-            <a:ext cx="2743200" cy="479142"/>
+            <a:off x="8610600" y="10009783"/>
+            <a:ext cx="2743200" cy="574987"/>
           </a:xfrm>
           <a:prstGeom prst="rect">
             <a:avLst/>
@@ -2959,7 +3214,7 @@
           <a:bodyPr vert="horz" lIns="91440" tIns="45720" rIns="91440" bIns="45720" rtlCol="0" anchor="ctr"/>
           <a:lstStyle>
             <a:lvl1pPr algn="r">
-              <a:defRPr sz="1575">
+              <a:defRPr sz="1600">
                 <a:solidFill>
                   <a:schemeClr val="tx1">
                     <a:tint val="82000"/>
@@ -2980,27 +3235,27 @@
     </p:spTree>
     <p:extLst>
       <p:ext uri="{BB962C8B-B14F-4D97-AF65-F5344CB8AC3E}">
-        <p14:creationId xmlns:p14="http://schemas.microsoft.com/office/powerpoint/2010/main" val="1192515176"/>
+        <p14:creationId xmlns:p14="http://schemas.microsoft.com/office/powerpoint/2010/main" val="2804736364"/>
       </p:ext>
     </p:extLst>
   </p:cSld>
   <p:clrMap bg1="lt1" tx1="dk1" bg2="lt2" tx2="dk2" accent1="accent1" accent2="accent2" accent3="accent3" accent4="accent4" accent5="accent5" accent6="accent6" hlink="hlink" folHlink="folHlink"/>
   <p:sldLayoutIdLst>
-    <p:sldLayoutId id="2147483661" r:id="rId1"/>
-    <p:sldLayoutId id="2147483662" r:id="rId2"/>
-    <p:sldLayoutId id="2147483663" r:id="rId3"/>
-    <p:sldLayoutId id="2147483664" r:id="rId4"/>
-    <p:sldLayoutId id="2147483665" r:id="rId5"/>
-    <p:sldLayoutId id="2147483666" r:id="rId6"/>
-    <p:sldLayoutId id="2147483667" r:id="rId7"/>
-    <p:sldLayoutId id="2147483668" r:id="rId8"/>
-    <p:sldLayoutId id="2147483669" r:id="rId9"/>
-    <p:sldLayoutId id="2147483670" r:id="rId10"/>
-    <p:sldLayoutId id="2147483671" r:id="rId11"/>
+    <p:sldLayoutId id="2147483673" r:id="rId1"/>
+    <p:sldLayoutId id="2147483674" r:id="rId2"/>
+    <p:sldLayoutId id="2147483675" r:id="rId3"/>
+    <p:sldLayoutId id="2147483676" r:id="rId4"/>
+    <p:sldLayoutId id="2147483677" r:id="rId5"/>
+    <p:sldLayoutId id="2147483678" r:id="rId6"/>
+    <p:sldLayoutId id="2147483679" r:id="rId7"/>
+    <p:sldLayoutId id="2147483680" r:id="rId8"/>
+    <p:sldLayoutId id="2147483681" r:id="rId9"/>
+    <p:sldLayoutId id="2147483682" r:id="rId10"/>
+    <p:sldLayoutId id="2147483683" r:id="rId11"/>
   </p:sldLayoutIdLst>
   <p:txStyles>
     <p:titleStyle>
-      <a:lvl1pPr algn="l" defTabSz="1199967" rtl="0" eaLnBrk="1" latinLnBrk="0" hangingPunct="1">
+      <a:lvl1pPr algn="l" defTabSz="1219170" rtl="0" eaLnBrk="1" latinLnBrk="0" hangingPunct="1">
         <a:lnSpc>
           <a:spcPct val="90000"/>
         </a:lnSpc>
@@ -3008,7 +3263,7 @@
           <a:spcPct val="0"/>
         </a:spcBef>
         <a:buNone/>
-        <a:defRPr sz="5774" kern="1200">
+        <a:defRPr sz="5867" kern="1200">
           <a:solidFill>
             <a:schemeClr val="tx1"/>
           </a:solidFill>
@@ -3019,16 +3274,16 @@
       </a:lvl1pPr>
     </p:titleStyle>
     <p:bodyStyle>
-      <a:lvl1pPr marL="299992" indent="-299992" algn="l" defTabSz="1199967" rtl="0" eaLnBrk="1" latinLnBrk="0" hangingPunct="1">
+      <a:lvl1pPr marL="304792" indent="-304792" algn="l" defTabSz="1219170" rtl="0" eaLnBrk="1" latinLnBrk="0" hangingPunct="1">
         <a:lnSpc>
           <a:spcPct val="90000"/>
         </a:lnSpc>
         <a:spcBef>
-          <a:spcPts val="1312"/>
+          <a:spcPts val="1333"/>
         </a:spcBef>
         <a:buFont typeface="Arial" panose="020B0604020202020204" pitchFamily="34" charset="0"/>
         <a:buChar char="•"/>
-        <a:defRPr sz="3674" kern="1200">
+        <a:defRPr sz="3733" kern="1200">
           <a:solidFill>
             <a:schemeClr val="tx1"/>
           </a:solidFill>
@@ -3037,16 +3292,16 @@
           <a:cs typeface="+mn-cs"/>
         </a:defRPr>
       </a:lvl1pPr>
-      <a:lvl2pPr marL="899975" indent="-299992" algn="l" defTabSz="1199967" rtl="0" eaLnBrk="1" latinLnBrk="0" hangingPunct="1">
+      <a:lvl2pPr marL="914377" indent="-304792" algn="l" defTabSz="1219170" rtl="0" eaLnBrk="1" latinLnBrk="0" hangingPunct="1">
         <a:lnSpc>
           <a:spcPct val="90000"/>
         </a:lnSpc>
         <a:spcBef>
-          <a:spcPts val="656"/>
+          <a:spcPts val="667"/>
         </a:spcBef>
         <a:buFont typeface="Arial" panose="020B0604020202020204" pitchFamily="34" charset="0"/>
         <a:buChar char="•"/>
-        <a:defRPr sz="3150" kern="1200">
+        <a:defRPr sz="3200" kern="1200">
           <a:solidFill>
             <a:schemeClr val="tx1"/>
           </a:solidFill>
@@ -3055,16 +3310,16 @@
           <a:cs typeface="+mn-cs"/>
         </a:defRPr>
       </a:lvl2pPr>
-      <a:lvl3pPr marL="1499959" indent="-299992" algn="l" defTabSz="1199967" rtl="0" eaLnBrk="1" latinLnBrk="0" hangingPunct="1">
+      <a:lvl3pPr marL="1523962" indent="-304792" algn="l" defTabSz="1219170" rtl="0" eaLnBrk="1" latinLnBrk="0" hangingPunct="1">
         <a:lnSpc>
           <a:spcPct val="90000"/>
         </a:lnSpc>
         <a:spcBef>
-          <a:spcPts val="656"/>
+          <a:spcPts val="667"/>
         </a:spcBef>
         <a:buFont typeface="Arial" panose="020B0604020202020204" pitchFamily="34" charset="0"/>
         <a:buChar char="•"/>
-        <a:defRPr sz="2625" kern="1200">
+        <a:defRPr sz="2667" kern="1200">
           <a:solidFill>
             <a:schemeClr val="tx1"/>
           </a:solidFill>
@@ -3073,16 +3328,16 @@
           <a:cs typeface="+mn-cs"/>
         </a:defRPr>
       </a:lvl3pPr>
-      <a:lvl4pPr marL="2099942" indent="-299992" algn="l" defTabSz="1199967" rtl="0" eaLnBrk="1" latinLnBrk="0" hangingPunct="1">
+      <a:lvl4pPr marL="2133547" indent="-304792" algn="l" defTabSz="1219170" rtl="0" eaLnBrk="1" latinLnBrk="0" hangingPunct="1">
         <a:lnSpc>
           <a:spcPct val="90000"/>
         </a:lnSpc>
         <a:spcBef>
-          <a:spcPts val="656"/>
+          <a:spcPts val="667"/>
         </a:spcBef>
         <a:buFont typeface="Arial" panose="020B0604020202020204" pitchFamily="34" charset="0"/>
         <a:buChar char="•"/>
-        <a:defRPr sz="2362" kern="1200">
+        <a:defRPr sz="2400" kern="1200">
           <a:solidFill>
             <a:schemeClr val="tx1"/>
           </a:solidFill>
@@ -3091,16 +3346,16 @@
           <a:cs typeface="+mn-cs"/>
         </a:defRPr>
       </a:lvl4pPr>
-      <a:lvl5pPr marL="2699926" indent="-299992" algn="l" defTabSz="1199967" rtl="0" eaLnBrk="1" latinLnBrk="0" hangingPunct="1">
+      <a:lvl5pPr marL="2743131" indent="-304792" algn="l" defTabSz="1219170" rtl="0" eaLnBrk="1" latinLnBrk="0" hangingPunct="1">
         <a:lnSpc>
           <a:spcPct val="90000"/>
         </a:lnSpc>
         <a:spcBef>
-          <a:spcPts val="656"/>
+          <a:spcPts val="667"/>
         </a:spcBef>
         <a:buFont typeface="Arial" panose="020B0604020202020204" pitchFamily="34" charset="0"/>
         <a:buChar char="•"/>
-        <a:defRPr sz="2362" kern="1200">
+        <a:defRPr sz="2400" kern="1200">
           <a:solidFill>
             <a:schemeClr val="tx1"/>
           </a:solidFill>
@@ -3109,16 +3364,16 @@
           <a:cs typeface="+mn-cs"/>
         </a:defRPr>
       </a:lvl5pPr>
-      <a:lvl6pPr marL="3299910" indent="-299992" algn="l" defTabSz="1199967" rtl="0" eaLnBrk="1" latinLnBrk="0" hangingPunct="1">
+      <a:lvl6pPr marL="3352716" indent="-304792" algn="l" defTabSz="1219170" rtl="0" eaLnBrk="1" latinLnBrk="0" hangingPunct="1">
         <a:lnSpc>
           <a:spcPct val="90000"/>
         </a:lnSpc>
         <a:spcBef>
-          <a:spcPts val="656"/>
+          <a:spcPts val="667"/>
         </a:spcBef>
         <a:buFont typeface="Arial" panose="020B0604020202020204" pitchFamily="34" charset="0"/>
         <a:buChar char="•"/>
-        <a:defRPr sz="2362" kern="1200">
+        <a:defRPr sz="2400" kern="1200">
           <a:solidFill>
             <a:schemeClr val="tx1"/>
           </a:solidFill>
@@ -3127,16 +3382,16 @@
           <a:cs typeface="+mn-cs"/>
         </a:defRPr>
       </a:lvl6pPr>
-      <a:lvl7pPr marL="3899893" indent="-299992" algn="l" defTabSz="1199967" rtl="0" eaLnBrk="1" latinLnBrk="0" hangingPunct="1">
+      <a:lvl7pPr marL="3962301" indent="-304792" algn="l" defTabSz="1219170" rtl="0" eaLnBrk="1" latinLnBrk="0" hangingPunct="1">
         <a:lnSpc>
           <a:spcPct val="90000"/>
         </a:lnSpc>
         <a:spcBef>
-          <a:spcPts val="656"/>
+          <a:spcPts val="667"/>
         </a:spcBef>
         <a:buFont typeface="Arial" panose="020B0604020202020204" pitchFamily="34" charset="0"/>
         <a:buChar char="•"/>
-        <a:defRPr sz="2362" kern="1200">
+        <a:defRPr sz="2400" kern="1200">
           <a:solidFill>
             <a:schemeClr val="tx1"/>
           </a:solidFill>
@@ -3145,16 +3400,16 @@
           <a:cs typeface="+mn-cs"/>
         </a:defRPr>
       </a:lvl7pPr>
-      <a:lvl8pPr marL="4499877" indent="-299992" algn="l" defTabSz="1199967" rtl="0" eaLnBrk="1" latinLnBrk="0" hangingPunct="1">
+      <a:lvl8pPr marL="4571886" indent="-304792" algn="l" defTabSz="1219170" rtl="0" eaLnBrk="1" latinLnBrk="0" hangingPunct="1">
         <a:lnSpc>
           <a:spcPct val="90000"/>
         </a:lnSpc>
         <a:spcBef>
-          <a:spcPts val="656"/>
+          <a:spcPts val="667"/>
         </a:spcBef>
         <a:buFont typeface="Arial" panose="020B0604020202020204" pitchFamily="34" charset="0"/>
         <a:buChar char="•"/>
-        <a:defRPr sz="2362" kern="1200">
+        <a:defRPr sz="2400" kern="1200">
           <a:solidFill>
             <a:schemeClr val="tx1"/>
           </a:solidFill>
@@ -3163,16 +3418,16 @@
           <a:cs typeface="+mn-cs"/>
         </a:defRPr>
       </a:lvl8pPr>
-      <a:lvl9pPr marL="5099860" indent="-299992" algn="l" defTabSz="1199967" rtl="0" eaLnBrk="1" latinLnBrk="0" hangingPunct="1">
+      <a:lvl9pPr marL="5181470" indent="-304792" algn="l" defTabSz="1219170" rtl="0" eaLnBrk="1" latinLnBrk="0" hangingPunct="1">
         <a:lnSpc>
           <a:spcPct val="90000"/>
         </a:lnSpc>
         <a:spcBef>
-          <a:spcPts val="656"/>
+          <a:spcPts val="667"/>
         </a:spcBef>
         <a:buFont typeface="Arial" panose="020B0604020202020204" pitchFamily="34" charset="0"/>
         <a:buChar char="•"/>
-        <a:defRPr sz="2362" kern="1200">
+        <a:defRPr sz="2400" kern="1200">
           <a:solidFill>
             <a:schemeClr val="tx1"/>
           </a:solidFill>
@@ -3186,8 +3441,8 @@
       <a:defPPr>
         <a:defRPr lang="en-US"/>
       </a:defPPr>
-      <a:lvl1pPr marL="0" algn="l" defTabSz="1199967" rtl="0" eaLnBrk="1" latinLnBrk="0" hangingPunct="1">
-        <a:defRPr sz="2362" kern="1200">
+      <a:lvl1pPr marL="0" algn="l" defTabSz="1219170" rtl="0" eaLnBrk="1" latinLnBrk="0" hangingPunct="1">
+        <a:defRPr sz="2400" kern="1200">
           <a:solidFill>
             <a:schemeClr val="tx1"/>
           </a:solidFill>
@@ -3196,8 +3451,8 @@
           <a:cs typeface="+mn-cs"/>
         </a:defRPr>
       </a:lvl1pPr>
-      <a:lvl2pPr marL="599984" algn="l" defTabSz="1199967" rtl="0" eaLnBrk="1" latinLnBrk="0" hangingPunct="1">
-        <a:defRPr sz="2362" kern="1200">
+      <a:lvl2pPr marL="609585" algn="l" defTabSz="1219170" rtl="0" eaLnBrk="1" latinLnBrk="0" hangingPunct="1">
+        <a:defRPr sz="2400" kern="1200">
           <a:solidFill>
             <a:schemeClr val="tx1"/>
           </a:solidFill>
@@ -3206,8 +3461,8 @@
           <a:cs typeface="+mn-cs"/>
         </a:defRPr>
       </a:lvl2pPr>
-      <a:lvl3pPr marL="1199967" algn="l" defTabSz="1199967" rtl="0" eaLnBrk="1" latinLnBrk="0" hangingPunct="1">
-        <a:defRPr sz="2362" kern="1200">
+      <a:lvl3pPr marL="1219170" algn="l" defTabSz="1219170" rtl="0" eaLnBrk="1" latinLnBrk="0" hangingPunct="1">
+        <a:defRPr sz="2400" kern="1200">
           <a:solidFill>
             <a:schemeClr val="tx1"/>
           </a:solidFill>
@@ -3216,8 +3471,8 @@
           <a:cs typeface="+mn-cs"/>
         </a:defRPr>
       </a:lvl3pPr>
-      <a:lvl4pPr marL="1799951" algn="l" defTabSz="1199967" rtl="0" eaLnBrk="1" latinLnBrk="0" hangingPunct="1">
-        <a:defRPr sz="2362" kern="1200">
+      <a:lvl4pPr marL="1828754" algn="l" defTabSz="1219170" rtl="0" eaLnBrk="1" latinLnBrk="0" hangingPunct="1">
+        <a:defRPr sz="2400" kern="1200">
           <a:solidFill>
             <a:schemeClr val="tx1"/>
           </a:solidFill>
@@ -3226,8 +3481,8 @@
           <a:cs typeface="+mn-cs"/>
         </a:defRPr>
       </a:lvl4pPr>
-      <a:lvl5pPr marL="2399934" algn="l" defTabSz="1199967" rtl="0" eaLnBrk="1" latinLnBrk="0" hangingPunct="1">
-        <a:defRPr sz="2362" kern="1200">
+      <a:lvl5pPr marL="2438339" algn="l" defTabSz="1219170" rtl="0" eaLnBrk="1" latinLnBrk="0" hangingPunct="1">
+        <a:defRPr sz="2400" kern="1200">
           <a:solidFill>
             <a:schemeClr val="tx1"/>
           </a:solidFill>
@@ -3236,8 +3491,8 @@
           <a:cs typeface="+mn-cs"/>
         </a:defRPr>
       </a:lvl5pPr>
-      <a:lvl6pPr marL="2999918" algn="l" defTabSz="1199967" rtl="0" eaLnBrk="1" latinLnBrk="0" hangingPunct="1">
-        <a:defRPr sz="2362" kern="1200">
+      <a:lvl6pPr marL="3047924" algn="l" defTabSz="1219170" rtl="0" eaLnBrk="1" latinLnBrk="0" hangingPunct="1">
+        <a:defRPr sz="2400" kern="1200">
           <a:solidFill>
             <a:schemeClr val="tx1"/>
           </a:solidFill>
@@ -3246,8 +3501,8 @@
           <a:cs typeface="+mn-cs"/>
         </a:defRPr>
       </a:lvl6pPr>
-      <a:lvl7pPr marL="3599901" algn="l" defTabSz="1199967" rtl="0" eaLnBrk="1" latinLnBrk="0" hangingPunct="1">
-        <a:defRPr sz="2362" kern="1200">
+      <a:lvl7pPr marL="3657509" algn="l" defTabSz="1219170" rtl="0" eaLnBrk="1" latinLnBrk="0" hangingPunct="1">
+        <a:defRPr sz="2400" kern="1200">
           <a:solidFill>
             <a:schemeClr val="tx1"/>
           </a:solidFill>
@@ -3256,8 +3511,8 @@
           <a:cs typeface="+mn-cs"/>
         </a:defRPr>
       </a:lvl7pPr>
-      <a:lvl8pPr marL="4199885" algn="l" defTabSz="1199967" rtl="0" eaLnBrk="1" latinLnBrk="0" hangingPunct="1">
-        <a:defRPr sz="2362" kern="1200">
+      <a:lvl8pPr marL="4267093" algn="l" defTabSz="1219170" rtl="0" eaLnBrk="1" latinLnBrk="0" hangingPunct="1">
+        <a:defRPr sz="2400" kern="1200">
           <a:solidFill>
             <a:schemeClr val="tx1"/>
           </a:solidFill>
@@ -3266,8 +3521,8 @@
           <a:cs typeface="+mn-cs"/>
         </a:defRPr>
       </a:lvl8pPr>
-      <a:lvl9pPr marL="4799868" algn="l" defTabSz="1199967" rtl="0" eaLnBrk="1" latinLnBrk="0" hangingPunct="1">
-        <a:defRPr sz="2362" kern="1200">
+      <a:lvl9pPr marL="4876678" algn="l" defTabSz="1219170" rtl="0" eaLnBrk="1" latinLnBrk="0" hangingPunct="1">
+        <a:defRPr sz="2400" kern="1200">
           <a:solidFill>
             <a:schemeClr val="tx1"/>
           </a:solidFill>
@@ -3333,7 +3588,7 @@
         </p:blipFill>
         <p:spPr>
           <a:xfrm>
-            <a:off x="5782119" y="1451013"/>
+            <a:off x="5782120" y="2351125"/>
             <a:ext cx="4858561" cy="2032754"/>
           </a:xfrm>
           <a:prstGeom prst="rect">
@@ -3368,7 +3623,7 @@
         </p:blipFill>
         <p:spPr>
           <a:xfrm>
-            <a:off x="5782119" y="3483390"/>
+            <a:off x="5782120" y="4383502"/>
             <a:ext cx="4858561" cy="2032758"/>
           </a:xfrm>
           <a:prstGeom prst="rect">
@@ -3403,7 +3658,7 @@
         </p:blipFill>
         <p:spPr>
           <a:xfrm>
-            <a:off x="5779875" y="5515767"/>
+            <a:off x="5779876" y="6415879"/>
             <a:ext cx="4858561" cy="2032758"/>
           </a:xfrm>
           <a:prstGeom prst="rect">
@@ -3439,7 +3694,7 @@
         </p:blipFill>
         <p:spPr>
           <a:xfrm>
-            <a:off x="870646" y="1451013"/>
+            <a:off x="870646" y="2351125"/>
             <a:ext cx="4906984" cy="2032754"/>
           </a:xfrm>
           <a:prstGeom prst="rect">
@@ -3474,7 +3729,7 @@
         </p:blipFill>
         <p:spPr>
           <a:xfrm>
-            <a:off x="870646" y="3483392"/>
+            <a:off x="870646" y="4383504"/>
             <a:ext cx="4906984" cy="2032754"/>
           </a:xfrm>
           <a:prstGeom prst="rect">
@@ -3509,7 +3764,7 @@
         </p:blipFill>
         <p:spPr>
           <a:xfrm>
-            <a:off x="881602" y="5515392"/>
+            <a:off x="881602" y="6415504"/>
             <a:ext cx="4906984" cy="2032754"/>
           </a:xfrm>
           <a:prstGeom prst="rect">
@@ -3544,7 +3799,7 @@
         </p:blipFill>
         <p:spPr>
           <a:xfrm>
-            <a:off x="10636191" y="1451013"/>
+            <a:off x="10636192" y="2351126"/>
             <a:ext cx="685163" cy="6092947"/>
           </a:xfrm>
           <a:prstGeom prst="rect">
@@ -3566,7 +3821,7 @@
         </p:nvSpPr>
         <p:spPr>
           <a:xfrm>
-            <a:off x="6096001" y="1177380"/>
+            <a:off x="6096002" y="2077493"/>
             <a:ext cx="1763111" cy="461665"/>
           </a:xfrm>
           <a:prstGeom prst="rect">
@@ -3610,7 +3865,7 @@
         </p:nvSpPr>
         <p:spPr>
           <a:xfrm>
-            <a:off x="8545712" y="1178498"/>
+            <a:off x="8545712" y="2078611"/>
             <a:ext cx="1840568" cy="461665"/>
           </a:xfrm>
           <a:prstGeom prst="rect">
@@ -3654,7 +3909,7 @@
         </p:nvSpPr>
         <p:spPr>
           <a:xfrm>
-            <a:off x="1246348" y="1177380"/>
+            <a:off x="1246348" y="2077493"/>
             <a:ext cx="1595758" cy="461665"/>
           </a:xfrm>
           <a:prstGeom prst="rect">
@@ -3698,7 +3953,7 @@
         </p:nvSpPr>
         <p:spPr>
           <a:xfrm>
-            <a:off x="3736185" y="1177380"/>
+            <a:off x="3736186" y="2077493"/>
             <a:ext cx="1673215" cy="461665"/>
           </a:xfrm>
           <a:prstGeom prst="rect">
@@ -3742,7 +3997,7 @@
         </p:nvSpPr>
         <p:spPr>
           <a:xfrm>
-            <a:off x="323116" y="2080847"/>
+            <a:off x="323116" y="2980959"/>
             <a:ext cx="553998" cy="772712"/>
           </a:xfrm>
           <a:prstGeom prst="rect">
@@ -3786,7 +4041,7 @@
         </p:nvSpPr>
         <p:spPr>
           <a:xfrm>
-            <a:off x="315569" y="3676607"/>
+            <a:off x="315569" y="4576720"/>
             <a:ext cx="553998" cy="1569725"/>
           </a:xfrm>
           <a:prstGeom prst="rect">
@@ -3830,7 +4085,7 @@
         </p:nvSpPr>
         <p:spPr>
           <a:xfrm>
-            <a:off x="323116" y="5696995"/>
+            <a:off x="323116" y="6597107"/>
             <a:ext cx="553998" cy="1610954"/>
           </a:xfrm>
           <a:prstGeom prst="rect">
@@ -3925,7 +4180,7 @@
         </p:blipFill>
         <p:spPr>
           <a:xfrm>
-            <a:off x="5782119" y="511899"/>
+            <a:off x="5782120" y="1412011"/>
             <a:ext cx="4858561" cy="2032754"/>
           </a:xfrm>
           <a:prstGeom prst="rect">
@@ -3960,7 +4215,7 @@
         </p:blipFill>
         <p:spPr>
           <a:xfrm>
-            <a:off x="5782119" y="2544276"/>
+            <a:off x="5782120" y="3444388"/>
             <a:ext cx="4858561" cy="2032758"/>
           </a:xfrm>
           <a:prstGeom prst="rect">
@@ -3995,7 +4250,7 @@
         </p:blipFill>
         <p:spPr>
           <a:xfrm>
-            <a:off x="5779875" y="6484424"/>
+            <a:off x="5779876" y="7384536"/>
             <a:ext cx="4858561" cy="2032758"/>
           </a:xfrm>
           <a:prstGeom prst="rect">
@@ -4031,7 +4286,7 @@
         </p:blipFill>
         <p:spPr>
           <a:xfrm>
-            <a:off x="870646" y="511899"/>
+            <a:off x="870646" y="1412011"/>
             <a:ext cx="4906984" cy="2032754"/>
           </a:xfrm>
           <a:prstGeom prst="rect">
@@ -4066,7 +4321,7 @@
         </p:blipFill>
         <p:spPr>
           <a:xfrm>
-            <a:off x="870646" y="2544278"/>
+            <a:off x="870646" y="3444390"/>
             <a:ext cx="4906984" cy="2032754"/>
           </a:xfrm>
           <a:prstGeom prst="rect">
@@ -4101,7 +4356,7 @@
         </p:blipFill>
         <p:spPr>
           <a:xfrm>
-            <a:off x="881602" y="6484049"/>
+            <a:off x="881602" y="7384161"/>
             <a:ext cx="4906984" cy="2032754"/>
           </a:xfrm>
           <a:prstGeom prst="rect">
@@ -4136,7 +4391,7 @@
         </p:blipFill>
         <p:spPr>
           <a:xfrm>
-            <a:off x="10849232" y="420742"/>
+            <a:off x="10849233" y="1320854"/>
             <a:ext cx="874083" cy="7772952"/>
           </a:xfrm>
           <a:prstGeom prst="rect">
@@ -4158,7 +4413,7 @@
         </p:nvSpPr>
         <p:spPr>
           <a:xfrm>
-            <a:off x="6096001" y="238266"/>
+            <a:off x="6096002" y="1138379"/>
             <a:ext cx="1763111" cy="461665"/>
           </a:xfrm>
           <a:prstGeom prst="rect">
@@ -4202,7 +4457,7 @@
         </p:nvSpPr>
         <p:spPr>
           <a:xfrm>
-            <a:off x="8545712" y="239384"/>
+            <a:off x="8545712" y="1139497"/>
             <a:ext cx="1840568" cy="461665"/>
           </a:xfrm>
           <a:prstGeom prst="rect">
@@ -4246,7 +4501,7 @@
         </p:nvSpPr>
         <p:spPr>
           <a:xfrm>
-            <a:off x="1246348" y="238266"/>
+            <a:off x="1246348" y="1138379"/>
             <a:ext cx="1595758" cy="461665"/>
           </a:xfrm>
           <a:prstGeom prst="rect">
@@ -4290,7 +4545,7 @@
         </p:nvSpPr>
         <p:spPr>
           <a:xfrm>
-            <a:off x="3736185" y="238266"/>
+            <a:off x="3736186" y="1138379"/>
             <a:ext cx="1673215" cy="461665"/>
           </a:xfrm>
           <a:prstGeom prst="rect">
@@ -4334,7 +4589,7 @@
         </p:nvSpPr>
         <p:spPr>
           <a:xfrm>
-            <a:off x="323116" y="1141733"/>
+            <a:off x="323116" y="2041845"/>
             <a:ext cx="553998" cy="772712"/>
           </a:xfrm>
           <a:prstGeom prst="rect">
@@ -4378,7 +4633,7 @@
         </p:nvSpPr>
         <p:spPr>
           <a:xfrm>
-            <a:off x="315569" y="2737493"/>
+            <a:off x="315569" y="3637606"/>
             <a:ext cx="553998" cy="1569725"/>
           </a:xfrm>
           <a:prstGeom prst="rect">
@@ -4422,7 +4677,7 @@
         </p:nvSpPr>
         <p:spPr>
           <a:xfrm>
-            <a:off x="323116" y="6665652"/>
+            <a:off x="323116" y="7565764"/>
             <a:ext cx="553998" cy="1610954"/>
           </a:xfrm>
           <a:prstGeom prst="rect">
@@ -4480,7 +4735,7 @@
         </p:blipFill>
         <p:spPr>
           <a:xfrm>
-            <a:off x="5778637" y="4683741"/>
+            <a:off x="5778637" y="5583853"/>
             <a:ext cx="4890836" cy="1684830"/>
           </a:xfrm>
           <a:prstGeom prst="rect">
@@ -4516,7 +4771,7 @@
         </p:blipFill>
         <p:spPr>
           <a:xfrm>
-            <a:off x="869567" y="4571852"/>
+            <a:off x="869568" y="5471965"/>
             <a:ext cx="4880277" cy="1796719"/>
           </a:xfrm>
           <a:prstGeom prst="rect">
@@ -4538,7 +4793,7 @@
         </p:nvSpPr>
         <p:spPr>
           <a:xfrm>
-            <a:off x="323116" y="4763451"/>
+            <a:off x="323116" y="5663563"/>
             <a:ext cx="553998" cy="1450782"/>
           </a:xfrm>
           <a:prstGeom prst="rect">
@@ -4572,6 +4827,830 @@
     <p:extLst>
       <p:ext uri="{BB962C8B-B14F-4D97-AF65-F5344CB8AC3E}">
         <p14:creationId xmlns:p14="http://schemas.microsoft.com/office/powerpoint/2010/main" val="1344157717"/>
+      </p:ext>
+    </p:extLst>
+  </p:cSld>
+  <p:clrMapOvr>
+    <a:masterClrMapping/>
+  </p:clrMapOvr>
+</p:sld>
+</file>
+
+<file path=ppt/slides/slide3.xml><?xml version="1.0" encoding="utf-8"?>
+<p:sld xmlns:a="http://schemas.openxmlformats.org/drawingml/2006/main" xmlns:r="http://schemas.openxmlformats.org/officeDocument/2006/relationships" xmlns:p="http://schemas.openxmlformats.org/presentationml/2006/main">
+  <p:cSld>
+    <p:bg>
+      <p:bgPr>
+        <a:solidFill>
+          <a:schemeClr val="tx1"/>
+        </a:solidFill>
+        <a:effectLst/>
+      </p:bgPr>
+    </p:bg>
+    <p:spTree>
+      <p:nvGrpSpPr>
+        <p:cNvPr id="1" name=""/>
+        <p:cNvGrpSpPr/>
+        <p:nvPr/>
+      </p:nvGrpSpPr>
+      <p:grpSpPr>
+        <a:xfrm>
+          <a:off x="0" y="0"/>
+          <a:ext cx="0" cy="0"/>
+          <a:chOff x="0" y="0"/>
+          <a:chExt cx="0" cy="0"/>
+        </a:xfrm>
+      </p:grpSpPr>
+      <p:pic>
+        <p:nvPicPr>
+          <p:cNvPr id="25" name="Grafik 24" descr="Ein Bild, das Grafiken, Diagramm, Electric Blue (Farbe), Design enthält.&#10;&#10;Automatisch generierte Beschreibung">
+            <a:extLst>
+              <a:ext uri="{FF2B5EF4-FFF2-40B4-BE49-F238E27FC236}">
+                <a16:creationId xmlns:a16="http://schemas.microsoft.com/office/drawing/2014/main" id="{EC1F82E0-E65D-1C88-6830-B935EAFFB090}"/>
+              </a:ext>
+            </a:extLst>
+          </p:cNvPr>
+          <p:cNvPicPr>
+            <a:picLocks noChangeAspect="1"/>
+          </p:cNvPicPr>
+          <p:nvPr/>
+        </p:nvPicPr>
+        <p:blipFill>
+          <a:blip r:embed="rId2">
+            <a:alphaModFix/>
+            <a:extLst>
+              <a:ext uri="{28A0092B-C50C-407E-A947-70E740481C1C}">
+                <a14:useLocalDpi xmlns:a14="http://schemas.microsoft.com/office/drawing/2010/main" val="0"/>
+              </a:ext>
+            </a:extLst>
+          </a:blip>
+          <a:srcRect t="50985" r="6466" b="14214"/>
+          <a:stretch/>
+        </p:blipFill>
+        <p:spPr>
+          <a:xfrm>
+            <a:off x="895021" y="6495063"/>
+            <a:ext cx="4937081" cy="1836935"/>
+          </a:xfrm>
+          <a:prstGeom prst="rect">
+            <a:avLst/>
+          </a:prstGeom>
+        </p:spPr>
+      </p:pic>
+      <p:pic>
+        <p:nvPicPr>
+          <p:cNvPr id="24" name="Grafik 23" descr="Ein Bild, das Grafiken, Diagramm, Electric Blue (Farbe), Design enthält.&#10;&#10;Automatisch generierte Beschreibung">
+            <a:extLst>
+              <a:ext uri="{FF2B5EF4-FFF2-40B4-BE49-F238E27FC236}">
+                <a16:creationId xmlns:a16="http://schemas.microsoft.com/office/drawing/2014/main" id="{69162688-E104-1D6B-60AF-10D5D9A3E8B5}"/>
+              </a:ext>
+            </a:extLst>
+          </p:cNvPr>
+          <p:cNvPicPr>
+            <a:picLocks noChangeAspect="1"/>
+          </p:cNvPicPr>
+          <p:nvPr/>
+        </p:nvPicPr>
+        <p:blipFill>
+          <a:blip r:embed="rId2">
+            <a:alphaModFix/>
+            <a:extLst>
+              <a:ext uri="{28A0092B-C50C-407E-A947-70E740481C1C}">
+                <a14:useLocalDpi xmlns:a14="http://schemas.microsoft.com/office/drawing/2010/main" val="0"/>
+              </a:ext>
+            </a:extLst>
+          </a:blip>
+          <a:srcRect t="14727" r="6466" b="53342"/>
+          <a:stretch/>
+        </p:blipFill>
+        <p:spPr>
+          <a:xfrm>
+            <a:off x="5800620" y="6603757"/>
+            <a:ext cx="4935191" cy="1684830"/>
+          </a:xfrm>
+          <a:prstGeom prst="rect">
+            <a:avLst/>
+          </a:prstGeom>
+        </p:spPr>
+      </p:pic>
+      <p:pic>
+        <p:nvPicPr>
+          <p:cNvPr id="5" name="Grafik 4" descr="Ein Bild, das Design enthält.&#10;&#10;Automatisch generierte Beschreibung mit geringer Zuverlässigkeit">
+            <a:extLst>
+              <a:ext uri="{FF2B5EF4-FFF2-40B4-BE49-F238E27FC236}">
+                <a16:creationId xmlns:a16="http://schemas.microsoft.com/office/drawing/2014/main" id="{DBCCEEF3-1E50-A4E6-1F77-976EBCB0468E}"/>
+              </a:ext>
+            </a:extLst>
+          </p:cNvPr>
+          <p:cNvPicPr>
+            <a:picLocks noChangeAspect="1"/>
+          </p:cNvPicPr>
+          <p:nvPr/>
+        </p:nvPicPr>
+        <p:blipFill rotWithShape="1">
+          <a:blip r:embed="rId3">
+            <a:extLst>
+              <a:ext uri="{28A0092B-C50C-407E-A947-70E740481C1C}">
+                <a14:useLocalDpi xmlns:a14="http://schemas.microsoft.com/office/drawing/2010/main" val="0"/>
+              </a:ext>
+            </a:extLst>
+          </a:blip>
+          <a:srcRect t="11352" r="8232" b="50254"/>
+          <a:stretch/>
+        </p:blipFill>
+        <p:spPr>
+          <a:xfrm>
+            <a:off x="5782120" y="465526"/>
+            <a:ext cx="4858561" cy="2032754"/>
+          </a:xfrm>
+          <a:prstGeom prst="rect">
+            <a:avLst/>
+          </a:prstGeom>
+        </p:spPr>
+      </p:pic>
+      <p:pic>
+        <p:nvPicPr>
+          <p:cNvPr id="7" name="Grafik 6" descr="Ein Bild, das Diagramm, Grafiken, Design enthält.&#10;&#10;Automatisch generierte Beschreibung">
+            <a:extLst>
+              <a:ext uri="{FF2B5EF4-FFF2-40B4-BE49-F238E27FC236}">
+                <a16:creationId xmlns:a16="http://schemas.microsoft.com/office/drawing/2014/main" id="{88C718D2-F7CB-9A6A-A35A-9AA4DF62B444}"/>
+              </a:ext>
+            </a:extLst>
+          </p:cNvPr>
+          <p:cNvPicPr>
+            <a:picLocks noChangeAspect="1"/>
+          </p:cNvPicPr>
+          <p:nvPr/>
+        </p:nvPicPr>
+        <p:blipFill rotWithShape="1">
+          <a:blip r:embed="rId4">
+            <a:extLst>
+              <a:ext uri="{28A0092B-C50C-407E-A947-70E740481C1C}">
+                <a14:useLocalDpi xmlns:a14="http://schemas.microsoft.com/office/drawing/2010/main" val="0"/>
+              </a:ext>
+            </a:extLst>
+          </a:blip>
+          <a:srcRect t="11351" r="8232" b="50254"/>
+          <a:stretch/>
+        </p:blipFill>
+        <p:spPr>
+          <a:xfrm>
+            <a:off x="5782120" y="2497903"/>
+            <a:ext cx="4858561" cy="2032758"/>
+          </a:xfrm>
+          <a:prstGeom prst="rect">
+            <a:avLst/>
+          </a:prstGeom>
+        </p:spPr>
+      </p:pic>
+      <p:pic>
+        <p:nvPicPr>
+          <p:cNvPr id="10" name="Grafik 9" descr="Ein Bild, das Design enthält.&#10;&#10;Automatisch generierte Beschreibung mit geringer Zuverlässigkeit">
+            <a:extLst>
+              <a:ext uri="{FF2B5EF4-FFF2-40B4-BE49-F238E27FC236}">
+                <a16:creationId xmlns:a16="http://schemas.microsoft.com/office/drawing/2014/main" id="{CFBF537A-B600-09A4-F107-E407763E71F7}"/>
+              </a:ext>
+            </a:extLst>
+          </p:cNvPr>
+          <p:cNvPicPr>
+            <a:picLocks noChangeAspect="1"/>
+          </p:cNvPicPr>
+          <p:nvPr/>
+        </p:nvPicPr>
+        <p:blipFill rotWithShape="1">
+          <a:blip r:embed="rId3">
+            <a:alphaModFix/>
+            <a:extLst>
+              <a:ext uri="{28A0092B-C50C-407E-A947-70E740481C1C}">
+                <a14:useLocalDpi xmlns:a14="http://schemas.microsoft.com/office/drawing/2010/main" val="0"/>
+              </a:ext>
+            </a:extLst>
+          </a:blip>
+          <a:srcRect t="49168" r="7318" b="12437"/>
+          <a:stretch/>
+        </p:blipFill>
+        <p:spPr>
+          <a:xfrm>
+            <a:off x="870646" y="465526"/>
+            <a:ext cx="4906984" cy="2032754"/>
+          </a:xfrm>
+          <a:prstGeom prst="rect">
+            <a:avLst/>
+          </a:prstGeom>
+        </p:spPr>
+      </p:pic>
+      <p:pic>
+        <p:nvPicPr>
+          <p:cNvPr id="11" name="Grafik 10" descr="Ein Bild, das Diagramm, Grafiken, Design enthält.&#10;&#10;Automatisch generierte Beschreibung">
+            <a:extLst>
+              <a:ext uri="{FF2B5EF4-FFF2-40B4-BE49-F238E27FC236}">
+                <a16:creationId xmlns:a16="http://schemas.microsoft.com/office/drawing/2014/main" id="{EDA782A6-17D7-91BC-9770-656476586304}"/>
+              </a:ext>
+            </a:extLst>
+          </p:cNvPr>
+          <p:cNvPicPr>
+            <a:picLocks noChangeAspect="1"/>
+          </p:cNvPicPr>
+          <p:nvPr/>
+        </p:nvPicPr>
+        <p:blipFill rotWithShape="1">
+          <a:blip r:embed="rId4">
+            <a:extLst>
+              <a:ext uri="{28A0092B-C50C-407E-A947-70E740481C1C}">
+                <a14:useLocalDpi xmlns:a14="http://schemas.microsoft.com/office/drawing/2010/main" val="0"/>
+              </a:ext>
+            </a:extLst>
+          </a:blip>
+          <a:srcRect t="50254" r="7317" b="11352"/>
+          <a:stretch/>
+        </p:blipFill>
+        <p:spPr>
+          <a:xfrm>
+            <a:off x="870646" y="2497905"/>
+            <a:ext cx="4906984" cy="2032754"/>
+          </a:xfrm>
+          <a:prstGeom prst="rect">
+            <a:avLst/>
+          </a:prstGeom>
+        </p:spPr>
+      </p:pic>
+      <p:pic>
+        <p:nvPicPr>
+          <p:cNvPr id="15" name="Grafik 14" descr="Ein Bild, das Grafiken, Diagramm, Electric Blue (Farbe), Screenshot enthält.&#10;&#10;Automatisch generierte Beschreibung">
+            <a:extLst>
+              <a:ext uri="{FF2B5EF4-FFF2-40B4-BE49-F238E27FC236}">
+                <a16:creationId xmlns:a16="http://schemas.microsoft.com/office/drawing/2014/main" id="{0F8D913B-0612-A73D-D78F-065BA8B171B0}"/>
+              </a:ext>
+            </a:extLst>
+          </p:cNvPr>
+          <p:cNvPicPr>
+            <a:picLocks noChangeAspect="1"/>
+          </p:cNvPicPr>
+          <p:nvPr/>
+        </p:nvPicPr>
+        <p:blipFill rotWithShape="1">
+          <a:blip r:embed="rId5">
+            <a:extLst>
+              <a:ext uri="{28A0092B-C50C-407E-A947-70E740481C1C}">
+                <a14:useLocalDpi xmlns:a14="http://schemas.microsoft.com/office/drawing/2010/main" val="0"/>
+              </a:ext>
+            </a:extLst>
+          </a:blip>
+          <a:srcRect l="92155" t="14950" b="15286"/>
+          <a:stretch/>
+        </p:blipFill>
+        <p:spPr>
+          <a:xfrm>
+            <a:off x="10575731" y="374368"/>
+            <a:ext cx="1102922" cy="9807947"/>
+          </a:xfrm>
+          <a:prstGeom prst="rect">
+            <a:avLst/>
+          </a:prstGeom>
+        </p:spPr>
+      </p:pic>
+      <p:sp>
+        <p:nvSpPr>
+          <p:cNvPr id="17" name="Textfeld 16">
+            <a:extLst>
+              <a:ext uri="{FF2B5EF4-FFF2-40B4-BE49-F238E27FC236}">
+                <a16:creationId xmlns:a16="http://schemas.microsoft.com/office/drawing/2014/main" id="{A025E35D-3D0C-51AB-0608-E15D7134C475}"/>
+              </a:ext>
+            </a:extLst>
+          </p:cNvPr>
+          <p:cNvSpPr txBox="1"/>
+          <p:nvPr/>
+        </p:nvSpPr>
+        <p:spPr>
+          <a:xfrm>
+            <a:off x="6096002" y="191894"/>
+            <a:ext cx="1763111" cy="461665"/>
+          </a:xfrm>
+          <a:prstGeom prst="rect">
+            <a:avLst/>
+          </a:prstGeom>
+          <a:noFill/>
+        </p:spPr>
+        <p:txBody>
+          <a:bodyPr wrap="none" rtlCol="0">
+            <a:spAutoFit/>
+          </a:bodyPr>
+          <a:lstStyle/>
+          <a:p>
+            <a:r>
+              <a:rPr lang="de-CH" sz="2400" dirty="0">
+                <a:solidFill>
+                  <a:schemeClr val="bg1"/>
+                </a:solidFill>
+              </a:rPr>
+              <a:t>Right lateral</a:t>
+            </a:r>
+            <a:endParaRPr lang="en-GB" sz="2400" dirty="0">
+              <a:solidFill>
+                <a:schemeClr val="bg1"/>
+              </a:solidFill>
+            </a:endParaRPr>
+          </a:p>
+        </p:txBody>
+      </p:sp>
+      <p:sp>
+        <p:nvSpPr>
+          <p:cNvPr id="18" name="Textfeld 17">
+            <a:extLst>
+              <a:ext uri="{FF2B5EF4-FFF2-40B4-BE49-F238E27FC236}">
+                <a16:creationId xmlns:a16="http://schemas.microsoft.com/office/drawing/2014/main" id="{61FD4848-0129-0E64-6C7B-11321A54AE47}"/>
+              </a:ext>
+            </a:extLst>
+          </p:cNvPr>
+          <p:cNvSpPr txBox="1"/>
+          <p:nvPr/>
+        </p:nvSpPr>
+        <p:spPr>
+          <a:xfrm>
+            <a:off x="8545712" y="193012"/>
+            <a:ext cx="1840568" cy="461665"/>
+          </a:xfrm>
+          <a:prstGeom prst="rect">
+            <a:avLst/>
+          </a:prstGeom>
+          <a:noFill/>
+        </p:spPr>
+        <p:txBody>
+          <a:bodyPr wrap="none" rtlCol="0">
+            <a:spAutoFit/>
+          </a:bodyPr>
+          <a:lstStyle/>
+          <a:p>
+            <a:r>
+              <a:rPr lang="de-CH" sz="2400" dirty="0">
+                <a:solidFill>
+                  <a:schemeClr val="bg1"/>
+                </a:solidFill>
+              </a:rPr>
+              <a:t>Right medial</a:t>
+            </a:r>
+            <a:endParaRPr lang="en-GB" sz="2400" dirty="0">
+              <a:solidFill>
+                <a:schemeClr val="bg1"/>
+              </a:solidFill>
+            </a:endParaRPr>
+          </a:p>
+        </p:txBody>
+      </p:sp>
+      <p:sp>
+        <p:nvSpPr>
+          <p:cNvPr id="19" name="Textfeld 18">
+            <a:extLst>
+              <a:ext uri="{FF2B5EF4-FFF2-40B4-BE49-F238E27FC236}">
+                <a16:creationId xmlns:a16="http://schemas.microsoft.com/office/drawing/2014/main" id="{CD6D2806-49D4-C7C7-F75D-C2648C1AD30A}"/>
+              </a:ext>
+            </a:extLst>
+          </p:cNvPr>
+          <p:cNvSpPr txBox="1"/>
+          <p:nvPr/>
+        </p:nvSpPr>
+        <p:spPr>
+          <a:xfrm>
+            <a:off x="1246348" y="191894"/>
+            <a:ext cx="1595758" cy="461665"/>
+          </a:xfrm>
+          <a:prstGeom prst="rect">
+            <a:avLst/>
+          </a:prstGeom>
+          <a:noFill/>
+        </p:spPr>
+        <p:txBody>
+          <a:bodyPr wrap="none" rtlCol="0">
+            <a:spAutoFit/>
+          </a:bodyPr>
+          <a:lstStyle/>
+          <a:p>
+            <a:r>
+              <a:rPr lang="de-CH" sz="2400" dirty="0">
+                <a:solidFill>
+                  <a:schemeClr val="bg1"/>
+                </a:solidFill>
+              </a:rPr>
+              <a:t>Left lateral</a:t>
+            </a:r>
+            <a:endParaRPr lang="en-GB" sz="2400" dirty="0">
+              <a:solidFill>
+                <a:schemeClr val="bg1"/>
+              </a:solidFill>
+            </a:endParaRPr>
+          </a:p>
+        </p:txBody>
+      </p:sp>
+      <p:sp>
+        <p:nvSpPr>
+          <p:cNvPr id="20" name="Textfeld 19">
+            <a:extLst>
+              <a:ext uri="{FF2B5EF4-FFF2-40B4-BE49-F238E27FC236}">
+                <a16:creationId xmlns:a16="http://schemas.microsoft.com/office/drawing/2014/main" id="{95DD9D38-1C7C-7349-3F4E-3CB222C5A31B}"/>
+              </a:ext>
+            </a:extLst>
+          </p:cNvPr>
+          <p:cNvSpPr txBox="1"/>
+          <p:nvPr/>
+        </p:nvSpPr>
+        <p:spPr>
+          <a:xfrm>
+            <a:off x="3736186" y="191894"/>
+            <a:ext cx="1673215" cy="461665"/>
+          </a:xfrm>
+          <a:prstGeom prst="rect">
+            <a:avLst/>
+          </a:prstGeom>
+          <a:noFill/>
+        </p:spPr>
+        <p:txBody>
+          <a:bodyPr wrap="none" rtlCol="0">
+            <a:spAutoFit/>
+          </a:bodyPr>
+          <a:lstStyle/>
+          <a:p>
+            <a:r>
+              <a:rPr lang="de-CH" sz="2400" dirty="0">
+                <a:solidFill>
+                  <a:schemeClr val="bg1"/>
+                </a:solidFill>
+              </a:rPr>
+              <a:t>Left medial</a:t>
+            </a:r>
+            <a:endParaRPr lang="en-GB" sz="2400" dirty="0">
+              <a:solidFill>
+                <a:schemeClr val="bg1"/>
+              </a:solidFill>
+            </a:endParaRPr>
+          </a:p>
+        </p:txBody>
+      </p:sp>
+      <p:sp>
+        <p:nvSpPr>
+          <p:cNvPr id="21" name="Textfeld 20">
+            <a:extLst>
+              <a:ext uri="{FF2B5EF4-FFF2-40B4-BE49-F238E27FC236}">
+                <a16:creationId xmlns:a16="http://schemas.microsoft.com/office/drawing/2014/main" id="{15771D7B-3B53-A5B4-FED7-F1306E2B4CE5}"/>
+              </a:ext>
+            </a:extLst>
+          </p:cNvPr>
+          <p:cNvSpPr txBox="1"/>
+          <p:nvPr/>
+        </p:nvSpPr>
+        <p:spPr>
+          <a:xfrm>
+            <a:off x="323116" y="1095360"/>
+            <a:ext cx="553998" cy="772712"/>
+          </a:xfrm>
+          <a:prstGeom prst="rect">
+            <a:avLst/>
+          </a:prstGeom>
+          <a:noFill/>
+        </p:spPr>
+        <p:txBody>
+          <a:bodyPr vert="vert270" wrap="none" rtlCol="0">
+            <a:spAutoFit/>
+          </a:bodyPr>
+          <a:lstStyle/>
+          <a:p>
+            <a:r>
+              <a:rPr lang="de-CH" sz="2400" dirty="0">
+                <a:solidFill>
+                  <a:schemeClr val="bg1"/>
+                </a:solidFill>
+              </a:rPr>
+              <a:t>ANTs</a:t>
+            </a:r>
+            <a:endParaRPr lang="en-GB" sz="2400" dirty="0">
+              <a:solidFill>
+                <a:schemeClr val="bg1"/>
+              </a:solidFill>
+            </a:endParaRPr>
+          </a:p>
+        </p:txBody>
+      </p:sp>
+      <p:sp>
+        <p:nvSpPr>
+          <p:cNvPr id="22" name="Textfeld 21">
+            <a:extLst>
+              <a:ext uri="{FF2B5EF4-FFF2-40B4-BE49-F238E27FC236}">
+                <a16:creationId xmlns:a16="http://schemas.microsoft.com/office/drawing/2014/main" id="{CA640A42-7A05-ED19-4DB1-7C1156E71DF9}"/>
+              </a:ext>
+            </a:extLst>
+          </p:cNvPr>
+          <p:cNvSpPr txBox="1"/>
+          <p:nvPr/>
+        </p:nvSpPr>
+        <p:spPr>
+          <a:xfrm>
+            <a:off x="315569" y="2691121"/>
+            <a:ext cx="553998" cy="1569725"/>
+          </a:xfrm>
+          <a:prstGeom prst="rect">
+            <a:avLst/>
+          </a:prstGeom>
+          <a:noFill/>
+        </p:spPr>
+        <p:txBody>
+          <a:bodyPr vert="vert270" wrap="none" rtlCol="0">
+            <a:spAutoFit/>
+          </a:bodyPr>
+          <a:lstStyle/>
+          <a:p>
+            <a:r>
+              <a:rPr lang="de-CH" sz="2400" dirty="0">
+                <a:solidFill>
+                  <a:schemeClr val="bg1"/>
+                </a:solidFill>
+              </a:rPr>
+              <a:t>ANTsPyNet</a:t>
+            </a:r>
+            <a:endParaRPr lang="en-GB" sz="2400" dirty="0">
+              <a:solidFill>
+                <a:schemeClr val="bg1"/>
+              </a:solidFill>
+            </a:endParaRPr>
+          </a:p>
+        </p:txBody>
+      </p:sp>
+      <p:sp>
+        <p:nvSpPr>
+          <p:cNvPr id="23" name="Textfeld 22">
+            <a:extLst>
+              <a:ext uri="{FF2B5EF4-FFF2-40B4-BE49-F238E27FC236}">
+                <a16:creationId xmlns:a16="http://schemas.microsoft.com/office/drawing/2014/main" id="{862253A5-654B-D576-C2AA-8E8CE8A3DDDA}"/>
+              </a:ext>
+            </a:extLst>
+          </p:cNvPr>
+          <p:cNvSpPr txBox="1"/>
+          <p:nvPr/>
+        </p:nvSpPr>
+        <p:spPr>
+          <a:xfrm>
+            <a:off x="323116" y="6793750"/>
+            <a:ext cx="553998" cy="1436483"/>
+          </a:xfrm>
+          <a:prstGeom prst="rect">
+            <a:avLst/>
+          </a:prstGeom>
+          <a:noFill/>
+        </p:spPr>
+        <p:txBody>
+          <a:bodyPr vert="vert270" wrap="none" rtlCol="0">
+            <a:spAutoFit/>
+          </a:bodyPr>
+          <a:lstStyle/>
+          <a:p>
+            <a:r>
+              <a:rPr lang="de-CH" sz="2400" dirty="0" err="1">
+                <a:solidFill>
+                  <a:schemeClr val="bg1"/>
+                </a:solidFill>
+              </a:rPr>
+              <a:t>Fastsurfer</a:t>
+            </a:r>
+            <a:endParaRPr lang="en-GB" sz="2400" dirty="0">
+              <a:solidFill>
+                <a:schemeClr val="bg1"/>
+              </a:solidFill>
+            </a:endParaRPr>
+          </a:p>
+        </p:txBody>
+      </p:sp>
+      <p:pic>
+        <p:nvPicPr>
+          <p:cNvPr id="3" name="Grafik 2" descr="Ein Bild, das Grafiken, Diagramm, Design enthält.&#10;&#10;Automatisch generierte Beschreibung">
+            <a:extLst>
+              <a:ext uri="{FF2B5EF4-FFF2-40B4-BE49-F238E27FC236}">
+                <a16:creationId xmlns:a16="http://schemas.microsoft.com/office/drawing/2014/main" id="{D9AF14FC-7C4A-1228-F7F9-A4CC7D4BC5ED}"/>
+              </a:ext>
+            </a:extLst>
+          </p:cNvPr>
+          <p:cNvPicPr>
+            <a:picLocks noChangeAspect="1"/>
+          </p:cNvPicPr>
+          <p:nvPr/>
+        </p:nvPicPr>
+        <p:blipFill rotWithShape="1">
+          <a:blip r:embed="rId6">
+            <a:alphaModFix/>
+            <a:extLst>
+              <a:ext uri="{28A0092B-C50C-407E-A947-70E740481C1C}">
+                <a14:useLocalDpi xmlns:a14="http://schemas.microsoft.com/office/drawing/2010/main" val="0"/>
+              </a:ext>
+            </a:extLst>
+          </a:blip>
+          <a:srcRect t="14781" r="7594" b="53386"/>
+          <a:stretch/>
+        </p:blipFill>
+        <p:spPr>
+          <a:xfrm>
+            <a:off x="5778637" y="4637368"/>
+            <a:ext cx="4890836" cy="1684830"/>
+          </a:xfrm>
+          <a:prstGeom prst="rect">
+            <a:avLst/>
+          </a:prstGeom>
+        </p:spPr>
+      </p:pic>
+      <p:pic>
+        <p:nvPicPr>
+          <p:cNvPr id="6" name="Grafik 5" descr="Ein Bild, das Grafiken, Diagramm, Design enthält.&#10;&#10;Automatisch generierte Beschreibung">
+            <a:extLst>
+              <a:ext uri="{FF2B5EF4-FFF2-40B4-BE49-F238E27FC236}">
+                <a16:creationId xmlns:a16="http://schemas.microsoft.com/office/drawing/2014/main" id="{68958D16-B08B-9195-5BA5-192AF8024FD7}"/>
+              </a:ext>
+            </a:extLst>
+          </p:cNvPr>
+          <p:cNvPicPr>
+            <a:picLocks noChangeAspect="1"/>
+          </p:cNvPicPr>
+          <p:nvPr/>
+        </p:nvPicPr>
+        <p:blipFill rotWithShape="1">
+          <a:blip r:embed="rId6">
+            <a:alphaModFix/>
+            <a:extLst>
+              <a:ext uri="{28A0092B-C50C-407E-A947-70E740481C1C}">
+                <a14:useLocalDpi xmlns:a14="http://schemas.microsoft.com/office/drawing/2010/main" val="0"/>
+              </a:ext>
+            </a:extLst>
+          </a:blip>
+          <a:srcRect t="51007" r="7795" b="15047"/>
+          <a:stretch/>
+        </p:blipFill>
+        <p:spPr>
+          <a:xfrm>
+            <a:off x="869568" y="4525480"/>
+            <a:ext cx="4880277" cy="1796719"/>
+          </a:xfrm>
+          <a:prstGeom prst="rect">
+            <a:avLst/>
+          </a:prstGeom>
+        </p:spPr>
+      </p:pic>
+      <p:sp>
+        <p:nvSpPr>
+          <p:cNvPr id="8" name="Textfeld 7">
+            <a:extLst>
+              <a:ext uri="{FF2B5EF4-FFF2-40B4-BE49-F238E27FC236}">
+                <a16:creationId xmlns:a16="http://schemas.microsoft.com/office/drawing/2014/main" id="{03199C90-E018-860B-E29E-2E3F7F2DB221}"/>
+              </a:ext>
+            </a:extLst>
+          </p:cNvPr>
+          <p:cNvSpPr txBox="1"/>
+          <p:nvPr/>
+        </p:nvSpPr>
+        <p:spPr>
+          <a:xfrm>
+            <a:off x="323116" y="4717078"/>
+            <a:ext cx="553998" cy="1450782"/>
+          </a:xfrm>
+          <a:prstGeom prst="rect">
+            <a:avLst/>
+          </a:prstGeom>
+          <a:noFill/>
+        </p:spPr>
+        <p:txBody>
+          <a:bodyPr vert="vert270" wrap="none" rtlCol="0">
+            <a:spAutoFit/>
+          </a:bodyPr>
+          <a:lstStyle/>
+          <a:p>
+            <a:r>
+              <a:rPr lang="de-CH" sz="2400" dirty="0">
+                <a:solidFill>
+                  <a:schemeClr val="bg1"/>
+                </a:solidFill>
+              </a:rPr>
+              <a:t>Freesurfer</a:t>
+            </a:r>
+            <a:endParaRPr lang="en-GB" sz="2400" dirty="0">
+              <a:solidFill>
+                <a:schemeClr val="bg1"/>
+              </a:solidFill>
+            </a:endParaRPr>
+          </a:p>
+        </p:txBody>
+      </p:sp>
+      <p:pic>
+        <p:nvPicPr>
+          <p:cNvPr id="2" name="Grafik 1" descr="Ein Bild, das Grafiken, Diagramm, Electric Blue (Farbe), Screenshot enthält.&#10;&#10;Automatisch generierte Beschreibung">
+            <a:extLst>
+              <a:ext uri="{FF2B5EF4-FFF2-40B4-BE49-F238E27FC236}">
+                <a16:creationId xmlns:a16="http://schemas.microsoft.com/office/drawing/2014/main" id="{E5BDF371-6690-83C0-BD24-B992DB319A98}"/>
+              </a:ext>
+            </a:extLst>
+          </p:cNvPr>
+          <p:cNvPicPr>
+            <a:picLocks noChangeAspect="1"/>
+          </p:cNvPicPr>
+          <p:nvPr/>
+        </p:nvPicPr>
+        <p:blipFill rotWithShape="1">
+          <a:blip r:embed="rId5">
+            <a:extLst>
+              <a:ext uri="{28A0092B-C50C-407E-A947-70E740481C1C}">
+                <a14:useLocalDpi xmlns:a14="http://schemas.microsoft.com/office/drawing/2010/main" val="0"/>
+              </a:ext>
+            </a:extLst>
+          </a:blip>
+          <a:srcRect t="11351" r="8232" b="50254"/>
+          <a:stretch/>
+        </p:blipFill>
+        <p:spPr>
+          <a:xfrm>
+            <a:off x="5767841" y="8332752"/>
+            <a:ext cx="4858561" cy="2032758"/>
+          </a:xfrm>
+          <a:prstGeom prst="rect">
+            <a:avLst/>
+          </a:prstGeom>
+        </p:spPr>
+      </p:pic>
+      <p:pic>
+        <p:nvPicPr>
+          <p:cNvPr id="4" name="Grafik 3" descr="Ein Bild, das Grafiken, Diagramm, Electric Blue (Farbe), Screenshot enthält.&#10;&#10;Automatisch generierte Beschreibung">
+            <a:extLst>
+              <a:ext uri="{FF2B5EF4-FFF2-40B4-BE49-F238E27FC236}">
+                <a16:creationId xmlns:a16="http://schemas.microsoft.com/office/drawing/2014/main" id="{774DDA46-8E43-05FE-627D-87AF7B5A320B}"/>
+              </a:ext>
+            </a:extLst>
+          </p:cNvPr>
+          <p:cNvPicPr>
+            <a:picLocks noChangeAspect="1"/>
+          </p:cNvPicPr>
+          <p:nvPr/>
+        </p:nvPicPr>
+        <p:blipFill rotWithShape="1">
+          <a:blip r:embed="rId5">
+            <a:extLst>
+              <a:ext uri="{28A0092B-C50C-407E-A947-70E740481C1C}">
+                <a14:useLocalDpi xmlns:a14="http://schemas.microsoft.com/office/drawing/2010/main" val="0"/>
+              </a:ext>
+            </a:extLst>
+          </a:blip>
+          <a:srcRect t="50254" r="7317" b="11352"/>
+          <a:stretch/>
+        </p:blipFill>
+        <p:spPr>
+          <a:xfrm>
+            <a:off x="869567" y="8332377"/>
+            <a:ext cx="4906984" cy="2032754"/>
+          </a:xfrm>
+          <a:prstGeom prst="rect">
+            <a:avLst/>
+          </a:prstGeom>
+        </p:spPr>
+      </p:pic>
+      <p:sp>
+        <p:nvSpPr>
+          <p:cNvPr id="13" name="Textfeld 12">
+            <a:extLst>
+              <a:ext uri="{FF2B5EF4-FFF2-40B4-BE49-F238E27FC236}">
+                <a16:creationId xmlns:a16="http://schemas.microsoft.com/office/drawing/2014/main" id="{A6F519D4-D058-BD30-EAA5-D6CDFF9900C1}"/>
+              </a:ext>
+            </a:extLst>
+          </p:cNvPr>
+          <p:cNvSpPr txBox="1"/>
+          <p:nvPr/>
+        </p:nvSpPr>
+        <p:spPr>
+          <a:xfrm>
+            <a:off x="311081" y="8513980"/>
+            <a:ext cx="553998" cy="1610954"/>
+          </a:xfrm>
+          <a:prstGeom prst="rect">
+            <a:avLst/>
+          </a:prstGeom>
+          <a:noFill/>
+        </p:spPr>
+        <p:txBody>
+          <a:bodyPr vert="vert270" wrap="none" rtlCol="0">
+            <a:spAutoFit/>
+          </a:bodyPr>
+          <a:lstStyle/>
+          <a:p>
+            <a:r>
+              <a:rPr lang="de-CH" sz="2400" dirty="0">
+                <a:solidFill>
+                  <a:schemeClr val="bg1"/>
+                </a:solidFill>
+              </a:rPr>
+              <a:t>DL+DiReCT</a:t>
+            </a:r>
+            <a:endParaRPr lang="en-GB" sz="2400" dirty="0">
+              <a:solidFill>
+                <a:schemeClr val="bg1"/>
+              </a:solidFill>
+            </a:endParaRPr>
+          </a:p>
+        </p:txBody>
+      </p:sp>
+    </p:spTree>
+    <p:extLst>
+      <p:ext uri="{BB962C8B-B14F-4D97-AF65-F5344CB8AC3E}">
+        <p14:creationId xmlns:p14="http://schemas.microsoft.com/office/powerpoint/2010/main" val="3775896505"/>
       </p:ext>
     </p:extLst>
   </p:cSld>
